--- a/50.001_Information_System/Week-04/50.001 - Exception.pptx
+++ b/50.001_Information_System/Week-04/50.001 - Exception.pptx
@@ -144,6 +144,22 @@
       </a:defRPr>
     </a:lvl9pPr>
   </p:defaultTextStyle>
+  <p:extLst>
+    <p:ext uri="{EFAFB233-063F-42B5-8137-9DF3F51BA10A}">
+      <p15:sldGuideLst xmlns:p15="http://schemas.microsoft.com/office/powerpoint/2012/main">
+        <p15:guide id="1" orient="horz" pos="2160">
+          <p15:clr>
+            <a:srgbClr val="A4A3A4"/>
+          </p15:clr>
+        </p15:guide>
+        <p15:guide id="2" pos="2880">
+          <p15:clr>
+            <a:srgbClr val="A4A3A4"/>
+          </p15:clr>
+        </p15:guide>
+      </p15:sldGuideLst>
+    </p:ext>
+  </p:extLst>
 </p:presentation>
 </file>
 
@@ -229,7 +245,7 @@
           <a:p>
             <a:fld id="{67327B2C-92B1-4ED7-A558-811EA26BC9FD}" type="datetimeFigureOut">
               <a:rPr lang="en-US" smtClean="0"/>
-              <a:t>10/1/2017</a:t>
+              <a:t>10/31/18</a:t>
             </a:fld>
             <a:endParaRPr lang="en-US"/>
           </a:p>
@@ -293,38 +309,37 @@
           <a:p>
             <a:pPr lvl="0"/>
             <a:r>
-              <a:rPr lang="en-US" smtClean="0"/>
+              <a:rPr lang="en-US"/>
               <a:t>Click to edit Master text styles</a:t>
             </a:r>
           </a:p>
           <a:p>
             <a:pPr lvl="1"/>
             <a:r>
-              <a:rPr lang="en-US" smtClean="0"/>
+              <a:rPr lang="en-US"/>
               <a:t>Second level</a:t>
             </a:r>
           </a:p>
           <a:p>
             <a:pPr lvl="2"/>
             <a:r>
-              <a:rPr lang="en-US" smtClean="0"/>
+              <a:rPr lang="en-US"/>
               <a:t>Third level</a:t>
             </a:r>
           </a:p>
           <a:p>
             <a:pPr lvl="3"/>
             <a:r>
-              <a:rPr lang="en-US" smtClean="0"/>
+              <a:rPr lang="en-US"/>
               <a:t>Fourth level</a:t>
             </a:r>
           </a:p>
           <a:p>
             <a:pPr lvl="4"/>
             <a:r>
-              <a:rPr lang="en-US" smtClean="0"/>
+              <a:rPr lang="en-US"/>
               <a:t>Fifth level</a:t>
             </a:r>
-            <a:endParaRPr lang="en-US"/>
           </a:p>
         </p:txBody>
       </p:sp>
@@ -619,10 +634,9 @@
           <a:lstStyle/>
           <a:p>
             <a:r>
-              <a:rPr lang="en-US" smtClean="0"/>
+              <a:rPr lang="en-US"/>
               <a:t>Click to edit Master title style</a:t>
             </a:r>
-            <a:endParaRPr lang="en-US"/>
           </a:p>
         </p:txBody>
       </p:sp>
@@ -738,10 +752,9 @@
           </a:lstStyle>
           <a:p>
             <a:r>
-              <a:rPr lang="en-US" smtClean="0"/>
+              <a:rPr lang="en-US"/>
               <a:t>Click to edit Master subtitle style</a:t>
             </a:r>
-            <a:endParaRPr lang="en-US"/>
           </a:p>
         </p:txBody>
       </p:sp>
@@ -762,7 +775,7 @@
           <a:p>
             <a:fld id="{590A2C19-A8E3-44CE-907A-282FBD0944B7}" type="datetimeFigureOut">
               <a:rPr lang="en-US" smtClean="0"/>
-              <a:t>10/1/2017</a:t>
+              <a:t>10/31/18</a:t>
             </a:fld>
             <a:endParaRPr lang="en-US"/>
           </a:p>
@@ -856,10 +869,9 @@
           <a:lstStyle/>
           <a:p>
             <a:r>
-              <a:rPr lang="en-US" smtClean="0"/>
+              <a:rPr lang="en-US"/>
               <a:t>Click to edit Master title style</a:t>
             </a:r>
-            <a:endParaRPr lang="en-US"/>
           </a:p>
         </p:txBody>
       </p:sp>
@@ -880,38 +892,37 @@
           <a:p>
             <a:pPr lvl="0"/>
             <a:r>
-              <a:rPr lang="en-US" smtClean="0"/>
+              <a:rPr lang="en-US"/>
               <a:t>Click to edit Master text styles</a:t>
             </a:r>
           </a:p>
           <a:p>
             <a:pPr lvl="1"/>
             <a:r>
-              <a:rPr lang="en-US" smtClean="0"/>
+              <a:rPr lang="en-US"/>
               <a:t>Second level</a:t>
             </a:r>
           </a:p>
           <a:p>
             <a:pPr lvl="2"/>
             <a:r>
-              <a:rPr lang="en-US" smtClean="0"/>
+              <a:rPr lang="en-US"/>
               <a:t>Third level</a:t>
             </a:r>
           </a:p>
           <a:p>
             <a:pPr lvl="3"/>
             <a:r>
-              <a:rPr lang="en-US" smtClean="0"/>
+              <a:rPr lang="en-US"/>
               <a:t>Fourth level</a:t>
             </a:r>
           </a:p>
           <a:p>
             <a:pPr lvl="4"/>
             <a:r>
-              <a:rPr lang="en-US" smtClean="0"/>
+              <a:rPr lang="en-US"/>
               <a:t>Fifth level</a:t>
             </a:r>
-            <a:endParaRPr lang="en-US"/>
           </a:p>
         </p:txBody>
       </p:sp>
@@ -932,7 +943,7 @@
           <a:p>
             <a:fld id="{590A2C19-A8E3-44CE-907A-282FBD0944B7}" type="datetimeFigureOut">
               <a:rPr lang="en-US" smtClean="0"/>
-              <a:t>10/1/2017</a:t>
+              <a:t>10/31/18</a:t>
             </a:fld>
             <a:endParaRPr lang="en-US"/>
           </a:p>
@@ -1031,10 +1042,9 @@
           <a:lstStyle/>
           <a:p>
             <a:r>
-              <a:rPr lang="en-US" smtClean="0"/>
+              <a:rPr lang="en-US"/>
               <a:t>Click to edit Master title style</a:t>
             </a:r>
-            <a:endParaRPr lang="en-US"/>
           </a:p>
         </p:txBody>
       </p:sp>
@@ -1060,38 +1070,37 @@
           <a:p>
             <a:pPr lvl="0"/>
             <a:r>
-              <a:rPr lang="en-US" smtClean="0"/>
+              <a:rPr lang="en-US"/>
               <a:t>Click to edit Master text styles</a:t>
             </a:r>
           </a:p>
           <a:p>
             <a:pPr lvl="1"/>
             <a:r>
-              <a:rPr lang="en-US" smtClean="0"/>
+              <a:rPr lang="en-US"/>
               <a:t>Second level</a:t>
             </a:r>
           </a:p>
           <a:p>
             <a:pPr lvl="2"/>
             <a:r>
-              <a:rPr lang="en-US" smtClean="0"/>
+              <a:rPr lang="en-US"/>
               <a:t>Third level</a:t>
             </a:r>
           </a:p>
           <a:p>
             <a:pPr lvl="3"/>
             <a:r>
-              <a:rPr lang="en-US" smtClean="0"/>
+              <a:rPr lang="en-US"/>
               <a:t>Fourth level</a:t>
             </a:r>
           </a:p>
           <a:p>
             <a:pPr lvl="4"/>
             <a:r>
-              <a:rPr lang="en-US" smtClean="0"/>
+              <a:rPr lang="en-US"/>
               <a:t>Fifth level</a:t>
             </a:r>
-            <a:endParaRPr lang="en-US"/>
           </a:p>
         </p:txBody>
       </p:sp>
@@ -1112,7 +1121,7 @@
           <a:p>
             <a:fld id="{590A2C19-A8E3-44CE-907A-282FBD0944B7}" type="datetimeFigureOut">
               <a:rPr lang="en-US" smtClean="0"/>
-              <a:t>10/1/2017</a:t>
+              <a:t>10/31/18</a:t>
             </a:fld>
             <a:endParaRPr lang="en-US"/>
           </a:p>
@@ -1206,10 +1215,9 @@
           <a:lstStyle/>
           <a:p>
             <a:r>
-              <a:rPr lang="en-US" smtClean="0"/>
+              <a:rPr lang="en-US"/>
               <a:t>Click to edit Master title style</a:t>
             </a:r>
-            <a:endParaRPr lang="en-US"/>
           </a:p>
         </p:txBody>
       </p:sp>
@@ -1230,38 +1238,37 @@
           <a:p>
             <a:pPr lvl="0"/>
             <a:r>
-              <a:rPr lang="en-US" smtClean="0"/>
+              <a:rPr lang="en-US"/>
               <a:t>Click to edit Master text styles</a:t>
             </a:r>
           </a:p>
           <a:p>
             <a:pPr lvl="1"/>
             <a:r>
-              <a:rPr lang="en-US" smtClean="0"/>
+              <a:rPr lang="en-US"/>
               <a:t>Second level</a:t>
             </a:r>
           </a:p>
           <a:p>
             <a:pPr lvl="2"/>
             <a:r>
-              <a:rPr lang="en-US" smtClean="0"/>
+              <a:rPr lang="en-US"/>
               <a:t>Third level</a:t>
             </a:r>
           </a:p>
           <a:p>
             <a:pPr lvl="3"/>
             <a:r>
-              <a:rPr lang="en-US" smtClean="0"/>
+              <a:rPr lang="en-US"/>
               <a:t>Fourth level</a:t>
             </a:r>
           </a:p>
           <a:p>
             <a:pPr lvl="4"/>
             <a:r>
-              <a:rPr lang="en-US" smtClean="0"/>
+              <a:rPr lang="en-US"/>
               <a:t>Fifth level</a:t>
             </a:r>
-            <a:endParaRPr lang="en-US"/>
           </a:p>
         </p:txBody>
       </p:sp>
@@ -1282,7 +1289,7 @@
           <a:p>
             <a:fld id="{590A2C19-A8E3-44CE-907A-282FBD0944B7}" type="datetimeFigureOut">
               <a:rPr lang="en-US" smtClean="0"/>
-              <a:t>10/1/2017</a:t>
+              <a:t>10/31/18</a:t>
             </a:fld>
             <a:endParaRPr lang="en-US"/>
           </a:p>
@@ -1385,10 +1392,9 @@
           </a:lstStyle>
           <a:p>
             <a:r>
-              <a:rPr lang="en-US" smtClean="0"/>
+              <a:rPr lang="en-US"/>
               <a:t>Click to edit Master title style</a:t>
             </a:r>
-            <a:endParaRPr lang="en-US"/>
           </a:p>
         </p:txBody>
       </p:sp>
@@ -1505,7 +1511,7 @@
           <a:p>
             <a:pPr lvl="0"/>
             <a:r>
-              <a:rPr lang="en-US" smtClean="0"/>
+              <a:rPr lang="en-US"/>
               <a:t>Click to edit Master text styles</a:t>
             </a:r>
           </a:p>
@@ -1528,7 +1534,7 @@
           <a:p>
             <a:fld id="{590A2C19-A8E3-44CE-907A-282FBD0944B7}" type="datetimeFigureOut">
               <a:rPr lang="en-US" smtClean="0"/>
-              <a:t>10/1/2017</a:t>
+              <a:t>10/31/18</a:t>
             </a:fld>
             <a:endParaRPr lang="en-US"/>
           </a:p>
@@ -1622,10 +1628,9 @@
           <a:lstStyle/>
           <a:p>
             <a:r>
-              <a:rPr lang="en-US" smtClean="0"/>
+              <a:rPr lang="en-US"/>
               <a:t>Click to edit Master title style</a:t>
             </a:r>
-            <a:endParaRPr lang="en-US"/>
           </a:p>
         </p:txBody>
       </p:sp>
@@ -1679,38 +1684,37 @@
           <a:p>
             <a:pPr lvl="0"/>
             <a:r>
-              <a:rPr lang="en-US" smtClean="0"/>
+              <a:rPr lang="en-US"/>
               <a:t>Click to edit Master text styles</a:t>
             </a:r>
           </a:p>
           <a:p>
             <a:pPr lvl="1"/>
             <a:r>
-              <a:rPr lang="en-US" smtClean="0"/>
+              <a:rPr lang="en-US"/>
               <a:t>Second level</a:t>
             </a:r>
           </a:p>
           <a:p>
             <a:pPr lvl="2"/>
             <a:r>
-              <a:rPr lang="en-US" smtClean="0"/>
+              <a:rPr lang="en-US"/>
               <a:t>Third level</a:t>
             </a:r>
           </a:p>
           <a:p>
             <a:pPr lvl="3"/>
             <a:r>
-              <a:rPr lang="en-US" smtClean="0"/>
+              <a:rPr lang="en-US"/>
               <a:t>Fourth level</a:t>
             </a:r>
           </a:p>
           <a:p>
             <a:pPr lvl="4"/>
             <a:r>
-              <a:rPr lang="en-US" smtClean="0"/>
+              <a:rPr lang="en-US"/>
               <a:t>Fifth level</a:t>
             </a:r>
-            <a:endParaRPr lang="en-US"/>
           </a:p>
         </p:txBody>
       </p:sp>
@@ -1764,38 +1768,37 @@
           <a:p>
             <a:pPr lvl="0"/>
             <a:r>
-              <a:rPr lang="en-US" smtClean="0"/>
+              <a:rPr lang="en-US"/>
               <a:t>Click to edit Master text styles</a:t>
             </a:r>
           </a:p>
           <a:p>
             <a:pPr lvl="1"/>
             <a:r>
-              <a:rPr lang="en-US" smtClean="0"/>
+              <a:rPr lang="en-US"/>
               <a:t>Second level</a:t>
             </a:r>
           </a:p>
           <a:p>
             <a:pPr lvl="2"/>
             <a:r>
-              <a:rPr lang="en-US" smtClean="0"/>
+              <a:rPr lang="en-US"/>
               <a:t>Third level</a:t>
             </a:r>
           </a:p>
           <a:p>
             <a:pPr lvl="3"/>
             <a:r>
-              <a:rPr lang="en-US" smtClean="0"/>
+              <a:rPr lang="en-US"/>
               <a:t>Fourth level</a:t>
             </a:r>
           </a:p>
           <a:p>
             <a:pPr lvl="4"/>
             <a:r>
-              <a:rPr lang="en-US" smtClean="0"/>
+              <a:rPr lang="en-US"/>
               <a:t>Fifth level</a:t>
             </a:r>
-            <a:endParaRPr lang="en-US"/>
           </a:p>
         </p:txBody>
       </p:sp>
@@ -1816,7 +1819,7 @@
           <a:p>
             <a:fld id="{590A2C19-A8E3-44CE-907A-282FBD0944B7}" type="datetimeFigureOut">
               <a:rPr lang="en-US" smtClean="0"/>
-              <a:t>10/1/2017</a:t>
+              <a:t>10/31/18</a:t>
             </a:fld>
             <a:endParaRPr lang="en-US"/>
           </a:p>
@@ -1914,10 +1917,9 @@
           </a:lstStyle>
           <a:p>
             <a:r>
-              <a:rPr lang="en-US" smtClean="0"/>
+              <a:rPr lang="en-US"/>
               <a:t>Click to edit Master title style</a:t>
             </a:r>
-            <a:endParaRPr lang="en-US"/>
           </a:p>
         </p:txBody>
       </p:sp>
@@ -1980,7 +1982,7 @@
           <a:p>
             <a:pPr lvl="0"/>
             <a:r>
-              <a:rPr lang="en-US" smtClean="0"/>
+              <a:rPr lang="en-US"/>
               <a:t>Click to edit Master text styles</a:t>
             </a:r>
           </a:p>
@@ -2036,38 +2038,37 @@
           <a:p>
             <a:pPr lvl="0"/>
             <a:r>
-              <a:rPr lang="en-US" smtClean="0"/>
+              <a:rPr lang="en-US"/>
               <a:t>Click to edit Master text styles</a:t>
             </a:r>
           </a:p>
           <a:p>
             <a:pPr lvl="1"/>
             <a:r>
-              <a:rPr lang="en-US" smtClean="0"/>
+              <a:rPr lang="en-US"/>
               <a:t>Second level</a:t>
             </a:r>
           </a:p>
           <a:p>
             <a:pPr lvl="2"/>
             <a:r>
-              <a:rPr lang="en-US" smtClean="0"/>
+              <a:rPr lang="en-US"/>
               <a:t>Third level</a:t>
             </a:r>
           </a:p>
           <a:p>
             <a:pPr lvl="3"/>
             <a:r>
-              <a:rPr lang="en-US" smtClean="0"/>
+              <a:rPr lang="en-US"/>
               <a:t>Fourth level</a:t>
             </a:r>
           </a:p>
           <a:p>
             <a:pPr lvl="4"/>
             <a:r>
-              <a:rPr lang="en-US" smtClean="0"/>
+              <a:rPr lang="en-US"/>
               <a:t>Fifth level</a:t>
             </a:r>
-            <a:endParaRPr lang="en-US"/>
           </a:p>
         </p:txBody>
       </p:sp>
@@ -2130,7 +2131,7 @@
           <a:p>
             <a:pPr lvl="0"/>
             <a:r>
-              <a:rPr lang="en-US" smtClean="0"/>
+              <a:rPr lang="en-US"/>
               <a:t>Click to edit Master text styles</a:t>
             </a:r>
           </a:p>
@@ -2186,38 +2187,37 @@
           <a:p>
             <a:pPr lvl="0"/>
             <a:r>
-              <a:rPr lang="en-US" smtClean="0"/>
+              <a:rPr lang="en-US"/>
               <a:t>Click to edit Master text styles</a:t>
             </a:r>
           </a:p>
           <a:p>
             <a:pPr lvl="1"/>
             <a:r>
-              <a:rPr lang="en-US" smtClean="0"/>
+              <a:rPr lang="en-US"/>
               <a:t>Second level</a:t>
             </a:r>
           </a:p>
           <a:p>
             <a:pPr lvl="2"/>
             <a:r>
-              <a:rPr lang="en-US" smtClean="0"/>
+              <a:rPr lang="en-US"/>
               <a:t>Third level</a:t>
             </a:r>
           </a:p>
           <a:p>
             <a:pPr lvl="3"/>
             <a:r>
-              <a:rPr lang="en-US" smtClean="0"/>
+              <a:rPr lang="en-US"/>
               <a:t>Fourth level</a:t>
             </a:r>
           </a:p>
           <a:p>
             <a:pPr lvl="4"/>
             <a:r>
-              <a:rPr lang="en-US" smtClean="0"/>
+              <a:rPr lang="en-US"/>
               <a:t>Fifth level</a:t>
             </a:r>
-            <a:endParaRPr lang="en-US"/>
           </a:p>
         </p:txBody>
       </p:sp>
@@ -2238,7 +2238,7 @@
           <a:p>
             <a:fld id="{590A2C19-A8E3-44CE-907A-282FBD0944B7}" type="datetimeFigureOut">
               <a:rPr lang="en-US" smtClean="0"/>
-              <a:t>10/1/2017</a:t>
+              <a:t>10/31/18</a:t>
             </a:fld>
             <a:endParaRPr lang="en-US"/>
           </a:p>
@@ -2332,10 +2332,9 @@
           <a:lstStyle/>
           <a:p>
             <a:r>
-              <a:rPr lang="en-US" smtClean="0"/>
+              <a:rPr lang="en-US"/>
               <a:t>Click to edit Master title style</a:t>
             </a:r>
-            <a:endParaRPr lang="en-US"/>
           </a:p>
         </p:txBody>
       </p:sp>
@@ -2356,7 +2355,7 @@
           <a:p>
             <a:fld id="{590A2C19-A8E3-44CE-907A-282FBD0944B7}" type="datetimeFigureOut">
               <a:rPr lang="en-US" smtClean="0"/>
-              <a:t>10/1/2017</a:t>
+              <a:t>10/31/18</a:t>
             </a:fld>
             <a:endParaRPr lang="en-US"/>
           </a:p>
@@ -2451,7 +2450,7 @@
           <a:p>
             <a:fld id="{590A2C19-A8E3-44CE-907A-282FBD0944B7}" type="datetimeFigureOut">
               <a:rPr lang="en-US" smtClean="0"/>
-              <a:t>10/1/2017</a:t>
+              <a:t>10/31/18</a:t>
             </a:fld>
             <a:endParaRPr lang="en-US"/>
           </a:p>
@@ -2554,10 +2553,9 @@
           </a:lstStyle>
           <a:p>
             <a:r>
-              <a:rPr lang="en-US" smtClean="0"/>
+              <a:rPr lang="en-US"/>
               <a:t>Click to edit Master title style</a:t>
             </a:r>
-            <a:endParaRPr lang="en-US"/>
           </a:p>
         </p:txBody>
       </p:sp>
@@ -2611,38 +2609,37 @@
           <a:p>
             <a:pPr lvl="0"/>
             <a:r>
-              <a:rPr lang="en-US" smtClean="0"/>
+              <a:rPr lang="en-US"/>
               <a:t>Click to edit Master text styles</a:t>
             </a:r>
           </a:p>
           <a:p>
             <a:pPr lvl="1"/>
             <a:r>
-              <a:rPr lang="en-US" smtClean="0"/>
+              <a:rPr lang="en-US"/>
               <a:t>Second level</a:t>
             </a:r>
           </a:p>
           <a:p>
             <a:pPr lvl="2"/>
             <a:r>
-              <a:rPr lang="en-US" smtClean="0"/>
+              <a:rPr lang="en-US"/>
               <a:t>Third level</a:t>
             </a:r>
           </a:p>
           <a:p>
             <a:pPr lvl="3"/>
             <a:r>
-              <a:rPr lang="en-US" smtClean="0"/>
+              <a:rPr lang="en-US"/>
               <a:t>Fourth level</a:t>
             </a:r>
           </a:p>
           <a:p>
             <a:pPr lvl="4"/>
             <a:r>
-              <a:rPr lang="en-US" smtClean="0"/>
+              <a:rPr lang="en-US"/>
               <a:t>Fifth level</a:t>
             </a:r>
-            <a:endParaRPr lang="en-US"/>
           </a:p>
         </p:txBody>
       </p:sp>
@@ -2705,7 +2702,7 @@
           <a:p>
             <a:pPr lvl="0"/>
             <a:r>
-              <a:rPr lang="en-US" smtClean="0"/>
+              <a:rPr lang="en-US"/>
               <a:t>Click to edit Master text styles</a:t>
             </a:r>
           </a:p>
@@ -2728,7 +2725,7 @@
           <a:p>
             <a:fld id="{590A2C19-A8E3-44CE-907A-282FBD0944B7}" type="datetimeFigureOut">
               <a:rPr lang="en-US" smtClean="0"/>
-              <a:t>10/1/2017</a:t>
+              <a:t>10/31/18</a:t>
             </a:fld>
             <a:endParaRPr lang="en-US"/>
           </a:p>
@@ -2831,10 +2828,9 @@
           </a:lstStyle>
           <a:p>
             <a:r>
-              <a:rPr lang="en-US" smtClean="0"/>
+              <a:rPr lang="en-US"/>
               <a:t>Click to edit Master title style</a:t>
             </a:r>
-            <a:endParaRPr lang="en-US"/>
           </a:p>
         </p:txBody>
       </p:sp>
@@ -2958,7 +2954,7 @@
           <a:p>
             <a:pPr lvl="0"/>
             <a:r>
-              <a:rPr lang="en-US" smtClean="0"/>
+              <a:rPr lang="en-US"/>
               <a:t>Click to edit Master text styles</a:t>
             </a:r>
           </a:p>
@@ -2981,7 +2977,7 @@
           <a:p>
             <a:fld id="{590A2C19-A8E3-44CE-907A-282FBD0944B7}" type="datetimeFigureOut">
               <a:rPr lang="en-US" smtClean="0"/>
-              <a:t>10/1/2017</a:t>
+              <a:t>10/31/18</a:t>
             </a:fld>
             <a:endParaRPr lang="en-US"/>
           </a:p>
@@ -3090,10 +3086,9 @@
           <a:lstStyle/>
           <a:p>
             <a:r>
-              <a:rPr lang="en-US" smtClean="0"/>
+              <a:rPr lang="en-US"/>
               <a:t>Click to edit Master title style</a:t>
             </a:r>
-            <a:endParaRPr lang="en-US"/>
           </a:p>
         </p:txBody>
       </p:sp>
@@ -3124,38 +3119,37 @@
           <a:p>
             <a:pPr lvl="0"/>
             <a:r>
-              <a:rPr lang="en-US" smtClean="0"/>
+              <a:rPr lang="en-US"/>
               <a:t>Click to edit Master text styles</a:t>
             </a:r>
           </a:p>
           <a:p>
             <a:pPr lvl="1"/>
             <a:r>
-              <a:rPr lang="en-US" smtClean="0"/>
+              <a:rPr lang="en-US"/>
               <a:t>Second level</a:t>
             </a:r>
           </a:p>
           <a:p>
             <a:pPr lvl="2"/>
             <a:r>
-              <a:rPr lang="en-US" smtClean="0"/>
+              <a:rPr lang="en-US"/>
               <a:t>Third level</a:t>
             </a:r>
           </a:p>
           <a:p>
             <a:pPr lvl="3"/>
             <a:r>
-              <a:rPr lang="en-US" smtClean="0"/>
+              <a:rPr lang="en-US"/>
               <a:t>Fourth level</a:t>
             </a:r>
           </a:p>
           <a:p>
             <a:pPr lvl="4"/>
             <a:r>
-              <a:rPr lang="en-US" smtClean="0"/>
+              <a:rPr lang="en-US"/>
               <a:t>Fifth level</a:t>
             </a:r>
-            <a:endParaRPr lang="en-US"/>
           </a:p>
         </p:txBody>
       </p:sp>
@@ -3194,7 +3188,7 @@
           <a:p>
             <a:fld id="{590A2C19-A8E3-44CE-907A-282FBD0944B7}" type="datetimeFigureOut">
               <a:rPr lang="en-US" smtClean="0"/>
-              <a:t>10/1/2017</a:t>
+              <a:t>10/31/18</a:t>
             </a:fld>
             <a:endParaRPr lang="en-US"/>
           </a:p>
@@ -3592,10 +3586,9 @@
           <a:lstStyle/>
           <a:p>
             <a:r>
-              <a:rPr lang="en-US" dirty="0" smtClean="0"/>
+              <a:rPr lang="en-US" dirty="0"/>
               <a:t>Introduction to Information Systems and Programming (ISTD 50.001)</a:t>
             </a:r>
-            <a:endParaRPr lang="en-US" dirty="0"/>
           </a:p>
         </p:txBody>
       </p:sp>
@@ -3620,10 +3613,9 @@
           <a:lstStyle/>
           <a:p>
             <a:r>
-              <a:rPr lang="en-US" dirty="0" smtClean="0"/>
+              <a:rPr lang="en-US" dirty="0"/>
               <a:t>Exception Handling</a:t>
             </a:r>
-            <a:endParaRPr lang="en-US" dirty="0"/>
           </a:p>
         </p:txBody>
       </p:sp>
@@ -3637,13 +3629,6 @@
   <p:clrMapOvr>
     <a:masterClrMapping/>
   </p:clrMapOvr>
-  <p:timing>
-    <p:tnLst>
-      <p:par>
-        <p:cTn id="1" dur="indefinite" restart="never" nodeType="tmRoot"/>
-      </p:par>
-    </p:tnLst>
-  </p:timing>
 </p:sld>
 </file>
 
@@ -3741,10 +3726,6 @@
           <a:lstStyle/>
           <a:p>
             <a:pPr marL="0" indent="0"/>
-            <a:r>
-              <a:rPr lang="en-US" dirty="0"/>
-              <a:t/>
-            </a:r>
             <a:br>
               <a:rPr lang="en-US" dirty="0"/>
             </a:br>
@@ -3765,13 +3746,6 @@
   <p:clrMapOvr>
     <a:masterClrMapping/>
   </p:clrMapOvr>
-  <p:timing>
-    <p:tnLst>
-      <p:par>
-        <p:cTn id="1" dur="indefinite" restart="never" nodeType="tmRoot"/>
-      </p:par>
-    </p:tnLst>
-  </p:timing>
 </p:sld>
 </file>
 
@@ -3964,7 +3938,7 @@
           <a:p>
             <a:pPr eaLnBrk="1" hangingPunct="1"/>
             <a:r>
-              <a:rPr lang="en-US" altLang="en-US" b="1" dirty="0" smtClean="0"/>
+              <a:rPr lang="en-US" altLang="en-US" b="1" dirty="0"/>
               <a:t>What Happens When Exceptions Occur</a:t>
             </a:r>
           </a:p>
@@ -3996,7 +3970,7 @@
               </a:lnSpc>
             </a:pPr>
             <a:r>
-              <a:rPr lang="en-US" altLang="en-US" sz="2800" dirty="0" smtClean="0"/>
+              <a:rPr lang="en-US" altLang="en-US" sz="2800" dirty="0"/>
               <a:t>If an exception is thrown then the normal flow of control of a program halts</a:t>
             </a:r>
           </a:p>
@@ -4007,7 +3981,7 @@
               </a:lnSpc>
             </a:pPr>
             <a:r>
-              <a:rPr lang="en-US" altLang="en-US" sz="2800" dirty="0" smtClean="0"/>
+              <a:rPr lang="en-US" altLang="en-US" sz="2800" dirty="0"/>
               <a:t>Instead of executing the regular statements the Java Runtime System starts to search for a matching catch block</a:t>
             </a:r>
           </a:p>
@@ -4018,7 +3992,7 @@
               </a:lnSpc>
             </a:pPr>
             <a:r>
-              <a:rPr lang="en-US" altLang="en-US" sz="2800" dirty="0" smtClean="0"/>
+              <a:rPr lang="en-US" altLang="en-US" sz="2800" dirty="0"/>
               <a:t>The first matching catch block based on data type is executed</a:t>
             </a:r>
           </a:p>
@@ -4029,7 +4003,7 @@
               </a:lnSpc>
             </a:pPr>
             <a:r>
-              <a:rPr lang="en-US" altLang="en-US" sz="2800" dirty="0" smtClean="0"/>
+              <a:rPr lang="en-US" altLang="en-US" sz="2800" dirty="0"/>
               <a:t>When the catch block code is completed the program does not "go back" to where the exception occurred. </a:t>
             </a:r>
           </a:p>
@@ -4040,7 +4014,7 @@
               </a:lnSpc>
             </a:pPr>
             <a:r>
-              <a:rPr lang="en-US" altLang="en-US" sz="2400" dirty="0" smtClean="0"/>
+              <a:rPr lang="en-US" altLang="en-US" sz="2400" dirty="0"/>
               <a:t>It finds the next regular statement after the catch block</a:t>
             </a:r>
           </a:p>
@@ -4050,7 +4024,7 @@
                 <a:spcPct val="90000"/>
               </a:lnSpc>
             </a:pPr>
-            <a:endParaRPr lang="en-US" altLang="en-US" sz="2800" dirty="0" smtClean="0"/>
+            <a:endParaRPr lang="en-US" altLang="en-US" sz="2800" dirty="0"/>
           </a:p>
         </p:txBody>
       </p:sp>
@@ -4064,13 +4038,6 @@
   <p:clrMapOvr>
     <a:masterClrMapping/>
   </p:clrMapOvr>
-  <p:timing>
-    <p:tnLst>
-      <p:par>
-        <p:cTn id="1" dur="indefinite" restart="never" nodeType="tmRoot"/>
-      </p:par>
-    </p:tnLst>
-  </p:timing>
 </p:sld>
 </file>
 
@@ -4258,7 +4225,7 @@
           <a:p>
             <a:pPr eaLnBrk="1" hangingPunct="1"/>
             <a:r>
-              <a:rPr lang="en-US" altLang="en-US" b="1" dirty="0" smtClean="0"/>
+              <a:rPr lang="en-US" altLang="en-US" b="1" dirty="0"/>
               <a:t>How an Exception is Created</a:t>
             </a:r>
           </a:p>
@@ -4281,32 +4248,32 @@
           <a:p>
             <a:pPr eaLnBrk="1" hangingPunct="1"/>
             <a:r>
-              <a:rPr lang="en-US" altLang="en-US" smtClean="0"/>
+              <a:rPr lang="en-US" altLang="en-US"/>
               <a:t>As a program runs, if a situation occurs that is handled by exceptions then an Exception is </a:t>
             </a:r>
             <a:r>
-              <a:rPr lang="en-US" altLang="en-US" i="1" smtClean="0"/>
+              <a:rPr lang="en-US" altLang="en-US" i="1"/>
               <a:t>thrown.</a:t>
             </a:r>
           </a:p>
           <a:p>
             <a:pPr lvl="1" eaLnBrk="1" hangingPunct="1"/>
             <a:r>
-              <a:rPr lang="en-US" altLang="en-US" smtClean="0"/>
+              <a:rPr lang="en-US" altLang="en-US"/>
               <a:t>An Exception object of the proper type is created</a:t>
             </a:r>
           </a:p>
           <a:p>
             <a:pPr lvl="1" eaLnBrk="1" hangingPunct="1"/>
             <a:r>
-              <a:rPr lang="en-US" altLang="en-US" smtClean="0"/>
+              <a:rPr lang="en-US" altLang="en-US"/>
               <a:t>flow of control is transferred from the current block of code to code that can handle or deal with the exception</a:t>
             </a:r>
           </a:p>
           <a:p>
             <a:pPr lvl="1" eaLnBrk="1" hangingPunct="1"/>
             <a:r>
-              <a:rPr lang="en-US" altLang="en-US" smtClean="0"/>
+              <a:rPr lang="en-US" altLang="en-US"/>
               <a:t>the normal flow of the program stops and error handling code takes over (if it exists.)</a:t>
             </a:r>
           </a:p>
@@ -4322,13 +4289,6 @@
   <p:clrMapOvr>
     <a:masterClrMapping/>
   </p:clrMapOvr>
-  <p:timing>
-    <p:tnLst>
-      <p:par>
-        <p:cTn id="1" dur="indefinite" restart="never" nodeType="tmRoot"/>
-      </p:par>
-    </p:tnLst>
-  </p:timing>
 </p:sld>
 </file>
 
@@ -4514,17 +4474,17 @@
           <a:p>
             <a:pPr eaLnBrk="1" hangingPunct="1"/>
             <a:r>
-              <a:rPr lang="en-US" altLang="en-US" b="1" dirty="0" smtClean="0"/>
+              <a:rPr lang="en-US" altLang="en-US" b="1" dirty="0"/>
               <a:t>Using </a:t>
             </a:r>
             <a:r>
-              <a:rPr lang="en-US" altLang="en-US" dirty="0" smtClean="0">
+              <a:rPr lang="en-US" altLang="en-US" dirty="0">
                 <a:latin typeface="Courier New" pitchFamily="49" charset="0"/>
               </a:rPr>
               <a:t>try-catch</a:t>
             </a:r>
             <a:r>
-              <a:rPr lang="en-US" altLang="en-US" b="1" dirty="0" smtClean="0"/>
+              <a:rPr lang="en-US" altLang="en-US" b="1" dirty="0"/>
               <a:t> Blocks</a:t>
             </a:r>
           </a:p>
@@ -4549,21 +4509,21 @@
           <a:p>
             <a:pPr eaLnBrk="1" hangingPunct="1"/>
             <a:r>
-              <a:rPr lang="en-US" altLang="en-US" dirty="0" smtClean="0"/>
+              <a:rPr lang="en-US" altLang="en-US" dirty="0"/>
               <a:t>If you want to handle the a checked exception locally then use the keywords </a:t>
             </a:r>
             <a:r>
-              <a:rPr lang="en-US" altLang="en-US" dirty="0" smtClean="0">
+              <a:rPr lang="en-US" altLang="en-US" dirty="0">
                 <a:latin typeface="Courier New" pitchFamily="49" charset="0"/>
               </a:rPr>
               <a:t>try</a:t>
             </a:r>
             <a:r>
-              <a:rPr lang="en-US" altLang="en-US" dirty="0" smtClean="0"/>
+              <a:rPr lang="en-US" altLang="en-US" dirty="0"/>
               <a:t> and </a:t>
             </a:r>
             <a:r>
-              <a:rPr lang="en-US" altLang="en-US" dirty="0" smtClean="0">
+              <a:rPr lang="en-US" altLang="en-US" dirty="0">
                 <a:latin typeface="Courier New" pitchFamily="49" charset="0"/>
               </a:rPr>
               <a:t>catch</a:t>
@@ -4572,11 +4532,11 @@
           <a:p>
             <a:pPr eaLnBrk="1" hangingPunct="1"/>
             <a:r>
-              <a:rPr lang="en-US" altLang="en-US" dirty="0" smtClean="0"/>
+              <a:rPr lang="en-US" altLang="en-US" dirty="0"/>
               <a:t>the code that could cause an exception is placed in a block of code preceded by the keyword </a:t>
             </a:r>
             <a:r>
-              <a:rPr lang="en-US" altLang="en-US" dirty="0" smtClean="0">
+              <a:rPr lang="en-US" altLang="en-US" dirty="0">
                 <a:latin typeface="Courier New" pitchFamily="49" charset="0"/>
               </a:rPr>
               <a:t>try</a:t>
@@ -4585,11 +4545,11 @@
           <a:p>
             <a:pPr eaLnBrk="1" hangingPunct="1"/>
             <a:r>
-              <a:rPr lang="en-US" altLang="en-US" dirty="0" smtClean="0"/>
+              <a:rPr lang="en-US" altLang="en-US" dirty="0"/>
               <a:t>the code that will handle the exception if it occurs is placed in a block of code preceded by the keyword </a:t>
             </a:r>
             <a:r>
-              <a:rPr lang="en-US" altLang="en-US" dirty="0" smtClean="0">
+              <a:rPr lang="en-US" altLang="en-US" dirty="0">
                 <a:latin typeface="Courier New" pitchFamily="49" charset="0"/>
               </a:rPr>
               <a:t>catch</a:t>
@@ -4607,13 +4567,6 @@
   <p:clrMapOvr>
     <a:masterClrMapping/>
   </p:clrMapOvr>
-  <p:timing>
-    <p:tnLst>
-      <p:par>
-        <p:cTn id="1" dur="indefinite" restart="never" nodeType="tmRoot"/>
-      </p:par>
-    </p:tnLst>
-  </p:timing>
 </p:sld>
 </file>
 
@@ -4798,30 +4751,30 @@
           <a:lstStyle/>
           <a:p>
             <a:r>
-              <a:rPr lang="en-US" altLang="en-US" b="1" dirty="0" smtClean="0"/>
+              <a:rPr lang="en-US" altLang="en-US" b="1" dirty="0"/>
               <a:t>How </a:t>
             </a:r>
             <a:r>
-              <a:rPr lang="en-US" altLang="en-US" dirty="0" smtClean="0">
+              <a:rPr lang="en-US" altLang="en-US" dirty="0">
                 <a:latin typeface="Courier New" pitchFamily="49" charset="0"/>
               </a:rPr>
               <a:t>try</a:t>
             </a:r>
             <a:r>
-              <a:rPr lang="en-US" altLang="en-US" b="1" dirty="0" smtClean="0"/>
+              <a:rPr lang="en-US" altLang="en-US" b="1" dirty="0"/>
               <a:t> and </a:t>
             </a:r>
             <a:r>
-              <a:rPr lang="en-US" altLang="en-US" dirty="0" smtClean="0">
+              <a:rPr lang="en-US" altLang="en-US" dirty="0">
                 <a:latin typeface="Courier New" pitchFamily="49" charset="0"/>
               </a:rPr>
               <a:t>catch </a:t>
             </a:r>
             <a:r>
-              <a:rPr lang="en-US" altLang="en-US" b="1" dirty="0" smtClean="0"/>
+              <a:rPr lang="en-US" altLang="en-US" b="1" dirty="0"/>
               <a:t>work</a:t>
             </a:r>
-            <a:endParaRPr lang="en-US" altLang="en-US" dirty="0" smtClean="0">
+            <a:endParaRPr lang="en-US" altLang="en-US" dirty="0">
               <a:latin typeface="Courier New" pitchFamily="49" charset="0"/>
             </a:endParaRPr>
           </a:p>
@@ -4846,32 +4799,32 @@
           <a:p>
             <a:pPr eaLnBrk="1" hangingPunct="1"/>
             <a:r>
-              <a:rPr lang="en-US" altLang="en-US" dirty="0" smtClean="0"/>
+              <a:rPr lang="en-US" altLang="en-US" dirty="0"/>
               <a:t>Code that could cause an exception is placed in a try block</a:t>
             </a:r>
           </a:p>
           <a:p>
             <a:pPr lvl="1" eaLnBrk="1" hangingPunct="1"/>
             <a:r>
-              <a:rPr lang="en-US" altLang="en-US" sz="2400" dirty="0" smtClean="0"/>
+              <a:rPr lang="en-US" altLang="en-US" sz="2400" dirty="0"/>
               <a:t>the statements are all included in one try block.</a:t>
             </a:r>
           </a:p>
           <a:p>
             <a:pPr eaLnBrk="1" hangingPunct="1"/>
             <a:r>
-              <a:rPr lang="en-US" altLang="en-US" dirty="0" smtClean="0"/>
+              <a:rPr lang="en-US" altLang="en-US" dirty="0"/>
               <a:t>Each try block must have 1 or more associated catch blocks</a:t>
             </a:r>
           </a:p>
           <a:p>
             <a:pPr lvl="1" eaLnBrk="1" hangingPunct="1"/>
             <a:r>
-              <a:rPr lang="en-US" altLang="en-US" sz="2400" dirty="0" smtClean="0"/>
+              <a:rPr lang="en-US" altLang="en-US" sz="2400" dirty="0"/>
               <a:t>The catch block is also called the </a:t>
             </a:r>
             <a:r>
-              <a:rPr lang="en-US" altLang="en-US" sz="2400" dirty="0" smtClean="0">
+              <a:rPr lang="en-US" altLang="en-US" sz="2400" dirty="0">
                 <a:solidFill>
                   <a:srgbClr val="FF0000"/>
                 </a:solidFill>
@@ -4879,7 +4832,7 @@
               <a:t>exception handler </a:t>
             </a:r>
             <a:r>
-              <a:rPr lang="en-US" altLang="en-US" sz="2400" dirty="0" smtClean="0"/>
+              <a:rPr lang="en-US" altLang="en-US" sz="2400" dirty="0"/>
               <a:t>because it is here that we handle the error. </a:t>
             </a:r>
           </a:p>
@@ -4895,13 +4848,6 @@
   <p:clrMapOvr>
     <a:masterClrMapping/>
   </p:clrMapOvr>
-  <p:timing>
-    <p:tnLst>
-      <p:par>
-        <p:cTn id="1" dur="indefinite" restart="never" nodeType="tmRoot"/>
-      </p:par>
-    </p:tnLst>
-  </p:timing>
 </p:sld>
 </file>
 
@@ -5095,19 +5041,15 @@
               <a:t>The </a:t>
             </a:r>
             <a:r>
-              <a:rPr lang="en-US" altLang="en-US" dirty="0" smtClean="0">
+              <a:rPr lang="en-US" altLang="en-US" dirty="0">
                 <a:latin typeface="Courier New" panose="02070309020205020404" pitchFamily="49" charset="0"/>
                 <a:cs typeface="Courier New" panose="02070309020205020404" pitchFamily="49" charset="0"/>
               </a:rPr>
               <a:t>finally</a:t>
             </a:r>
             <a:r>
-              <a:rPr lang="en-US" altLang="en-US" b="1" dirty="0" smtClean="0"/>
-              <a:t> </a:t>
-            </a:r>
-            <a:r>
               <a:rPr lang="en-US" altLang="en-US" b="1" dirty="0"/>
-              <a:t>Block</a:t>
+              <a:t> Block</a:t>
             </a:r>
           </a:p>
         </p:txBody>
@@ -5135,7 +5077,7 @@
           <a:lstStyle/>
           <a:p>
             <a:r>
-              <a:rPr lang="en-US" altLang="en-US" dirty="0" smtClean="0"/>
+              <a:rPr lang="en-US" altLang="en-US" dirty="0"/>
               <a:t>The </a:t>
             </a:r>
             <a:r>
@@ -5158,15 +5100,7 @@
             </a:r>
             <a:r>
               <a:rPr lang="en-US" altLang="en-US" dirty="0"/>
-              <a:t> </a:t>
-            </a:r>
-            <a:r>
-              <a:rPr lang="en-US" altLang="en-US" dirty="0" smtClean="0"/>
-              <a:t>block </a:t>
-            </a:r>
-            <a:r>
-              <a:rPr lang="en-US" altLang="en-US" dirty="0"/>
-              <a:t>of code </a:t>
+              <a:t> block of code </a:t>
             </a:r>
             <a:r>
               <a:rPr lang="en-US" altLang="en-US" u="sng" dirty="0"/>
@@ -5174,13 +5108,8 @@
             </a:r>
             <a:r>
               <a:rPr lang="en-US" altLang="en-US" dirty="0"/>
-              <a:t>, irrespective of occurrence of an </a:t>
-            </a:r>
-            <a:r>
-              <a:rPr lang="en-US" altLang="en-US" dirty="0" smtClean="0"/>
-              <a:t>Exception</a:t>
-            </a:r>
-            <a:endParaRPr lang="en-US" altLang="en-US" dirty="0"/>
+              <a:t>, irrespective of occurrence of an Exception</a:t>
+            </a:r>
           </a:p>
           <a:p>
             <a:r>
@@ -5196,21 +5125,8 @@
             </a:r>
             <a:r>
               <a:rPr lang="en-US" altLang="en-US" dirty="0"/>
-              <a:t> </a:t>
-            </a:r>
-            <a:r>
-              <a:rPr lang="en-US" altLang="en-US" dirty="0" smtClean="0"/>
-              <a:t>block </a:t>
-            </a:r>
-            <a:r>
-              <a:rPr lang="en-US" altLang="en-US" dirty="0"/>
-              <a:t>allows you to run any cleanup-type statements that you want to execute, no matter what happens in the protected </a:t>
-            </a:r>
-            <a:r>
-              <a:rPr lang="en-US" altLang="en-US" dirty="0" smtClean="0"/>
-              <a:t>code</a:t>
-            </a:r>
-            <a:endParaRPr lang="en-US" altLang="en-US" dirty="0"/>
+              <a:t> block allows you to run any cleanup-type statements that you want to execute, no matter what happens in the protected code</a:t>
+            </a:r>
           </a:p>
           <a:p>
             <a:r>
@@ -5226,42 +5142,29 @@
             </a:r>
             <a:r>
               <a:rPr lang="en-US" altLang="en-US" dirty="0"/>
-              <a:t> </a:t>
-            </a:r>
-            <a:r>
-              <a:rPr lang="en-US" altLang="en-US" dirty="0" smtClean="0"/>
-              <a:t>block </a:t>
-            </a:r>
+              <a:t> block appears at the end of the catch blocks</a:t>
+            </a:r>
+          </a:p>
+          <a:p>
             <a:r>
               <a:rPr lang="en-US" altLang="en-US" dirty="0"/>
-              <a:t>appears at the end of the catch </a:t>
-            </a:r>
-            <a:r>
-              <a:rPr lang="en-US" altLang="en-US" dirty="0" smtClean="0"/>
-              <a:t>blocks</a:t>
-            </a:r>
-          </a:p>
-          <a:p>
-            <a:r>
-              <a:rPr lang="en-US" altLang="en-US" dirty="0" smtClean="0"/>
               <a:t>The </a:t>
             </a:r>
             <a:r>
-              <a:rPr lang="en-US" altLang="en-US" dirty="0" smtClean="0">
+              <a:rPr lang="en-US" altLang="en-US" dirty="0">
                 <a:latin typeface="Courier New" panose="02070309020205020404" pitchFamily="49" charset="0"/>
                 <a:cs typeface="Courier New" panose="02070309020205020404" pitchFamily="49" charset="0"/>
               </a:rPr>
               <a:t>finally</a:t>
             </a:r>
             <a:r>
-              <a:rPr lang="en-US" altLang="en-US" dirty="0" smtClean="0"/>
+              <a:rPr lang="en-US" altLang="en-US" dirty="0"/>
               <a:t> block is optional, but recommended</a:t>
             </a:r>
+          </a:p>
+          <a:p>
+            <a:pPr eaLnBrk="1" hangingPunct="1"/>
             <a:endParaRPr lang="en-US" altLang="en-US" dirty="0"/>
-          </a:p>
-          <a:p>
-            <a:pPr eaLnBrk="1" hangingPunct="1"/>
-            <a:endParaRPr lang="en-US" altLang="en-US" dirty="0" smtClean="0"/>
           </a:p>
         </p:txBody>
       </p:sp>
@@ -5364,10 +5267,9 @@
           <a:lstStyle/>
           <a:p>
             <a:r>
-              <a:rPr lang="en-US" dirty="0" smtClean="0"/>
+              <a:rPr lang="en-US" dirty="0"/>
               <a:t>Solution - checked exceptions</a:t>
             </a:r>
-            <a:endParaRPr lang="en-US" dirty="0"/>
           </a:p>
         </p:txBody>
       </p:sp>
@@ -5396,10 +5298,6 @@
             <a:pPr marL="0" indent="0">
               <a:buNone/>
             </a:pPr>
-            <a:r>
-              <a:rPr lang="en-US" dirty="0"/>
-              <a:t/>
-            </a:r>
             <a:br>
               <a:rPr lang="en-US" dirty="0"/>
             </a:br>
@@ -5442,7 +5340,7 @@
               <a:t>java.io.FileReader</a:t>
             </a:r>
             <a:r>
-              <a:rPr lang="en-US" sz="4000" dirty="0" smtClean="0"/>
+              <a:rPr lang="en-US" sz="4000" dirty="0"/>
               <a:t>;</a:t>
             </a:r>
           </a:p>
@@ -5457,12 +5355,8 @@
               <a:buNone/>
             </a:pPr>
             <a:r>
-              <a:rPr lang="en-US" sz="4000" b="1" dirty="0" smtClean="0"/>
-              <a:t>public </a:t>
-            </a:r>
-            <a:r>
               <a:rPr lang="en-US" sz="4000" b="1" dirty="0"/>
-              <a:t>class </a:t>
+              <a:t>public class </a:t>
             </a:r>
             <a:r>
               <a:rPr lang="en-US" sz="4000" dirty="0" err="1"/>
@@ -5539,14 +5433,10 @@
             </a:br>
             <a:r>
               <a:rPr lang="en-US" sz="4000" dirty="0"/>
-              <a:t>    </a:t>
-            </a:r>
-            <a:r>
-              <a:rPr lang="en-US" sz="4000" dirty="0" smtClean="0"/>
-              <a:t>   </a:t>
-            </a:r>
-            <a:r>
-              <a:rPr lang="en-US" sz="4000" b="1" dirty="0" smtClean="0">
+              <a:t>       </a:t>
+            </a:r>
+            <a:r>
+              <a:rPr lang="en-US" sz="4000" b="1" dirty="0">
                 <a:solidFill>
                   <a:srgbClr val="FF0000"/>
                 </a:solidFill>
@@ -5554,7 +5444,7 @@
               <a:t>try</a:t>
             </a:r>
             <a:r>
-              <a:rPr lang="en-US" sz="4000" b="1" dirty="0" smtClean="0"/>
+              <a:rPr lang="en-US" sz="4000" b="1" dirty="0"/>
               <a:t> </a:t>
             </a:r>
             <a:r>
@@ -5566,11 +5456,7 @@
             </a:br>
             <a:r>
               <a:rPr lang="en-US" sz="4000" dirty="0"/>
-              <a:t>        </a:t>
-            </a:r>
-            <a:r>
-              <a:rPr lang="en-US" sz="4000" dirty="0" smtClean="0"/>
-              <a:t>      File </a:t>
+              <a:t>              File </a:t>
             </a:r>
             <a:r>
               <a:rPr lang="en-US" sz="4000" dirty="0" err="1"/>
@@ -5590,15 +5476,7 @@
             </a:r>
             <a:r>
               <a:rPr lang="en-US" sz="4000" b="1" dirty="0"/>
-              <a:t>"e:\\</a:t>
-            </a:r>
-            <a:r>
-              <a:rPr lang="en-US" sz="4000" b="1" dirty="0" smtClean="0"/>
-              <a:t>ubunturef.pdf</a:t>
-            </a:r>
-            <a:r>
-              <a:rPr lang="en-US" sz="4000" b="1" dirty="0"/>
-              <a:t>"</a:t>
+              <a:t>"e:\\ubunturef.pdf"</a:t>
             </a:r>
             <a:r>
               <a:rPr lang="en-US" sz="4000" dirty="0"/>
@@ -5609,18 +5487,14 @@
             </a:br>
             <a:r>
               <a:rPr lang="en-US" sz="4000" dirty="0"/>
-              <a:t>        </a:t>
-            </a:r>
-            <a:r>
-              <a:rPr lang="en-US" sz="4000" dirty="0" smtClean="0"/>
-              <a:t>      </a:t>
-            </a:r>
-            <a:r>
-              <a:rPr lang="en-US" sz="4000" dirty="0" err="1" smtClean="0"/>
+              <a:t>              </a:t>
+            </a:r>
+            <a:r>
+              <a:rPr lang="en-US" sz="4000" dirty="0" err="1"/>
               <a:t>FileReader</a:t>
             </a:r>
             <a:r>
-              <a:rPr lang="en-US" sz="4000" dirty="0" smtClean="0"/>
+              <a:rPr lang="en-US" sz="4000" dirty="0"/>
               <a:t> </a:t>
             </a:r>
             <a:r>
@@ -5648,29 +5522,17 @@
             </a:br>
             <a:r>
               <a:rPr lang="en-US" sz="4000" dirty="0"/>
-              <a:t>    </a:t>
-            </a:r>
-            <a:r>
-              <a:rPr lang="en-US" sz="4000" dirty="0" smtClean="0"/>
-              <a:t>         }</a:t>
-            </a:r>
-            <a:r>
-              <a:rPr lang="en-US" sz="4000" dirty="0"/>
-              <a:t/>
+              <a:t>             }</a:t>
             </a:r>
             <a:br>
               <a:rPr lang="en-US" sz="4000" dirty="0"/>
             </a:br>
             <a:r>
               <a:rPr lang="en-US" sz="4000" dirty="0"/>
-              <a:t>    </a:t>
-            </a:r>
-            <a:r>
-              <a:rPr lang="en-US" sz="4000" dirty="0" smtClean="0"/>
-              <a:t>   </a:t>
-            </a:r>
-            <a:r>
-              <a:rPr lang="en-US" sz="4000" b="1" dirty="0" smtClean="0">
+              <a:t>       </a:t>
+            </a:r>
+            <a:r>
+              <a:rPr lang="en-US" sz="4000" b="1" dirty="0">
                 <a:solidFill>
                   <a:srgbClr val="FF0000"/>
                 </a:solidFill>
@@ -5694,11 +5556,7 @@
             </a:br>
             <a:r>
               <a:rPr lang="en-US" sz="4000" dirty="0"/>
-              <a:t>       </a:t>
-            </a:r>
-            <a:r>
-              <a:rPr lang="en-US" sz="4000" dirty="0" smtClean="0"/>
-              <a:t>       </a:t>
+              <a:t>              </a:t>
             </a:r>
             <a:r>
               <a:rPr lang="en-US" sz="4000" dirty="0" err="1"/>
@@ -5729,57 +5587,33 @@
             </a:br>
             <a:r>
               <a:rPr lang="en-US" sz="4000" dirty="0"/>
-              <a:t>        </a:t>
-            </a:r>
-            <a:r>
-              <a:rPr lang="en-US" sz="4000" dirty="0" smtClean="0"/>
-              <a:t>      </a:t>
-            </a:r>
-            <a:r>
-              <a:rPr lang="en-US" sz="4000" dirty="0" err="1" smtClean="0"/>
+              <a:t>              </a:t>
+            </a:r>
+            <a:r>
+              <a:rPr lang="en-US" sz="4000" dirty="0" err="1"/>
               <a:t>System.out.println</a:t>
             </a:r>
             <a:r>
-              <a:rPr lang="en-US" sz="4000" dirty="0" smtClean="0"/>
-              <a:t>(ex</a:t>
-            </a:r>
-            <a:r>
               <a:rPr lang="en-US" sz="4000" dirty="0"/>
-              <a:t>);</a:t>
-            </a:r>
-            <a:r>
-              <a:rPr lang="en-US" sz="4000" i="1" dirty="0"/>
-              <a:t/>
+              <a:t>(ex);</a:t>
             </a:r>
             <a:br>
               <a:rPr lang="en-US" sz="4000" i="1" dirty="0"/>
             </a:br>
             <a:r>
               <a:rPr lang="en-US" sz="4000" i="1" dirty="0"/>
-              <a:t>    </a:t>
-            </a:r>
-            <a:r>
-              <a:rPr lang="en-US" sz="4000" i="1" dirty="0" smtClean="0"/>
-              <a:t>     </a:t>
-            </a:r>
-            <a:r>
-              <a:rPr lang="en-US" sz="4000" dirty="0" smtClean="0"/>
+              <a:t>         </a:t>
+            </a:r>
+            <a:r>
+              <a:rPr lang="en-US" sz="4000" dirty="0"/>
               <a:t>}</a:t>
-            </a:r>
-            <a:r>
-              <a:rPr lang="en-US" sz="4000" dirty="0"/>
-              <a:t/>
             </a:r>
             <a:br>
               <a:rPr lang="en-US" sz="4000" dirty="0"/>
             </a:br>
             <a:r>
               <a:rPr lang="en-US" sz="4000" dirty="0"/>
-              <a:t>   </a:t>
-            </a:r>
-            <a:r>
-              <a:rPr lang="en-US" sz="4000" dirty="0" smtClean="0"/>
-              <a:t>   </a:t>
+              <a:t>      </a:t>
             </a:r>
             <a:r>
               <a:rPr lang="en-US" sz="4000" b="1" dirty="0">
@@ -5833,15 +5667,7 @@
             </a:br>
             <a:r>
               <a:rPr lang="en-US" sz="4000" dirty="0"/>
-              <a:t>    </a:t>
-            </a:r>
-            <a:r>
-              <a:rPr lang="en-US" sz="4000" dirty="0" smtClean="0"/>
-              <a:t>    }</a:t>
-            </a:r>
-            <a:r>
-              <a:rPr lang="en-US" sz="4000" dirty="0"/>
-              <a:t/>
+              <a:t>        }</a:t>
             </a:r>
             <a:br>
               <a:rPr lang="en-US" sz="4000" dirty="0"/>
@@ -5874,13 +5700,6 @@
   <p:clrMapOvr>
     <a:masterClrMapping/>
   </p:clrMapOvr>
-  <p:timing>
-    <p:tnLst>
-      <p:par>
-        <p:cTn id="1" dur="indefinite" restart="never" nodeType="tmRoot"/>
-      </p:par>
-    </p:tnLst>
-  </p:timing>
 </p:sld>
 </file>
 
@@ -5917,10 +5736,9 @@
           <a:lstStyle/>
           <a:p>
             <a:r>
-              <a:rPr lang="en-US" dirty="0" smtClean="0"/>
+              <a:rPr lang="en-US" dirty="0"/>
               <a:t>Solution  - checked exceptions</a:t>
             </a:r>
-            <a:endParaRPr lang="en-US" dirty="0"/>
           </a:p>
         </p:txBody>
       </p:sp>
@@ -5950,7 +5768,7 @@
               <a:buNone/>
             </a:pPr>
             <a:r>
-              <a:rPr lang="en-US" sz="2000" b="1" dirty="0" smtClean="0"/>
+              <a:rPr lang="en-US" sz="2000" b="1" dirty="0"/>
               <a:t>Result (when file exists):</a:t>
             </a:r>
           </a:p>
@@ -5959,7 +5777,7 @@
               <a:buNone/>
             </a:pPr>
             <a:r>
-              <a:rPr lang="en-US" sz="2000" dirty="0" smtClean="0"/>
+              <a:rPr lang="en-US" sz="2000" dirty="0"/>
               <a:t>In </a:t>
             </a:r>
             <a:r>
@@ -5982,28 +5800,12 @@
               <a:buNone/>
             </a:pPr>
             <a:r>
-              <a:rPr lang="en-US" sz="2000" dirty="0" smtClean="0">
+              <a:rPr lang="en-US" sz="2000" dirty="0">
                 <a:solidFill>
                   <a:srgbClr val="0070C0"/>
                 </a:solidFill>
               </a:rPr>
-              <a:t>Process finished </a:t>
-            </a:r>
-            <a:r>
-              <a:rPr lang="en-US" sz="2000" dirty="0">
-                <a:solidFill>
-                  <a:srgbClr val="0070C0"/>
-                </a:solidFill>
-              </a:rPr>
-              <a:t>with exit code </a:t>
-            </a:r>
-            <a:r>
-              <a:rPr lang="en-US" sz="2000" dirty="0" smtClean="0">
-                <a:solidFill>
-                  <a:srgbClr val="0070C0"/>
-                </a:solidFill>
-              </a:rPr>
-              <a:t>0</a:t>
+              <a:t>Process finished with exit code 0</a:t>
             </a:r>
           </a:p>
           <a:p>
@@ -6022,20 +5824,15 @@
             </a:pPr>
             <a:r>
               <a:rPr lang="en-US" sz="2000" b="1" dirty="0"/>
-              <a:t>Result (when file </a:t>
-            </a:r>
-            <a:r>
-              <a:rPr lang="en-US" sz="2000" b="1" dirty="0" smtClean="0"/>
-              <a:t>doesn’t exist):</a:t>
-            </a:r>
-            <a:endParaRPr lang="en-US" sz="2000" b="1" dirty="0"/>
+              <a:t>Result (when file doesn’t exist):</a:t>
+            </a:r>
           </a:p>
           <a:p>
             <a:pPr marL="0" indent="0">
               <a:buNone/>
             </a:pPr>
             <a:r>
-              <a:rPr lang="en-US" sz="2000" dirty="0" smtClean="0"/>
+              <a:rPr lang="en-US" sz="2000" dirty="0"/>
               <a:t>In </a:t>
             </a:r>
             <a:r>
@@ -6050,11 +5847,7 @@
             </a:pPr>
             <a:r>
               <a:rPr lang="en-US" sz="2000" dirty="0"/>
-              <a:t>In exception handler</a:t>
-            </a:r>
-            <a:r>
-              <a:rPr lang="en-US" sz="2000" dirty="0" smtClean="0"/>
-              <a:t>.</a:t>
+              <a:t>In exception handler.</a:t>
             </a:r>
           </a:p>
           <a:p>
@@ -6067,13 +5860,8 @@
             </a:r>
             <a:r>
               <a:rPr lang="en-US" sz="2000" dirty="0"/>
-              <a:t>: e:\ubunturef4444.pdf (The system cannot find the file specified</a:t>
-            </a:r>
-            <a:r>
-              <a:rPr lang="en-US" sz="2000" dirty="0" smtClean="0"/>
-              <a:t>)</a:t>
-            </a:r>
-            <a:endParaRPr lang="en-US" sz="2000" dirty="0"/>
+              <a:t>: e:\ubunturef4444.pdf (The system cannot find the file specified)</a:t>
+            </a:r>
           </a:p>
           <a:p>
             <a:pPr marL="0" indent="0">
@@ -6081,11 +5869,7 @@
             </a:pPr>
             <a:r>
               <a:rPr lang="en-US" sz="2000" dirty="0"/>
-              <a:t>In </a:t>
-            </a:r>
-            <a:r>
-              <a:rPr lang="en-US" sz="2000" dirty="0" smtClean="0"/>
-              <a:t>Finally</a:t>
+              <a:t>In Finally</a:t>
             </a:r>
           </a:p>
           <a:p>
@@ -6129,13 +5913,6 @@
   <p:clrMapOvr>
     <a:masterClrMapping/>
   </p:clrMapOvr>
-  <p:timing>
-    <p:tnLst>
-      <p:par>
-        <p:cTn id="1" dur="indefinite" restart="never" nodeType="tmRoot"/>
-      </p:par>
-    </p:tnLst>
-  </p:timing>
 </p:sld>
 </file>
 
@@ -6177,10 +5954,9 @@
           <a:lstStyle/>
           <a:p>
             <a:r>
-              <a:rPr lang="en-US" dirty="0" smtClean="0"/>
+              <a:rPr lang="en-US" dirty="0"/>
               <a:t>Solution - unchecked exceptions</a:t>
             </a:r>
-            <a:endParaRPr lang="en-US" dirty="0"/>
           </a:p>
         </p:txBody>
       </p:sp>
@@ -6210,12 +5986,8 @@
               <a:buNone/>
             </a:pPr>
             <a:r>
-              <a:rPr lang="en-US" sz="2000" b="1" dirty="0" smtClean="0"/>
-              <a:t>public </a:t>
-            </a:r>
-            <a:r>
               <a:rPr lang="en-US" sz="2000" b="1" dirty="0"/>
-              <a:t>class </a:t>
+              <a:t>public class </a:t>
             </a:r>
             <a:r>
               <a:rPr lang="en-US" sz="2000" dirty="0" err="1"/>
@@ -6522,13 +6294,6 @@
   <p:clrMapOvr>
     <a:masterClrMapping/>
   </p:clrMapOvr>
-  <p:timing>
-    <p:tnLst>
-      <p:par>
-        <p:cTn id="1" dur="indefinite" restart="never" nodeType="tmRoot"/>
-      </p:par>
-    </p:tnLst>
-  </p:timing>
 </p:sld>
 </file>
 
@@ -6589,13 +6354,6 @@
   <p:clrMapOvr>
     <a:masterClrMapping/>
   </p:clrMapOvr>
-  <p:timing>
-    <p:tnLst>
-      <p:par>
-        <p:cTn id="1" dur="indefinite" restart="never" nodeType="tmRoot"/>
-      </p:par>
-    </p:tnLst>
-  </p:timing>
 </p:sld>
 </file>
 
@@ -6632,10 +6390,9 @@
           <a:lstStyle/>
           <a:p>
             <a:r>
-              <a:rPr lang="en-US" dirty="0" smtClean="0"/>
+              <a:rPr lang="en-US" dirty="0"/>
               <a:t>Exceptions</a:t>
             </a:r>
-            <a:endParaRPr lang="en-US" dirty="0"/>
           </a:p>
         </p:txBody>
       </p:sp>
@@ -6657,68 +6414,51 @@
           <a:lstStyle/>
           <a:p>
             <a:r>
-              <a:rPr lang="en-US" dirty="0" smtClean="0"/>
+              <a:rPr lang="en-US" dirty="0"/>
               <a:t>What are exceptions?</a:t>
             </a:r>
           </a:p>
           <a:p>
             <a:r>
-              <a:rPr lang="en-US" dirty="0" smtClean="0"/>
+              <a:rPr lang="en-US" dirty="0"/>
               <a:t>Why they are useful?</a:t>
             </a:r>
           </a:p>
           <a:p>
             <a:r>
-              <a:rPr lang="en-US" dirty="0" smtClean="0"/>
-              <a:t>Different types </a:t>
-            </a:r>
-            <a:r>
               <a:rPr lang="en-US" dirty="0"/>
-              <a:t>of </a:t>
-            </a:r>
-            <a:r>
-              <a:rPr lang="en-US" dirty="0" smtClean="0"/>
-              <a:t>exceptions</a:t>
-            </a:r>
-          </a:p>
-          <a:p>
-            <a:r>
-              <a:rPr lang="en-US" dirty="0" smtClean="0"/>
-              <a:t>Handling </a:t>
-            </a:r>
+              <a:t>Different types of exceptions</a:t>
+            </a:r>
+          </a:p>
+          <a:p>
             <a:r>
               <a:rPr lang="en-US" dirty="0"/>
-              <a:t>of exceptions</a:t>
-            </a:r>
-          </a:p>
-          <a:p>
-            <a:r>
-              <a:rPr lang="en-US" dirty="0" smtClean="0"/>
+              <a:t>Handling of exceptions</a:t>
+            </a:r>
+          </a:p>
+          <a:p>
+            <a:r>
+              <a:rPr lang="en-US" dirty="0"/>
               <a:t>Throwing exceptions</a:t>
             </a:r>
           </a:p>
           <a:p>
             <a:r>
-              <a:rPr lang="en-US" dirty="0" smtClean="0"/>
+              <a:rPr lang="en-US" dirty="0"/>
               <a:t>Catching multiple exceptions</a:t>
             </a:r>
           </a:p>
           <a:p>
             <a:r>
               <a:rPr lang="en-US" dirty="0"/>
-              <a:t>User defined </a:t>
-            </a:r>
-            <a:r>
-              <a:rPr lang="en-US" dirty="0" smtClean="0"/>
-              <a:t>exceptions</a:t>
-            </a:r>
-          </a:p>
-          <a:p>
-            <a:r>
-              <a:rPr lang="en-US" dirty="0" smtClean="0"/>
+              <a:t>User defined exceptions</a:t>
+            </a:r>
+          </a:p>
+          <a:p>
+            <a:r>
+              <a:rPr lang="en-US" dirty="0"/>
               <a:t>Exceptions from nested call hierarchies</a:t>
             </a:r>
-            <a:endParaRPr lang="en-US" dirty="0"/>
           </a:p>
         </p:txBody>
       </p:sp>
@@ -6917,21 +6657,21 @@
           <a:p>
             <a:pPr eaLnBrk="1" hangingPunct="1"/>
             <a:r>
-              <a:rPr lang="en-US" altLang="en-US" dirty="0" smtClean="0"/>
+              <a:rPr lang="en-US" altLang="en-US" dirty="0"/>
               <a:t> </a:t>
             </a:r>
             <a:r>
-              <a:rPr lang="en-US" altLang="en-US" dirty="0" smtClean="0">
+              <a:rPr lang="en-US" altLang="en-US" dirty="0">
                 <a:latin typeface="Courier New" pitchFamily="49" charset="0"/>
               </a:rPr>
               <a:t>catch</a:t>
             </a:r>
             <a:r>
-              <a:rPr lang="en-US" altLang="en-US" dirty="0" smtClean="0"/>
+              <a:rPr lang="en-US" altLang="en-US" dirty="0"/>
               <a:t> </a:t>
             </a:r>
             <a:r>
-              <a:rPr lang="en-US" altLang="en-US" b="1" dirty="0" smtClean="0"/>
+              <a:rPr lang="en-US" altLang="en-US" b="1" dirty="0"/>
               <a:t>– further details</a:t>
             </a:r>
           </a:p>
@@ -6956,65 +6696,65 @@
           <a:p>
             <a:pPr eaLnBrk="1" hangingPunct="1"/>
             <a:r>
-              <a:rPr lang="en-US" altLang="en-US" dirty="0" smtClean="0"/>
+              <a:rPr lang="en-US" altLang="en-US" dirty="0"/>
               <a:t>Every </a:t>
             </a:r>
             <a:r>
-              <a:rPr lang="en-US" altLang="en-US" dirty="0" smtClean="0">
+              <a:rPr lang="en-US" altLang="en-US" dirty="0">
                 <a:latin typeface="Courier New" pitchFamily="49" charset="0"/>
               </a:rPr>
               <a:t>try</a:t>
             </a:r>
             <a:r>
-              <a:rPr lang="en-US" altLang="en-US" dirty="0" smtClean="0"/>
+              <a:rPr lang="en-US" altLang="en-US" dirty="0"/>
               <a:t> block must have at least one corresponding </a:t>
             </a:r>
             <a:r>
-              <a:rPr lang="en-US" altLang="en-US" dirty="0" smtClean="0">
+              <a:rPr lang="en-US" altLang="en-US" dirty="0">
                 <a:latin typeface="Courier New" pitchFamily="49" charset="0"/>
               </a:rPr>
               <a:t>catch</a:t>
             </a:r>
             <a:r>
-              <a:rPr lang="en-US" altLang="en-US" dirty="0" smtClean="0"/>
+              <a:rPr lang="en-US" altLang="en-US" dirty="0"/>
               <a:t> block</a:t>
             </a:r>
           </a:p>
           <a:p>
             <a:pPr eaLnBrk="1" hangingPunct="1"/>
             <a:r>
-              <a:rPr lang="en-US" altLang="en-US" dirty="0" smtClean="0"/>
+              <a:rPr lang="en-US" altLang="en-US" dirty="0"/>
               <a:t>the </a:t>
             </a:r>
             <a:r>
-              <a:rPr lang="en-US" altLang="en-US" dirty="0" smtClean="0">
+              <a:rPr lang="en-US" altLang="en-US" dirty="0">
                 <a:latin typeface="Courier New" pitchFamily="49" charset="0"/>
               </a:rPr>
               <a:t>catch</a:t>
             </a:r>
             <a:r>
-              <a:rPr lang="en-US" altLang="en-US" dirty="0" smtClean="0"/>
+              <a:rPr lang="en-US" altLang="en-US" dirty="0"/>
               <a:t> blocks have a parameter list of 1</a:t>
             </a:r>
           </a:p>
           <a:p>
             <a:pPr eaLnBrk="1" hangingPunct="1"/>
             <a:r>
-              <a:rPr lang="en-US" altLang="en-US" dirty="0" smtClean="0"/>
+              <a:rPr lang="en-US" altLang="en-US" dirty="0"/>
               <a:t>the parameter must be </a:t>
             </a:r>
             <a:r>
-              <a:rPr lang="en-US" altLang="en-US" dirty="0" smtClean="0">
+              <a:rPr lang="en-US" altLang="en-US" dirty="0">
                 <a:latin typeface="Courier New" pitchFamily="49" charset="0"/>
               </a:rPr>
               <a:t>Exception</a:t>
             </a:r>
             <a:r>
-              <a:rPr lang="en-US" altLang="en-US" dirty="0" smtClean="0"/>
+              <a:rPr lang="en-US" altLang="en-US" dirty="0"/>
               <a:t> or a descendant of </a:t>
             </a:r>
             <a:r>
-              <a:rPr lang="en-US" altLang="en-US" dirty="0" smtClean="0">
+              <a:rPr lang="en-US" altLang="en-US" dirty="0">
                 <a:latin typeface="Courier New" pitchFamily="49" charset="0"/>
               </a:rPr>
               <a:t>Exception</a:t>
@@ -7023,37 +6763,37 @@
           <a:p>
             <a:pPr eaLnBrk="1" hangingPunct="1"/>
             <a:r>
-              <a:rPr lang="en-US" altLang="en-US" dirty="0" smtClean="0"/>
+              <a:rPr lang="en-US" altLang="en-US" dirty="0"/>
               <a:t>You may use multiple </a:t>
             </a:r>
             <a:r>
-              <a:rPr lang="en-US" altLang="en-US" dirty="0" smtClean="0">
+              <a:rPr lang="en-US" altLang="en-US" dirty="0">
                 <a:latin typeface="Courier New" pitchFamily="49" charset="0"/>
               </a:rPr>
               <a:t>catch</a:t>
             </a:r>
             <a:r>
-              <a:rPr lang="en-US" altLang="en-US" dirty="0" smtClean="0"/>
+              <a:rPr lang="en-US" altLang="en-US" dirty="0"/>
               <a:t> blocks with one </a:t>
             </a:r>
             <a:r>
-              <a:rPr lang="en-US" altLang="en-US" dirty="0" smtClean="0">
+              <a:rPr lang="en-US" altLang="en-US" dirty="0">
                 <a:latin typeface="Courier New" pitchFamily="49" charset="0"/>
               </a:rPr>
               <a:t>try</a:t>
             </a:r>
             <a:r>
-              <a:rPr lang="en-US" altLang="en-US" dirty="0" smtClean="0"/>
+              <a:rPr lang="en-US" altLang="en-US" dirty="0"/>
               <a:t> block in case of multiple types of </a:t>
             </a:r>
             <a:r>
-              <a:rPr lang="en-US" altLang="en-US" dirty="0" smtClean="0">
+              <a:rPr lang="en-US" altLang="en-US" dirty="0">
                 <a:latin typeface="Courier New" pitchFamily="49" charset="0"/>
               </a:rPr>
               <a:t>Exception</a:t>
             </a:r>
             <a:r>
-              <a:rPr lang="en-US" altLang="en-US" dirty="0" smtClean="0">
+              <a:rPr lang="en-US" altLang="en-US" dirty="0">
                 <a:latin typeface="Courier New" panose="02070309020205020404" pitchFamily="49" charset="0"/>
                 <a:cs typeface="Courier New" panose="02070309020205020404" pitchFamily="49" charset="0"/>
               </a:rPr>
@@ -7072,13 +6812,6 @@
   <p:clrMapOvr>
     <a:masterClrMapping/>
   </p:clrMapOvr>
-  <p:timing>
-    <p:tnLst>
-      <p:par>
-        <p:cTn id="1" dur="indefinite" restart="never" nodeType="tmRoot"/>
-      </p:par>
-    </p:tnLst>
-  </p:timing>
 </p:sld>
 </file>
 
@@ -7117,26 +6850,22 @@
           <a:lstStyle/>
           <a:p>
             <a:r>
-              <a:rPr lang="en-US" altLang="en-US" sz="3600" b="1" dirty="0" smtClean="0"/>
+              <a:rPr lang="en-US" altLang="en-US" sz="3600" b="1" dirty="0"/>
               <a:t>Using throws clause </a:t>
             </a:r>
-            <a:r>
-              <a:rPr lang="en-US" altLang="en-US" sz="3600" dirty="0" smtClean="0"/>
-              <a:t/>
-            </a:r>
             <a:br>
-              <a:rPr lang="en-US" altLang="en-US" sz="3600" dirty="0" smtClean="0"/>
+              <a:rPr lang="en-US" altLang="en-US" sz="3600" dirty="0"/>
             </a:br>
             <a:r>
-              <a:rPr lang="en-US" altLang="en-US" sz="2000" dirty="0" smtClean="0"/>
+              <a:rPr lang="en-US" altLang="en-US" sz="2000" dirty="0"/>
               <a:t>(</a:t>
             </a:r>
             <a:r>
-              <a:rPr lang="en-US" altLang="en-US" sz="2000" dirty="0" err="1" smtClean="0"/>
+              <a:rPr lang="en-US" altLang="en-US" sz="2000" dirty="0" err="1"/>
               <a:t>eg</a:t>
             </a:r>
             <a:r>
-              <a:rPr lang="en-US" altLang="en-US" sz="2000" dirty="0" smtClean="0"/>
+              <a:rPr lang="en-US" altLang="en-US" sz="2000" dirty="0"/>
               <a:t>. if you don’t want the exception to be handled in the same class)</a:t>
             </a:r>
           </a:p>
@@ -7273,16 +7002,12 @@
               <a:t>              </a:t>
             </a:r>
             <a:r>
-              <a:rPr lang="en-US" sz="8000" dirty="0" err="1" smtClean="0"/>
+              <a:rPr lang="en-US" sz="8000" dirty="0" err="1"/>
               <a:t>checkex</a:t>
             </a:r>
             <a:r>
-              <a:rPr lang="en-US" sz="8000" dirty="0" smtClean="0"/>
+              <a:rPr lang="en-US" sz="8000" dirty="0"/>
               <a:t>();</a:t>
-            </a:r>
-            <a:r>
-              <a:rPr lang="en-US" sz="8000" dirty="0"/>
-              <a:t/>
             </a:r>
             <a:br>
               <a:rPr lang="en-US" sz="8000" dirty="0"/>
@@ -7364,10 +7089,6 @@
               <a:rPr lang="en-US" sz="8000" dirty="0"/>
               <a:t>(ex);</a:t>
             </a:r>
-            <a:r>
-              <a:rPr lang="en-US" sz="8000" i="1" dirty="0"/>
-              <a:t/>
-            </a:r>
             <a:br>
               <a:rPr lang="en-US" sz="8000" i="1" dirty="0"/>
             </a:br>
@@ -7382,20 +7103,12 @@
             <a:br>
               <a:rPr lang="en-US" sz="8000" dirty="0"/>
             </a:br>
-            <a:r>
-              <a:rPr lang="en-US" sz="8000" dirty="0"/>
-              <a:t/>
-            </a:r>
             <a:br>
               <a:rPr lang="en-US" sz="8000" dirty="0"/>
             </a:br>
             <a:r>
               <a:rPr lang="en-US" sz="8000" dirty="0"/>
-              <a:t>    </a:t>
-            </a:r>
-            <a:r>
-              <a:rPr lang="en-US" sz="8000" dirty="0" smtClean="0"/>
-              <a:t>}</a:t>
+              <a:t>    }</a:t>
             </a:r>
           </a:p>
           <a:p>
@@ -7410,7 +7123,7 @@
               <a:buNone/>
               <a:defRPr/>
             </a:pPr>
-            <a:endParaRPr lang="en-US" dirty="0" smtClean="0"/>
+            <a:endParaRPr lang="en-US" dirty="0"/>
           </a:p>
           <a:p>
             <a:pPr>
@@ -7419,11 +7132,7 @@
             </a:pPr>
             <a:r>
               <a:rPr lang="en-US" sz="8000" dirty="0"/>
-              <a:t>public </a:t>
-            </a:r>
-            <a:r>
-              <a:rPr lang="en-US" sz="8000" dirty="0" smtClean="0"/>
-              <a:t>static void </a:t>
+              <a:t>public static void </a:t>
             </a:r>
             <a:r>
               <a:rPr lang="en-US" sz="8000" dirty="0" err="1"/>
@@ -7495,11 +7204,11 @@
               <a:t>          </a:t>
             </a:r>
             <a:r>
-              <a:rPr lang="en-US" sz="8000" dirty="0" err="1" smtClean="0"/>
+              <a:rPr lang="en-US" sz="8000" dirty="0" err="1"/>
               <a:t>FileReader</a:t>
             </a:r>
             <a:r>
-              <a:rPr lang="en-US" sz="8000" dirty="0" smtClean="0"/>
+              <a:rPr lang="en-US" sz="8000" dirty="0"/>
               <a:t> </a:t>
             </a:r>
             <a:r>
@@ -7520,13 +7229,8 @@
             </a:r>
             <a:r>
               <a:rPr lang="en-US" sz="8000" dirty="0"/>
-              <a:t>(file</a:t>
-            </a:r>
-            <a:r>
-              <a:rPr lang="en-US" sz="8000" dirty="0" smtClean="0"/>
-              <a:t>);</a:t>
-            </a:r>
-            <a:endParaRPr lang="en-US" sz="8000" dirty="0"/>
+              <a:t>(file);</a:t>
+            </a:r>
           </a:p>
           <a:p>
             <a:pPr>
@@ -7544,10 +7248,9 @@
               <a:defRPr/>
             </a:pPr>
             <a:r>
-              <a:rPr lang="en-US" sz="8000" dirty="0" smtClean="0"/>
+              <a:rPr lang="en-US" sz="8000" dirty="0"/>
               <a:t>}</a:t>
             </a:r>
-            <a:endParaRPr lang="en-US" sz="8000" dirty="0"/>
           </a:p>
         </p:txBody>
       </p:sp>
@@ -7561,13 +7264,6 @@
   <p:clrMapOvr>
     <a:masterClrMapping/>
   </p:clrMapOvr>
-  <p:timing>
-    <p:tnLst>
-      <p:par>
-        <p:cTn id="1" dur="indefinite" restart="never" nodeType="tmRoot"/>
-      </p:par>
-    </p:tnLst>
-  </p:timing>
 </p:sld>
 </file>
 
@@ -7758,18 +7454,18 @@
           <a:p>
             <a:pPr eaLnBrk="1" hangingPunct="1"/>
             <a:r>
-              <a:rPr lang="en-US" altLang="en-US" dirty="0" smtClean="0"/>
+              <a:rPr lang="en-US" altLang="en-US" dirty="0"/>
               <a:t>Methods that </a:t>
             </a:r>
             <a:r>
-              <a:rPr lang="en-US" altLang="en-US" dirty="0" smtClean="0">
+              <a:rPr lang="en-US" altLang="en-US" dirty="0">
                 <a:latin typeface="Courier New" panose="02070309020205020404" pitchFamily="49" charset="0"/>
                 <a:cs typeface="Courier New" panose="02070309020205020404" pitchFamily="49" charset="0"/>
               </a:rPr>
               <a:t>throw</a:t>
             </a:r>
             <a:r>
-              <a:rPr lang="en-US" altLang="en-US" dirty="0" smtClean="0"/>
+              <a:rPr lang="en-US" altLang="en-US" dirty="0"/>
               <a:t> Exceptions</a:t>
             </a:r>
           </a:p>
@@ -7794,44 +7490,43 @@
           <a:p>
             <a:pPr eaLnBrk="1" hangingPunct="1"/>
             <a:r>
-              <a:rPr lang="en-US" altLang="en-US" dirty="0" smtClean="0"/>
+              <a:rPr lang="en-US" altLang="en-US" dirty="0"/>
               <a:t>It may be that we don't know how to deal with an error within the method that can generate it</a:t>
             </a:r>
           </a:p>
           <a:p>
             <a:pPr eaLnBrk="1" hangingPunct="1"/>
             <a:r>
-              <a:rPr lang="en-US" altLang="en-US" dirty="0" smtClean="0"/>
+              <a:rPr lang="en-US" altLang="en-US" dirty="0"/>
               <a:t>In this case we will pass the buck to the method that called us</a:t>
             </a:r>
           </a:p>
           <a:p>
             <a:pPr eaLnBrk="1" hangingPunct="1"/>
             <a:r>
-              <a:rPr lang="en-US" altLang="en-US" dirty="0" smtClean="0"/>
+              <a:rPr lang="en-US" altLang="en-US" dirty="0"/>
               <a:t>The keyword </a:t>
             </a:r>
             <a:r>
-              <a:rPr lang="en-US" altLang="en-US" dirty="0" smtClean="0">
+              <a:rPr lang="en-US" altLang="en-US" dirty="0">
                 <a:latin typeface="Courier New" pitchFamily="49" charset="0"/>
               </a:rPr>
               <a:t>throws</a:t>
             </a:r>
             <a:r>
-              <a:rPr lang="en-US" altLang="en-US" dirty="0" smtClean="0"/>
+              <a:rPr lang="en-US" altLang="en-US" dirty="0"/>
               <a:t> is used to indicate a method has the possibility of generating an exception of the stated type</a:t>
             </a:r>
           </a:p>
           <a:p>
             <a:r>
-              <a:rPr lang="en-US" altLang="en-US" dirty="0" smtClean="0"/>
+              <a:rPr lang="en-US" altLang="en-US" dirty="0"/>
               <a:t>Now any method calling ours must also throw an exception or handle it</a:t>
             </a:r>
+          </a:p>
+          <a:p>
+            <a:pPr eaLnBrk="1" hangingPunct="1"/>
             <a:endParaRPr lang="en-US" altLang="en-US" dirty="0"/>
-          </a:p>
-          <a:p>
-            <a:pPr eaLnBrk="1" hangingPunct="1"/>
-            <a:endParaRPr lang="en-US" altLang="en-US" dirty="0" smtClean="0"/>
           </a:p>
         </p:txBody>
       </p:sp>
@@ -7886,7 +7581,7 @@
           <a:lstStyle/>
           <a:p>
             <a:r>
-              <a:rPr lang="en-US" altLang="en-US" b="1" dirty="0" smtClean="0"/>
+              <a:rPr lang="en-US" altLang="en-US" b="1" dirty="0"/>
               <a:t>Catching Multiple exceptions</a:t>
             </a:r>
           </a:p>
@@ -7923,31 +7618,31 @@
               <a:defRPr/>
             </a:pPr>
             <a:r>
-              <a:rPr lang="en-US" dirty="0" smtClean="0"/>
+              <a:rPr lang="en-US" dirty="0"/>
               <a:t>We can have multiple catch blocks for a single try statement. The exception handler looks for a compatible match and then for an exact match. In other words, in the example, if the exception raised was </a:t>
             </a:r>
             <a:r>
-              <a:rPr lang="en-US" dirty="0" err="1" smtClean="0"/>
+              <a:rPr lang="en-US" dirty="0" err="1"/>
               <a:t>myIOCustomException</a:t>
             </a:r>
             <a:r>
-              <a:rPr lang="en-US" dirty="0" smtClean="0"/>
+              <a:rPr lang="en-US" dirty="0"/>
               <a:t>, a subclass of </a:t>
             </a:r>
             <a:r>
-              <a:rPr lang="en-US" dirty="0" err="1" smtClean="0"/>
+              <a:rPr lang="en-US" dirty="0" err="1"/>
               <a:t>FileNotFoundException</a:t>
             </a:r>
             <a:r>
-              <a:rPr lang="en-US" dirty="0" smtClean="0"/>
+              <a:rPr lang="en-US" dirty="0"/>
               <a:t>, then the catch block of </a:t>
             </a:r>
             <a:r>
-              <a:rPr lang="en-US" dirty="0" err="1" smtClean="0"/>
+              <a:rPr lang="en-US" dirty="0" err="1"/>
               <a:t>FileNotFoundExeception</a:t>
             </a:r>
             <a:r>
-              <a:rPr lang="en-US" dirty="0" smtClean="0"/>
+              <a:rPr lang="en-US" dirty="0"/>
               <a:t> is matched and executed. </a:t>
             </a:r>
           </a:p>
@@ -7961,7 +7656,7 @@
               <a:defRPr/>
             </a:pPr>
             <a:r>
-              <a:rPr lang="en-US" dirty="0" smtClean="0"/>
+              <a:rPr lang="en-US" dirty="0"/>
               <a:t>If a compatible match is found before an exact match, then the compatible match is preferred. </a:t>
             </a:r>
           </a:p>
@@ -7975,7 +7670,7 @@
               <a:defRPr/>
             </a:pPr>
             <a:r>
-              <a:rPr lang="en-US" dirty="0" smtClean="0"/>
+              <a:rPr lang="en-US" dirty="0"/>
               <a:t>We need to pay special attention on ordering of exceptions in the catch blocks, as it can lead to mismatching of exception and unreachable code.</a:t>
             </a:r>
           </a:p>
@@ -7989,23 +7684,23 @@
               <a:defRPr/>
             </a:pPr>
             <a:r>
-              <a:rPr lang="en-US" dirty="0" smtClean="0"/>
+              <a:rPr lang="en-US" dirty="0"/>
               <a:t>We need to arrange the exceptions from </a:t>
             </a:r>
             <a:r>
-              <a:rPr lang="en-US" i="1" dirty="0" smtClean="0"/>
+              <a:rPr lang="en-US" i="1" dirty="0"/>
               <a:t>specific</a:t>
             </a:r>
             <a:r>
-              <a:rPr lang="en-US" dirty="0" smtClean="0"/>
+              <a:rPr lang="en-US" dirty="0"/>
               <a:t> to </a:t>
             </a:r>
             <a:r>
-              <a:rPr lang="en-US" i="1" dirty="0" smtClean="0"/>
+              <a:rPr lang="en-US" i="1" dirty="0"/>
               <a:t>general</a:t>
             </a:r>
             <a:r>
-              <a:rPr lang="en-US" dirty="0" smtClean="0"/>
+              <a:rPr lang="en-US" dirty="0"/>
               <a:t>.</a:t>
             </a:r>
           </a:p>
@@ -8021,13 +7716,6 @@
   <p:clrMapOvr>
     <a:masterClrMapping/>
   </p:clrMapOvr>
-  <p:timing>
-    <p:tnLst>
-      <p:par>
-        <p:cTn id="1" dur="indefinite" restart="never" nodeType="tmRoot"/>
-      </p:par>
-    </p:tnLst>
-  </p:timing>
 </p:sld>
 </file>
 
@@ -8069,7 +7757,7 @@
           <a:lstStyle/>
           <a:p>
             <a:r>
-              <a:rPr lang="en-US" altLang="en-US" b="1" dirty="0" smtClean="0"/>
+              <a:rPr lang="en-US" altLang="en-US" b="1" dirty="0"/>
               <a:t>Catching Multiple exceptions</a:t>
             </a:r>
           </a:p>
@@ -8121,15 +7809,7 @@
             </a:pPr>
             <a:r>
               <a:rPr lang="en-US" dirty="0"/>
-              <a:t>  </a:t>
-            </a:r>
-            <a:r>
-              <a:rPr lang="en-US" dirty="0" smtClean="0"/>
-              <a:t>        </a:t>
-            </a:r>
-            <a:r>
-              <a:rPr lang="en-US" dirty="0"/>
-              <a:t>// Protected code</a:t>
+              <a:t>          // Protected code</a:t>
             </a:r>
           </a:p>
           <a:p>
@@ -8138,11 +7818,11 @@
               <a:defRPr/>
             </a:pPr>
             <a:r>
-              <a:rPr lang="en-US" dirty="0" smtClean="0"/>
+              <a:rPr lang="en-US" dirty="0"/>
               <a:t>      }    </a:t>
             </a:r>
             <a:r>
-              <a:rPr lang="en-US" dirty="0" smtClean="0">
+              <a:rPr lang="en-US" dirty="0">
                 <a:solidFill>
                   <a:srgbClr val="FF0000"/>
                 </a:solidFill>
@@ -8150,12 +7830,8 @@
               <a:t>catch</a:t>
             </a:r>
             <a:r>
-              <a:rPr lang="en-US" dirty="0" smtClean="0"/>
-              <a:t> (ExceptionType1 </a:t>
-            </a:r>
-            <a:r>
               <a:rPr lang="en-US" dirty="0"/>
-              <a:t>e1) {</a:t>
+              <a:t> (ExceptionType1 e1) {</a:t>
             </a:r>
           </a:p>
           <a:p>
@@ -8165,15 +7841,7 @@
             </a:pPr>
             <a:r>
               <a:rPr lang="en-US" dirty="0"/>
-              <a:t>   </a:t>
-            </a:r>
-            <a:r>
-              <a:rPr lang="en-US" dirty="0" smtClean="0"/>
-              <a:t>       // first catch </a:t>
-            </a:r>
-            <a:r>
-              <a:rPr lang="en-US" dirty="0"/>
-              <a:t>block</a:t>
+              <a:t>          // first catch block</a:t>
             </a:r>
           </a:p>
           <a:p>
@@ -8182,11 +7850,11 @@
               <a:defRPr/>
             </a:pPr>
             <a:r>
-              <a:rPr lang="en-US" dirty="0" smtClean="0"/>
+              <a:rPr lang="en-US" dirty="0"/>
               <a:t>      }   </a:t>
             </a:r>
             <a:r>
-              <a:rPr lang="en-US" dirty="0" smtClean="0">
+              <a:rPr lang="en-US" dirty="0">
                 <a:solidFill>
                   <a:srgbClr val="FF0000"/>
                 </a:solidFill>
@@ -8194,12 +7862,8 @@
               <a:t>catch</a:t>
             </a:r>
             <a:r>
-              <a:rPr lang="en-US" dirty="0" smtClean="0"/>
-              <a:t> (ExceptionType2 </a:t>
-            </a:r>
-            <a:r>
               <a:rPr lang="en-US" dirty="0"/>
-              <a:t>e2) {</a:t>
+              <a:t> (ExceptionType2 e2) {</a:t>
             </a:r>
           </a:p>
           <a:p>
@@ -8209,15 +7873,7 @@
             </a:pPr>
             <a:r>
               <a:rPr lang="en-US" dirty="0"/>
-              <a:t>   </a:t>
-            </a:r>
-            <a:r>
-              <a:rPr lang="en-US" dirty="0" smtClean="0"/>
-              <a:t>       // second catch </a:t>
-            </a:r>
-            <a:r>
-              <a:rPr lang="en-US" dirty="0"/>
-              <a:t>block</a:t>
+              <a:t>          // second catch block</a:t>
             </a:r>
           </a:p>
           <a:p>
@@ -8226,11 +7882,11 @@
               <a:defRPr/>
             </a:pPr>
             <a:r>
-              <a:rPr lang="en-US" dirty="0" smtClean="0"/>
+              <a:rPr lang="en-US" dirty="0"/>
               <a:t>      }  </a:t>
             </a:r>
             <a:r>
-              <a:rPr lang="en-US" dirty="0" smtClean="0">
+              <a:rPr lang="en-US" dirty="0">
                 <a:solidFill>
                   <a:srgbClr val="FF0000"/>
                 </a:solidFill>
@@ -8238,12 +7894,8 @@
               <a:t>catch</a:t>
             </a:r>
             <a:r>
-              <a:rPr lang="en-US" dirty="0" smtClean="0"/>
-              <a:t> (ExceptionType3 </a:t>
-            </a:r>
-            <a:r>
               <a:rPr lang="en-US" dirty="0"/>
-              <a:t>e3) {</a:t>
+              <a:t> (ExceptionType3 e3) {</a:t>
             </a:r>
           </a:p>
           <a:p>
@@ -8253,15 +7905,7 @@
             </a:pPr>
             <a:r>
               <a:rPr lang="en-US" dirty="0"/>
-              <a:t>   </a:t>
-            </a:r>
-            <a:r>
-              <a:rPr lang="en-US" dirty="0" smtClean="0"/>
-              <a:t>      // third catch </a:t>
-            </a:r>
-            <a:r>
-              <a:rPr lang="en-US" dirty="0"/>
-              <a:t>block</a:t>
+              <a:t>         // third catch block</a:t>
             </a:r>
           </a:p>
           <a:p>
@@ -8270,10 +7914,9 @@
               <a:defRPr/>
             </a:pPr>
             <a:r>
-              <a:rPr lang="en-US" dirty="0" smtClean="0"/>
+              <a:rPr lang="en-US" dirty="0"/>
               <a:t>      }</a:t>
             </a:r>
-            <a:endParaRPr lang="en-US" dirty="0"/>
           </a:p>
         </p:txBody>
       </p:sp>
@@ -8287,13 +7930,6 @@
   <p:clrMapOvr>
     <a:masterClrMapping/>
   </p:clrMapOvr>
-  <p:timing>
-    <p:tnLst>
-      <p:par>
-        <p:cTn id="1" dur="indefinite" restart="never" nodeType="tmRoot"/>
-      </p:par>
-    </p:tnLst>
-  </p:timing>
 </p:sld>
 </file>
 
@@ -8338,7 +7974,7 @@
           <a:p>
             <a:pPr algn="r"/>
             <a:r>
-              <a:rPr lang="en-US" altLang="en-US" sz="3600" b="1" dirty="0" smtClean="0"/>
+              <a:rPr lang="en-US" altLang="en-US" sz="3600" b="1" dirty="0"/>
               <a:t>Multiple exceptions </a:t>
             </a:r>
           </a:p>
@@ -8371,16 +8007,12 @@
               <a:defRPr/>
             </a:pPr>
             <a:r>
-              <a:rPr lang="en-US" sz="2000" b="1" dirty="0" smtClean="0"/>
+              <a:rPr lang="en-US" sz="2000" b="1" dirty="0"/>
               <a:t>import </a:t>
             </a:r>
             <a:r>
-              <a:rPr lang="en-US" sz="2000" dirty="0" smtClean="0"/>
+              <a:rPr lang="en-US" sz="2000" dirty="0"/>
               <a:t>…</a:t>
-            </a:r>
-            <a:r>
-              <a:rPr lang="en-US" sz="2000" dirty="0"/>
-              <a:t/>
             </a:r>
             <a:br>
               <a:rPr lang="en-US" sz="2000" dirty="0"/>
@@ -8428,7 +8060,7 @@
               <a:t>        </a:t>
             </a:r>
             <a:r>
-              <a:rPr lang="en-US" sz="2000" b="1" dirty="0" smtClean="0">
+              <a:rPr lang="en-US" sz="2000" b="1" dirty="0">
                 <a:solidFill>
                   <a:srgbClr val="FF0000"/>
                 </a:solidFill>
@@ -8436,16 +8068,12 @@
               <a:t>try</a:t>
             </a:r>
             <a:r>
-              <a:rPr lang="en-US" sz="2000" b="1" dirty="0" smtClean="0"/>
+              <a:rPr lang="en-US" sz="2000" b="1" dirty="0"/>
               <a:t> </a:t>
             </a:r>
             <a:r>
-              <a:rPr lang="en-US" sz="2000" dirty="0" smtClean="0"/>
+              <a:rPr lang="en-US" sz="2000" dirty="0"/>
               <a:t>{</a:t>
-            </a:r>
-            <a:r>
-              <a:rPr lang="en-US" sz="2000" dirty="0"/>
-              <a:t/>
             </a:r>
             <a:br>
               <a:rPr lang="en-US" sz="2000" dirty="0"/>
@@ -8544,16 +8172,12 @@
               <a:t> </a:t>
             </a:r>
             <a:r>
-              <a:rPr lang="en-US" sz="2000" dirty="0" err="1" smtClean="0"/>
+              <a:rPr lang="en-US" sz="2000" dirty="0" err="1"/>
               <a:t>exfnf</a:t>
             </a:r>
             <a:r>
-              <a:rPr lang="en-US" sz="2000" dirty="0" smtClean="0"/>
-              <a:t>) </a:t>
-            </a:r>
-            <a:r>
               <a:rPr lang="en-US" sz="2000" dirty="0"/>
-              <a:t>{</a:t>
+              <a:t>) {</a:t>
             </a:r>
             <a:br>
               <a:rPr lang="en-US" sz="2000" dirty="0"/>
@@ -8601,24 +8225,20 @@
               <a:t>(</a:t>
             </a:r>
             <a:r>
-              <a:rPr lang="en-US" sz="2000" dirty="0" err="1" smtClean="0"/>
+              <a:rPr lang="en-US" sz="2000" dirty="0" err="1"/>
               <a:t>IOException</a:t>
             </a:r>
             <a:r>
-              <a:rPr lang="en-US" sz="2000" dirty="0" smtClean="0"/>
+              <a:rPr lang="en-US" sz="2000" dirty="0"/>
               <a:t> </a:t>
             </a:r>
             <a:r>
-              <a:rPr lang="en-US" sz="2000" dirty="0" err="1" smtClean="0"/>
+              <a:rPr lang="en-US" sz="2000" dirty="0" err="1"/>
               <a:t>exio</a:t>
             </a:r>
             <a:r>
-              <a:rPr lang="en-US" sz="2000" dirty="0" smtClean="0"/>
-              <a:t>) </a:t>
-            </a:r>
-            <a:r>
               <a:rPr lang="en-US" sz="2000" dirty="0"/>
-              <a:t>{</a:t>
+              <a:t>) {</a:t>
             </a:r>
             <a:br>
               <a:rPr lang="en-US" sz="2000" dirty="0"/>
@@ -8639,7 +8259,7 @@
               <a:t>        </a:t>
             </a:r>
             <a:r>
-              <a:rPr lang="en-US" sz="2000" dirty="0" smtClean="0"/>
+              <a:rPr lang="en-US" sz="2000" dirty="0"/>
               <a:t>}</a:t>
             </a:r>
           </a:p>
@@ -8649,7 +8269,7 @@
               <a:defRPr/>
             </a:pPr>
             <a:r>
-              <a:rPr lang="en-US" sz="2000" b="1" dirty="0" smtClean="0">
+              <a:rPr lang="en-US" sz="2000" b="1" dirty="0">
                 <a:solidFill>
                   <a:srgbClr val="FF0000"/>
                 </a:solidFill>
@@ -8657,16 +8277,12 @@
               <a:t>              catch</a:t>
             </a:r>
             <a:r>
-              <a:rPr lang="en-US" sz="2000" b="1" dirty="0" smtClean="0"/>
+              <a:rPr lang="en-US" sz="2000" b="1" dirty="0"/>
               <a:t> </a:t>
             </a:r>
             <a:r>
-              <a:rPr lang="en-US" sz="2000" dirty="0" smtClean="0"/>
-              <a:t>(Exception exception) </a:t>
-            </a:r>
-            <a:r>
               <a:rPr lang="en-US" sz="2000" dirty="0"/>
-              <a:t>{</a:t>
+              <a:t>(Exception exception) {</a:t>
             </a:r>
             <a:br>
               <a:rPr lang="en-US" sz="2000" dirty="0"/>
@@ -8687,12 +8303,8 @@
               <a:t>        </a:t>
             </a:r>
             <a:r>
-              <a:rPr lang="en-US" sz="2000" dirty="0" smtClean="0"/>
+              <a:rPr lang="en-US" sz="2000" dirty="0"/>
               <a:t>}</a:t>
-            </a:r>
-            <a:r>
-              <a:rPr lang="en-US" sz="2000" dirty="0"/>
-              <a:t/>
             </a:r>
             <a:br>
               <a:rPr lang="en-US" sz="2000" dirty="0"/>
@@ -8753,7 +8365,6 @@
               <a:rPr lang="en-US" sz="2000" dirty="0"/>
               <a:t>}</a:t>
             </a:r>
-            <a:endParaRPr lang="en-US" sz="2000" dirty="0" smtClean="0"/>
           </a:p>
         </p:txBody>
       </p:sp>
@@ -8767,13 +8378,6 @@
   <p:clrMapOvr>
     <a:masterClrMapping/>
   </p:clrMapOvr>
-  <p:timing>
-    <p:tnLst>
-      <p:par>
-        <p:cTn id="1" dur="indefinite" restart="never" nodeType="tmRoot"/>
-      </p:par>
-    </p:tnLst>
-  </p:timing>
 </p:sld>
 </file>
 
@@ -8810,10 +8414,9 @@
           <a:lstStyle/>
           <a:p>
             <a:r>
-              <a:rPr lang="en-US" b="1" dirty="0" smtClean="0"/>
+              <a:rPr lang="en-US" b="1" dirty="0"/>
               <a:t>Errors</a:t>
             </a:r>
-            <a:endParaRPr lang="en-US" b="1" dirty="0"/>
           </a:p>
         </p:txBody>
       </p:sp>
@@ -8843,46 +8446,28 @@
               <a:buNone/>
             </a:pPr>
             <a:r>
-              <a:rPr lang="en-US" b="1" dirty="0" smtClean="0"/>
+              <a:rPr lang="en-US" b="1" dirty="0"/>
               <a:t> Errors</a:t>
             </a:r>
             <a:r>
               <a:rPr lang="en-US" dirty="0"/>
-              <a:t> − </a:t>
-            </a:r>
-            <a:r>
-              <a:rPr lang="en-US" dirty="0" smtClean="0"/>
-              <a:t>are </a:t>
-            </a:r>
+              <a:t> − are not exceptions at all, but problems that arise beyond the control of the user or the programmer. Errors are typically ignored in your code because you can rarely do anything about an error.</a:t>
+            </a:r>
+          </a:p>
+          <a:p>
+            <a:pPr marL="0" lvl="0" indent="0">
+              <a:buNone/>
+            </a:pPr>
             <a:r>
               <a:rPr lang="en-US" dirty="0"/>
-              <a:t>not exceptions at all, but problems that arise beyond the control of the user or the programmer. Errors are typically ignored in your code because you can rarely do anything about an error</a:t>
-            </a:r>
-            <a:r>
-              <a:rPr lang="en-US" dirty="0" smtClean="0"/>
-              <a:t>.</a:t>
-            </a:r>
-          </a:p>
-          <a:p>
-            <a:pPr marL="0" lvl="0" indent="0">
-              <a:buNone/>
-            </a:pPr>
-            <a:r>
-              <a:rPr lang="en-US" dirty="0" smtClean="0"/>
               <a:t> </a:t>
             </a:r>
-            <a:endParaRPr lang="en-US" dirty="0"/>
           </a:p>
           <a:p>
             <a:r>
               <a:rPr lang="en-US" dirty="0"/>
-              <a:t>For example, if a stack overflow occurs, an error will arise. </a:t>
-            </a:r>
-            <a:r>
-              <a:rPr lang="en-US" dirty="0" smtClean="0"/>
-              <a:t>These cannot be handled by the compiler. Nor can they be handled by the programmer.</a:t>
-            </a:r>
-            <a:endParaRPr lang="en-US" dirty="0"/>
+              <a:t>For example, if a stack overflow occurs, an error will arise. These cannot be handled by the compiler. Nor can they be handled by the programmer.</a:t>
+            </a:r>
           </a:p>
         </p:txBody>
       </p:sp>
@@ -8896,13 +8481,6 @@
   <p:clrMapOvr>
     <a:masterClrMapping/>
   </p:clrMapOvr>
-  <p:timing>
-    <p:tnLst>
-      <p:par>
-        <p:cTn id="1" dur="indefinite" restart="never" nodeType="tmRoot"/>
-      </p:par>
-    </p:tnLst>
-  </p:timing>
 </p:sld>
 </file>
 
@@ -8939,7 +8517,7 @@
           <a:lstStyle/>
           <a:p>
             <a:r>
-              <a:rPr lang="en-US" altLang="en-US" b="1" dirty="0" smtClean="0"/>
+              <a:rPr lang="en-US" altLang="en-US" b="1" dirty="0"/>
               <a:t>Hierarchy</a:t>
             </a:r>
           </a:p>
@@ -8961,36 +8539,36 @@
           <a:lstStyle/>
           <a:p>
             <a:r>
-              <a:rPr lang="en-US" altLang="en-US" sz="2800" dirty="0" err="1" smtClean="0"/>
+              <a:rPr lang="en-US" altLang="en-US" sz="2800" dirty="0" err="1"/>
               <a:t>Throwable</a:t>
             </a:r>
             <a:r>
-              <a:rPr lang="en-US" altLang="en-US" sz="2800" dirty="0" smtClean="0"/>
+              <a:rPr lang="en-US" altLang="en-US" sz="2800" dirty="0"/>
               <a:t> class is a super class of all exceptions and errors.</a:t>
             </a:r>
           </a:p>
           <a:p>
             <a:r>
-              <a:rPr lang="en-US" altLang="en-US" sz="2800" dirty="0" smtClean="0"/>
+              <a:rPr lang="en-US" altLang="en-US" sz="2800" dirty="0"/>
               <a:t>Exceptions has a special subclass, the </a:t>
             </a:r>
             <a:r>
-              <a:rPr lang="en-US" altLang="en-US" sz="2800" dirty="0" err="1" smtClean="0"/>
+              <a:rPr lang="en-US" altLang="en-US" sz="2800" dirty="0" err="1"/>
               <a:t>RuntimeException</a:t>
             </a:r>
-            <a:endParaRPr lang="en-US" altLang="en-US" sz="2800" dirty="0" smtClean="0"/>
-          </a:p>
-          <a:p>
-            <a:r>
-              <a:rPr lang="en-US" altLang="en-US" sz="2800" dirty="0" smtClean="0"/>
+            <a:endParaRPr lang="en-US" altLang="en-US" sz="2800" dirty="0"/>
+          </a:p>
+          <a:p>
+            <a:r>
+              <a:rPr lang="en-US" altLang="en-US" sz="2800" dirty="0"/>
               <a:t>A user defined exception should be a subclass of the exception class</a:t>
             </a:r>
           </a:p>
           <a:p>
-            <a:endParaRPr lang="en-US" altLang="en-US" dirty="0" smtClean="0"/>
-          </a:p>
-          <a:p>
-            <a:endParaRPr lang="en-US" altLang="en-US" dirty="0" smtClean="0"/>
+            <a:endParaRPr lang="en-US" altLang="en-US" dirty="0"/>
+          </a:p>
+          <a:p>
+            <a:endParaRPr lang="en-US" altLang="en-US" dirty="0"/>
           </a:p>
         </p:txBody>
       </p:sp>
@@ -9004,13 +8582,6 @@
   <p:clrMapOvr>
     <a:masterClrMapping/>
   </p:clrMapOvr>
-  <p:timing>
-    <p:tnLst>
-      <p:par>
-        <p:cTn id="1" dur="indefinite" restart="never" nodeType="tmRoot"/>
-      </p:par>
-    </p:tnLst>
-  </p:timing>
 </p:sld>
 </file>
 
@@ -9201,7 +8772,7 @@
           <a:p>
             <a:pPr eaLnBrk="1" hangingPunct="1"/>
             <a:r>
-              <a:rPr lang="en-US" altLang="en-US" b="1" dirty="0" smtClean="0"/>
+              <a:rPr lang="en-US" altLang="en-US" b="1" dirty="0"/>
               <a:t>Exceptions Inheritance (partial)</a:t>
             </a:r>
           </a:p>
@@ -9658,25 +9229,22 @@
           <a:p>
             <a:pPr eaLnBrk="1" hangingPunct="1"/>
             <a:r>
-              <a:rPr lang="en-US" altLang="en-US" dirty="0" smtClean="0">
+              <a:rPr lang="en-US" altLang="en-US" dirty="0">
                 <a:latin typeface="+mj-lt"/>
               </a:rPr>
               <a:t>Runtime</a:t>
             </a:r>
             <a:br>
-              <a:rPr lang="en-US" altLang="en-US" dirty="0" smtClean="0">
+              <a:rPr lang="en-US" altLang="en-US" dirty="0">
                 <a:latin typeface="+mj-lt"/>
               </a:rPr>
             </a:br>
             <a:r>
-              <a:rPr lang="en-US" altLang="en-US" dirty="0" smtClean="0">
+              <a:rPr lang="en-US" altLang="en-US" dirty="0">
                 <a:latin typeface="+mj-lt"/>
               </a:rPr>
               <a:t>Exception</a:t>
             </a:r>
-            <a:endParaRPr lang="en-US" altLang="en-US" dirty="0">
-              <a:latin typeface="+mj-lt"/>
-            </a:endParaRPr>
           </a:p>
         </p:txBody>
       </p:sp>
@@ -9984,12 +9552,6 @@
               </a:rPr>
               <a:t>FileNotFound</a:t>
             </a:r>
-            <a:r>
-              <a:rPr lang="en-US" altLang="en-US" sz="2000" dirty="0">
-                <a:latin typeface="+mj-lt"/>
-              </a:rPr>
-              <a:t/>
-            </a:r>
             <a:br>
               <a:rPr lang="en-US" altLang="en-US" sz="2000" dirty="0">
                 <a:latin typeface="+mj-lt"/>
@@ -10316,12 +9878,6 @@
               </a:rPr>
               <a:t>NullPointer</a:t>
             </a:r>
-            <a:r>
-              <a:rPr lang="en-US" altLang="en-US" sz="2000" dirty="0">
-                <a:latin typeface="+mj-lt"/>
-              </a:rPr>
-              <a:t/>
-            </a:r>
             <a:br>
               <a:rPr lang="en-US" altLang="en-US" sz="2000" dirty="0">
                 <a:latin typeface="+mj-lt"/>
@@ -10480,16 +10036,10 @@
           <a:p>
             <a:pPr eaLnBrk="1" hangingPunct="1"/>
             <a:r>
-              <a:rPr lang="en-US" altLang="en-US" sz="2000" dirty="0" err="1" smtClean="0">
+              <a:rPr lang="en-US" altLang="en-US" sz="2000" dirty="0" err="1">
                 <a:latin typeface="+mj-lt"/>
               </a:rPr>
               <a:t>ArrayIndexOut</a:t>
-            </a:r>
-            <a:r>
-              <a:rPr lang="en-US" altLang="en-US" sz="2000" dirty="0">
-                <a:latin typeface="+mj-lt"/>
-              </a:rPr>
-              <a:t/>
             </a:r>
             <a:br>
               <a:rPr lang="en-US" altLang="en-US" sz="2000" dirty="0">
@@ -10501,12 +10051,6 @@
                 <a:latin typeface="+mj-lt"/>
               </a:rPr>
               <a:t>ofBounds</a:t>
-            </a:r>
-            <a:r>
-              <a:rPr lang="en-US" altLang="en-US" sz="2000" dirty="0">
-                <a:latin typeface="+mj-lt"/>
-              </a:rPr>
-              <a:t/>
             </a:r>
             <a:br>
               <a:rPr lang="en-US" altLang="en-US" sz="2000" dirty="0">
@@ -11460,13 +11004,6 @@
   <p:clrMapOvr>
     <a:masterClrMapping/>
   </p:clrMapOvr>
-  <p:timing>
-    <p:tnLst>
-      <p:par>
-        <p:cTn id="1" dur="indefinite" restart="never" nodeType="tmRoot"/>
-      </p:par>
-    </p:tnLst>
-  </p:timing>
 </p:sld>
 </file>
 
@@ -11505,7 +11042,7 @@
           <a:lstStyle/>
           <a:p>
             <a:r>
-              <a:rPr lang="en-US" altLang="en-US" b="1" dirty="0" smtClean="0"/>
+              <a:rPr lang="en-US" altLang="en-US" b="1" dirty="0"/>
               <a:t>Summary: checked and unchecked Exception</a:t>
             </a:r>
           </a:p>
@@ -11537,11 +11074,11 @@
               <a:defRPr/>
             </a:pPr>
             <a:r>
-              <a:rPr lang="en-US" dirty="0" smtClean="0"/>
+              <a:rPr lang="en-US" dirty="0"/>
               <a:t>Exceptions which are checked for during compile time are called </a:t>
             </a:r>
             <a:r>
-              <a:rPr lang="en-US" dirty="0" smtClean="0">
+              <a:rPr lang="en-US" dirty="0">
                 <a:solidFill>
                   <a:srgbClr val="FF0000"/>
                 </a:solidFill>
@@ -11549,7 +11086,7 @@
               <a:t>checked exceptions</a:t>
             </a:r>
             <a:r>
-              <a:rPr lang="en-US" dirty="0" smtClean="0"/>
+              <a:rPr lang="en-US" dirty="0"/>
               <a:t>.</a:t>
             </a:r>
           </a:p>
@@ -11563,7 +11100,7 @@
               <a:defRPr/>
             </a:pPr>
             <a:r>
-              <a:rPr lang="en-US" dirty="0" smtClean="0"/>
+              <a:rPr lang="en-US" dirty="0"/>
               <a:t>	 </a:t>
             </a:r>
           </a:p>
@@ -11577,11 +11114,11 @@
               <a:defRPr/>
             </a:pPr>
             <a:r>
-              <a:rPr lang="en-US" dirty="0" smtClean="0"/>
+              <a:rPr lang="en-US" dirty="0"/>
               <a:t>Exceptions which are not checked for during compile time are called </a:t>
             </a:r>
             <a:r>
-              <a:rPr lang="en-US" dirty="0" smtClean="0">
+              <a:rPr lang="en-US" dirty="0">
                 <a:solidFill>
                   <a:srgbClr val="FF0000"/>
                 </a:solidFill>
@@ -11589,7 +11126,7 @@
               <a:t>unchecked exception</a:t>
             </a:r>
             <a:r>
-              <a:rPr lang="en-US" dirty="0" smtClean="0"/>
+              <a:rPr lang="en-US" dirty="0"/>
               <a:t>.</a:t>
             </a:r>
           </a:p>
@@ -11603,7 +11140,7 @@
               <a:defRPr/>
             </a:pPr>
             <a:r>
-              <a:rPr lang="en-US" dirty="0" smtClean="0"/>
+              <a:rPr lang="en-US" dirty="0"/>
               <a:t>	 </a:t>
             </a:r>
           </a:p>
@@ -11617,7 +11154,7 @@
               <a:defRPr/>
             </a:pPr>
             <a:r>
-              <a:rPr lang="en-US" dirty="0" smtClean="0"/>
+              <a:rPr lang="en-US" dirty="0"/>
               <a:t>All the checked exceptions must be handled in the program.</a:t>
             </a:r>
           </a:p>
@@ -11630,7 +11167,7 @@
               <a:buChar char="•"/>
               <a:defRPr/>
             </a:pPr>
-            <a:endParaRPr lang="en-US" dirty="0" smtClean="0"/>
+            <a:endParaRPr lang="en-US" dirty="0"/>
           </a:p>
           <a:p>
             <a:pPr fontAlgn="auto">
@@ -11642,15 +11179,15 @@
               <a:defRPr/>
             </a:pPr>
             <a:r>
-              <a:rPr lang="en-US" dirty="0" smtClean="0"/>
+              <a:rPr lang="en-US" dirty="0"/>
               <a:t>The exceptions raised, if not handled will be handled by the </a:t>
             </a:r>
             <a:r>
-              <a:rPr lang="en-US" b="1" dirty="0" smtClean="0"/>
+              <a:rPr lang="en-US" b="1" dirty="0"/>
               <a:t>Java Virtual Machine</a:t>
             </a:r>
             <a:r>
-              <a:rPr lang="en-US" dirty="0" smtClean="0"/>
+              <a:rPr lang="en-US" dirty="0"/>
               <a:t>. The Virtual machine will print the stack trace of the exception indicating the stack of exception and the line where it was caused.</a:t>
             </a:r>
           </a:p>
@@ -11666,13 +11203,6 @@
   <p:clrMapOvr>
     <a:masterClrMapping/>
   </p:clrMapOvr>
-  <p:timing>
-    <p:tnLst>
-      <p:par>
-        <p:cTn id="1" dur="indefinite" restart="never" nodeType="tmRoot"/>
-      </p:par>
-    </p:tnLst>
-  </p:timing>
 </p:sld>
 </file>
 
@@ -11709,10 +11239,9 @@
           <a:lstStyle/>
           <a:p>
             <a:r>
-              <a:rPr lang="en-US" b="1" dirty="0" smtClean="0"/>
+              <a:rPr lang="en-US" b="1" dirty="0"/>
               <a:t>What are exceptions?</a:t>
             </a:r>
-            <a:endParaRPr lang="en-US" b="1" dirty="0"/>
           </a:p>
         </p:txBody>
       </p:sp>
@@ -11737,54 +11266,29 @@
           <a:lstStyle/>
           <a:p>
             <a:r>
-              <a:rPr lang="en-US" dirty="0" smtClean="0"/>
-              <a:t>Exceptions are problems that arise during </a:t>
-            </a:r>
-            <a:r>
               <a:rPr lang="en-US" dirty="0"/>
-              <a:t>the execution of a program. </a:t>
-            </a:r>
-            <a:endParaRPr lang="en-US" dirty="0" smtClean="0"/>
-          </a:p>
-          <a:p>
-            <a:r>
-              <a:rPr lang="en-US" dirty="0" smtClean="0"/>
+              <a:t>Exceptions are problems that arise during the execution of a program. </a:t>
+            </a:r>
+          </a:p>
+          <a:p>
+            <a:r>
+              <a:rPr lang="en-US" dirty="0"/>
               <a:t>They </a:t>
             </a:r>
             <a:r>
-              <a:rPr lang="en-US" dirty="0" smtClean="0">
+              <a:rPr lang="en-US" dirty="0">
                 <a:solidFill>
                   <a:srgbClr val="FF0000"/>
                 </a:solidFill>
               </a:rPr>
-              <a:t>cause the </a:t>
+              <a:t>cause the normal flow of the program to be disrupted </a:t>
+            </a:r>
+            <a:r>
+              <a:rPr lang="en-US" dirty="0"/>
+              <a:t>and the program to </a:t>
             </a:r>
             <a:r>
               <a:rPr lang="en-US" dirty="0">
-                <a:solidFill>
-                  <a:srgbClr val="FF0000"/>
-                </a:solidFill>
-              </a:rPr>
-              <a:t>normal flow of the program </a:t>
-            </a:r>
-            <a:r>
-              <a:rPr lang="en-US" dirty="0" smtClean="0">
-                <a:solidFill>
-                  <a:srgbClr val="FF0000"/>
-                </a:solidFill>
-              </a:rPr>
-              <a:t>to be disrupted </a:t>
-            </a:r>
-            <a:r>
-              <a:rPr lang="en-US" dirty="0"/>
-              <a:t>and the </a:t>
-            </a:r>
-            <a:r>
-              <a:rPr lang="en-US" dirty="0" smtClean="0"/>
-              <a:t>program to </a:t>
-            </a:r>
-            <a:r>
-              <a:rPr lang="en-US" dirty="0" smtClean="0">
                 <a:solidFill>
                   <a:srgbClr val="FF0000"/>
                 </a:solidFill>
@@ -11792,26 +11296,14 @@
               <a:t>terminate abnormally</a:t>
             </a:r>
             <a:r>
-              <a:rPr lang="en-US" dirty="0" smtClean="0"/>
+              <a:rPr lang="en-US" dirty="0"/>
               <a:t>.</a:t>
             </a:r>
           </a:p>
           <a:p>
             <a:r>
-              <a:rPr lang="en-US" dirty="0" smtClean="0"/>
-              <a:t>This is most undesirable and </a:t>
-            </a:r>
-            <a:r>
               <a:rPr lang="en-US" dirty="0"/>
-              <a:t>therefore, </a:t>
-            </a:r>
-            <a:r>
-              <a:rPr lang="en-US" dirty="0" smtClean="0"/>
-              <a:t> </a:t>
-            </a:r>
-            <a:r>
-              <a:rPr lang="en-US" dirty="0"/>
-              <a:t>exceptions are to be handled.</a:t>
+              <a:t>This is most undesirable and therefore,  exceptions are to be handled.</a:t>
             </a:r>
           </a:p>
         </p:txBody>
@@ -11826,13 +11318,6 @@
   <p:clrMapOvr>
     <a:masterClrMapping/>
   </p:clrMapOvr>
-  <p:timing>
-    <p:tnLst>
-      <p:par>
-        <p:cTn id="1" dur="indefinite" restart="never" nodeType="tmRoot"/>
-      </p:par>
-    </p:tnLst>
-  </p:timing>
 </p:sld>
 </file>
 
@@ -11874,7 +11359,7 @@
           <a:lstStyle/>
           <a:p>
             <a:r>
-              <a:rPr lang="en-US" altLang="en-US" b="1" dirty="0" smtClean="0"/>
+              <a:rPr lang="en-US" altLang="en-US" b="1" dirty="0"/>
               <a:t>User defined exceptions</a:t>
             </a:r>
           </a:p>
@@ -11911,13 +11396,8 @@
             </a:pPr>
             <a:r>
               <a:rPr lang="en-US" dirty="0"/>
-              <a:t>You can create your own exceptions in </a:t>
-            </a:r>
-            <a:r>
-              <a:rPr lang="en-US" dirty="0" smtClean="0"/>
-              <a:t>Java.</a:t>
-            </a:r>
-            <a:endParaRPr lang="en-US" dirty="0"/>
+              <a:t>You can create your own exceptions in Java.</a:t>
+            </a:r>
           </a:p>
           <a:p>
             <a:pPr>
@@ -11927,12 +11407,8 @@
               <a:defRPr/>
             </a:pPr>
             <a:r>
-              <a:rPr lang="en-US" dirty="0" smtClean="0"/>
-              <a:t>All </a:t>
-            </a:r>
-            <a:r>
               <a:rPr lang="en-US" dirty="0"/>
-              <a:t>exceptions must be a child of </a:t>
+              <a:t>All exceptions must be a child of </a:t>
             </a:r>
             <a:r>
               <a:rPr lang="en-US" dirty="0" err="1"/>
@@ -11951,12 +11427,8 @@
               <a:defRPr/>
             </a:pPr>
             <a:r>
-              <a:rPr lang="en-US" dirty="0" smtClean="0"/>
-              <a:t>If </a:t>
-            </a:r>
-            <a:r>
               <a:rPr lang="en-US" dirty="0"/>
-              <a:t>you want to write a checked exception that is automatically enforced by the Handle or Declare Rule, you need to extend the Exception class.</a:t>
+              <a:t>If you want to write a checked exception that is automatically enforced by the Handle or Declare Rule, you need to extend the Exception class.</a:t>
             </a:r>
           </a:p>
           <a:p>
@@ -11967,12 +11439,8 @@
               <a:defRPr/>
             </a:pPr>
             <a:r>
-              <a:rPr lang="en-US" dirty="0" smtClean="0"/>
-              <a:t>If </a:t>
-            </a:r>
-            <a:r>
               <a:rPr lang="en-US" dirty="0"/>
-              <a:t>you want to write a runtime exception, you need to extend the </a:t>
+              <a:t>If you want to write a runtime exception, you need to extend the </a:t>
             </a:r>
             <a:r>
               <a:rPr lang="en-US" dirty="0" err="1"/>
@@ -11980,13 +11448,8 @@
             </a:r>
             <a:r>
               <a:rPr lang="en-US" dirty="0"/>
-              <a:t> class</a:t>
-            </a:r>
-            <a:r>
-              <a:rPr lang="en-US" dirty="0" smtClean="0"/>
-              <a:t>.</a:t>
-            </a:r>
-            <a:endParaRPr lang="en-US" dirty="0"/>
+              <a:t> class.</a:t>
+            </a:r>
           </a:p>
         </p:txBody>
       </p:sp>
@@ -12000,13 +11463,6 @@
   <p:clrMapOvr>
     <a:masterClrMapping/>
   </p:clrMapOvr>
-  <p:timing>
-    <p:tnLst>
-      <p:par>
-        <p:cTn id="1" dur="indefinite" restart="never" nodeType="tmRoot"/>
-      </p:par>
-    </p:tnLst>
-  </p:timing>
 </p:sld>
 </file>
 
@@ -12051,7 +11507,7 @@
           <a:p>
             <a:pPr algn="r"/>
             <a:r>
-              <a:rPr lang="en-US" altLang="en-US" sz="3200" b="1" dirty="0" smtClean="0"/>
+              <a:rPr lang="en-US" altLang="en-US" sz="3200" b="1" dirty="0"/>
               <a:t>User defined exceptions - example</a:t>
             </a:r>
           </a:p>
@@ -12089,15 +11545,11 @@
               <a:defRPr/>
             </a:pPr>
             <a:r>
-              <a:rPr lang="en-US" sz="2100" dirty="0" smtClean="0"/>
-              <a:t>public </a:t>
-            </a:r>
-            <a:r>
               <a:rPr lang="en-US" sz="2100" dirty="0"/>
-              <a:t>class </a:t>
-            </a:r>
-            <a:r>
-              <a:rPr lang="en-US" sz="2100" b="1" dirty="0" err="1" smtClean="0">
+              <a:t>public class </a:t>
+            </a:r>
+            <a:r>
+              <a:rPr lang="en-US" sz="2100" b="1" dirty="0" err="1">
                 <a:solidFill>
                   <a:srgbClr val="002060"/>
                 </a:solidFill>
@@ -12105,7 +11557,7 @@
               <a:t>ExceedLimitException</a:t>
             </a:r>
             <a:r>
-              <a:rPr lang="en-US" sz="2100" b="1" dirty="0" smtClean="0">
+              <a:rPr lang="en-US" sz="2100" b="1" dirty="0">
                 <a:solidFill>
                   <a:srgbClr val="002060"/>
                 </a:solidFill>
@@ -12120,15 +11572,7 @@
             </a:pPr>
             <a:r>
               <a:rPr lang="en-US" sz="2100" dirty="0"/>
-              <a:t> </a:t>
-            </a:r>
-            <a:r>
-              <a:rPr lang="en-US" sz="2100" dirty="0" smtClean="0"/>
-              <a:t>                          extends </a:t>
-            </a:r>
-            <a:r>
-              <a:rPr lang="en-US" sz="2100" dirty="0"/>
-              <a:t>Exception {</a:t>
+              <a:t>                           extends Exception {</a:t>
             </a:r>
           </a:p>
           <a:p>
@@ -12138,13 +11582,8 @@
             </a:pPr>
             <a:r>
               <a:rPr lang="en-US" sz="2100" dirty="0"/>
-              <a:t>   private double amount</a:t>
-            </a:r>
-            <a:r>
-              <a:rPr lang="en-US" sz="2100" dirty="0" smtClean="0"/>
-              <a:t>;</a:t>
-            </a:r>
-            <a:endParaRPr lang="en-US" sz="2100" dirty="0"/>
+              <a:t>   private double amount;</a:t>
+            </a:r>
           </a:p>
           <a:p>
             <a:pPr>
@@ -12155,7 +11594,6 @@
               <a:rPr lang="en-US" sz="2100" dirty="0"/>
               <a:t>   </a:t>
             </a:r>
-            <a:endParaRPr lang="en-US" sz="2100" dirty="0" smtClean="0"/>
           </a:p>
           <a:p>
             <a:pPr>
@@ -12163,15 +11601,15 @@
               <a:defRPr/>
             </a:pPr>
             <a:r>
-              <a:rPr lang="en-US" sz="2100" dirty="0" smtClean="0"/>
+              <a:rPr lang="en-US" sz="2100" dirty="0"/>
               <a:t>public </a:t>
             </a:r>
             <a:r>
-              <a:rPr lang="en-US" sz="2100" dirty="0" err="1" smtClean="0"/>
+              <a:rPr lang="en-US" sz="2100" dirty="0" err="1"/>
               <a:t>ExceedLimitException</a:t>
             </a:r>
             <a:r>
-              <a:rPr lang="en-US" sz="2100" dirty="0" smtClean="0"/>
+              <a:rPr lang="en-US" sz="2100" dirty="0"/>
               <a:t>(double  </a:t>
             </a:r>
           </a:p>
@@ -12182,15 +11620,7 @@
             </a:pPr>
             <a:r>
               <a:rPr lang="en-US" sz="2100" dirty="0"/>
-              <a:t> </a:t>
-            </a:r>
-            <a:r>
-              <a:rPr lang="en-US" sz="2100" dirty="0" smtClean="0"/>
-              <a:t>                                                          amount</a:t>
-            </a:r>
-            <a:r>
-              <a:rPr lang="en-US" sz="2100" dirty="0"/>
-              <a:t>) {</a:t>
+              <a:t>                                                           amount) {</a:t>
             </a:r>
           </a:p>
           <a:p>
@@ -12218,11 +11648,7 @@
             </a:pPr>
             <a:r>
               <a:rPr lang="en-US" sz="2100" dirty="0"/>
-              <a:t>   </a:t>
-            </a:r>
-            <a:r>
-              <a:rPr lang="en-US" sz="2100" dirty="0" smtClean="0"/>
-              <a:t>}</a:t>
+              <a:t>   }</a:t>
             </a:r>
           </a:p>
           <a:p>
@@ -12231,12 +11657,8 @@
               <a:defRPr/>
             </a:pPr>
             <a:r>
-              <a:rPr lang="en-US" sz="2100" dirty="0" smtClean="0"/>
-              <a:t>   public </a:t>
-            </a:r>
-            <a:r>
               <a:rPr lang="en-US" sz="2100" dirty="0"/>
-              <a:t>double </a:t>
+              <a:t>   public double </a:t>
             </a:r>
             <a:r>
               <a:rPr lang="en-US" sz="2100" dirty="0" err="1"/>
@@ -12264,17 +11686,8 @@
             </a:pPr>
             <a:r>
               <a:rPr lang="en-US" sz="2100" dirty="0"/>
-              <a:t>   </a:t>
-            </a:r>
-            <a:r>
-              <a:rPr lang="en-US" sz="2100" dirty="0" smtClean="0"/>
-              <a:t> </a:t>
-            </a:r>
-            <a:r>
-              <a:rPr lang="en-US" sz="2100" dirty="0"/>
-              <a:t>}</a:t>
-            </a:r>
-            <a:endParaRPr lang="en-US" sz="2100" dirty="0" smtClean="0"/>
+              <a:t>    }</a:t>
+            </a:r>
           </a:p>
           <a:p>
             <a:pPr>
@@ -12282,7 +11695,7 @@
               <a:defRPr/>
             </a:pPr>
             <a:r>
-              <a:rPr lang="en-US" sz="2100" dirty="0" smtClean="0"/>
+              <a:rPr lang="en-US" sz="2100" dirty="0"/>
               <a:t>}</a:t>
             </a:r>
           </a:p>
@@ -12298,7 +11711,7 @@
               <a:buNone/>
               <a:defRPr/>
             </a:pPr>
-            <a:endParaRPr lang="en-US" dirty="0" smtClean="0"/>
+            <a:endParaRPr lang="en-US" dirty="0"/>
           </a:p>
           <a:p>
             <a:pPr>
@@ -12481,7 +11894,7 @@
               <a:defRPr/>
             </a:pPr>
             <a:r>
-              <a:rPr lang="en-US" sz="7600" dirty="0" smtClean="0"/>
+              <a:rPr lang="en-US" sz="7600" dirty="0"/>
               <a:t>public class  Account {</a:t>
             </a:r>
           </a:p>
@@ -12492,7 +11905,7 @@
               <a:defRPr/>
             </a:pPr>
             <a:r>
-              <a:rPr lang="en-US" sz="7600" dirty="0" smtClean="0"/>
+              <a:rPr lang="en-US" sz="7600" dirty="0"/>
               <a:t>        private double balance;</a:t>
             </a:r>
           </a:p>
@@ -12503,23 +11916,23 @@
               <a:defRPr/>
             </a:pPr>
             <a:r>
-              <a:rPr lang="en-US" sz="7600" dirty="0" smtClean="0"/>
+              <a:rPr lang="en-US" sz="7600" dirty="0"/>
               <a:t>        private </a:t>
             </a:r>
             <a:r>
-              <a:rPr lang="en-US" sz="7600" dirty="0" err="1" smtClean="0"/>
+              <a:rPr lang="en-US" sz="7600" dirty="0" err="1"/>
               <a:t>int</a:t>
             </a:r>
             <a:r>
-              <a:rPr lang="en-US" sz="7600" dirty="0" smtClean="0"/>
+              <a:rPr lang="en-US" sz="7600" dirty="0"/>
               <a:t> </a:t>
             </a:r>
             <a:r>
-              <a:rPr lang="en-US" sz="7600" dirty="0" err="1" smtClean="0"/>
+              <a:rPr lang="en-US" sz="7600" dirty="0" err="1"/>
               <a:t>ACnumber</a:t>
             </a:r>
             <a:r>
-              <a:rPr lang="en-US" sz="7600" dirty="0" smtClean="0"/>
+              <a:rPr lang="en-US" sz="7600" dirty="0"/>
               <a:t>;</a:t>
             </a:r>
           </a:p>
@@ -12529,7 +11942,7 @@
               <a:buNone/>
               <a:defRPr/>
             </a:pPr>
-            <a:endParaRPr lang="en-US" sz="7600" dirty="0" smtClean="0"/>
+            <a:endParaRPr lang="en-US" sz="7600" dirty="0"/>
           </a:p>
           <a:p>
             <a:pPr>
@@ -12538,24 +11951,129 @@
               <a:defRPr/>
             </a:pPr>
             <a:r>
-              <a:rPr lang="en-US" sz="7600" dirty="0" smtClean="0"/>
-              <a:t>        public </a:t>
+              <a:rPr lang="en-US" sz="7600" dirty="0"/>
+              <a:t>        public  Account(</a:t>
+            </a:r>
+            <a:r>
+              <a:rPr lang="en-US" sz="7600" dirty="0" err="1"/>
+              <a:t>int</a:t>
+            </a:r>
+            <a:r>
+              <a:rPr lang="en-US" sz="7600" dirty="0"/>
+              <a:t> number) {</a:t>
+            </a:r>
+          </a:p>
+          <a:p>
+            <a:pPr>
+              <a:buFont typeface="Arial" panose="020B0604020202020204" pitchFamily="34" charset="0"/>
+              <a:buNone/>
+              <a:defRPr/>
+            </a:pPr>
+            <a:r>
+              <a:rPr lang="en-US" sz="7600" dirty="0"/>
+              <a:t>           </a:t>
+            </a:r>
+            <a:r>
+              <a:rPr lang="en-US" sz="7600" dirty="0" err="1"/>
+              <a:t>this.ACnumber</a:t>
+            </a:r>
+            <a:r>
+              <a:rPr lang="en-US" sz="7600" dirty="0"/>
+              <a:t> = number;</a:t>
+            </a:r>
+          </a:p>
+          <a:p>
+            <a:pPr>
+              <a:buFont typeface="Arial" panose="020B0604020202020204" pitchFamily="34" charset="0"/>
+              <a:buNone/>
+              <a:defRPr/>
+            </a:pPr>
+            <a:r>
+              <a:rPr lang="en-US" sz="7600" dirty="0"/>
+              <a:t>        }</a:t>
+            </a:r>
+          </a:p>
+          <a:p>
+            <a:pPr>
+              <a:buFont typeface="Arial" panose="020B0604020202020204" pitchFamily="34" charset="0"/>
+              <a:buNone/>
+              <a:defRPr/>
+            </a:pPr>
+            <a:r>
+              <a:rPr lang="en-US" sz="7600" dirty="0"/>
+              <a:t>       public void deposit(double amount) {</a:t>
+            </a:r>
+          </a:p>
+          <a:p>
+            <a:pPr>
+              <a:buFont typeface="Arial" panose="020B0604020202020204" pitchFamily="34" charset="0"/>
+              <a:buNone/>
+              <a:defRPr/>
+            </a:pPr>
+            <a:r>
+              <a:rPr lang="en-US" sz="7600" dirty="0"/>
+              <a:t>           balance += amount;</a:t>
+            </a:r>
+          </a:p>
+          <a:p>
+            <a:pPr>
+              <a:buFont typeface="Arial" panose="020B0604020202020204" pitchFamily="34" charset="0"/>
+              <a:buNone/>
+              <a:defRPr/>
+            </a:pPr>
+            <a:r>
+              <a:rPr lang="en-US" sz="7600" dirty="0"/>
+              <a:t>        }</a:t>
+            </a:r>
+          </a:p>
+          <a:p>
+            <a:pPr>
+              <a:buFont typeface="Arial" panose="020B0604020202020204" pitchFamily="34" charset="0"/>
+              <a:buNone/>
+              <a:defRPr/>
+            </a:pPr>
+            <a:r>
+              <a:rPr lang="en-US" sz="7600" dirty="0"/>
+              <a:t>       public void withdraw(double amount) </a:t>
+            </a:r>
+            <a:br>
+              <a:rPr lang="en-US" sz="7600" dirty="0"/>
+            </a:br>
+            <a:r>
+              <a:rPr lang="en-US" sz="7600" dirty="0"/>
+              <a:t>       </a:t>
+            </a:r>
+            <a:r>
+              <a:rPr lang="en-US" sz="7600" dirty="0">
+                <a:solidFill>
+                  <a:srgbClr val="FF0000"/>
+                </a:solidFill>
+              </a:rPr>
+              <a:t>throws</a:t>
             </a:r>
             <a:r>
               <a:rPr lang="en-US" sz="7600" dirty="0"/>
               <a:t> </a:t>
             </a:r>
             <a:r>
-              <a:rPr lang="en-US" sz="7600" dirty="0" smtClean="0"/>
-              <a:t>Account(</a:t>
-            </a:r>
-            <a:r>
-              <a:rPr lang="en-US" sz="7600" dirty="0" err="1" smtClean="0"/>
-              <a:t>int</a:t>
-            </a:r>
-            <a:r>
-              <a:rPr lang="en-US" sz="7600" dirty="0" smtClean="0"/>
-              <a:t> number) {</a:t>
+              <a:rPr lang="en-US" sz="7600" b="1" dirty="0" err="1">
+                <a:solidFill>
+                  <a:srgbClr val="002060"/>
+                </a:solidFill>
+              </a:rPr>
+              <a:t>ExceedLimitException</a:t>
+            </a:r>
+            <a:r>
+              <a:rPr lang="en-US" sz="7600" dirty="0">
+                <a:solidFill>
+                  <a:srgbClr val="002060"/>
+                </a:solidFill>
+              </a:rPr>
+              <a:t> </a:t>
+            </a:r>
+            <a:r>
+              <a:rPr lang="en-US" sz="7600" dirty="0"/>
+              <a:t>{</a:t>
             </a:r>
           </a:p>
           <a:p>
@@ -12565,16 +12083,8 @@
               <a:defRPr/>
             </a:pPr>
             <a:r>
-              <a:rPr lang="en-US" sz="7600" dirty="0" smtClean="0"/>
-              <a:t>           </a:t>
-            </a:r>
-            <a:r>
-              <a:rPr lang="en-US" sz="7600" dirty="0" err="1" smtClean="0"/>
-              <a:t>this.ACnumber</a:t>
-            </a:r>
-            <a:r>
-              <a:rPr lang="en-US" sz="7600" dirty="0" smtClean="0"/>
-              <a:t> = number;</a:t>
+              <a:rPr lang="en-US" sz="7600" dirty="0"/>
+              <a:t>           if(amount &lt;= balance) {</a:t>
             </a:r>
           </a:p>
           <a:p>
@@ -12584,8 +12094,8 @@
               <a:defRPr/>
             </a:pPr>
             <a:r>
-              <a:rPr lang="en-US" sz="7600" dirty="0" smtClean="0"/>
-              <a:t>        }</a:t>
+              <a:rPr lang="en-US" sz="7600" dirty="0"/>
+              <a:t>               balance -= amount;</a:t>
             </a:r>
           </a:p>
           <a:p>
@@ -12595,8 +12105,8 @@
               <a:defRPr/>
             </a:pPr>
             <a:r>
-              <a:rPr lang="en-US" sz="7600" dirty="0" smtClean="0"/>
-              <a:t>       public void deposit(double amount) {</a:t>
+              <a:rPr lang="en-US" sz="7600" dirty="0"/>
+              <a:t>          } else {</a:t>
             </a:r>
           </a:p>
           <a:p>
@@ -12606,8 +12116,15 @@
               <a:defRPr/>
             </a:pPr>
             <a:r>
-              <a:rPr lang="en-US" sz="7600" dirty="0" smtClean="0"/>
-              <a:t>           balance += amount;</a:t>
+              <a:rPr lang="en-US" sz="7600" dirty="0"/>
+              <a:t>              double needs = amount – </a:t>
+            </a:r>
+            <a:br>
+              <a:rPr lang="en-US" sz="7600" dirty="0"/>
+            </a:br>
+            <a:r>
+              <a:rPr lang="en-US" sz="7600" dirty="0"/>
+              <a:t>                                                  balance;</a:t>
             </a:r>
           </a:p>
           <a:p>
@@ -12617,8 +12134,12 @@
               <a:defRPr/>
             </a:pPr>
             <a:r>
-              <a:rPr lang="en-US" sz="7600" dirty="0" smtClean="0"/>
-              <a:t>        }</a:t>
+              <a:rPr lang="en-US" sz="7600" dirty="0">
+                <a:solidFill>
+                  <a:srgbClr val="FF0000"/>
+                </a:solidFill>
+              </a:rPr>
+              <a:t>           throw new   </a:t>
             </a:r>
           </a:p>
           <a:p>
@@ -12628,47 +12149,24 @@
               <a:defRPr/>
             </a:pPr>
             <a:r>
-              <a:rPr lang="en-US" sz="7600" dirty="0" smtClean="0"/>
-              <a:t>       public void withdraw(double amount) </a:t>
-            </a:r>
-            <a:br>
-              <a:rPr lang="en-US" sz="7600" dirty="0" smtClean="0"/>
-            </a:br>
-            <a:r>
-              <a:rPr lang="en-US" sz="7600" dirty="0" smtClean="0"/>
-              <a:t>       </a:t>
-            </a:r>
-            <a:r>
-              <a:rPr lang="en-US" sz="7600" dirty="0" smtClean="0">
-                <a:solidFill>
-                  <a:srgbClr val="FF0000"/>
+              <a:rPr lang="en-US" sz="7600" dirty="0"/>
+              <a:t>                 </a:t>
+            </a:r>
+            <a:r>
+              <a:rPr lang="en-US" sz="7600" b="1" dirty="0" err="1"/>
+              <a:t>Exceed</a:t>
+            </a:r>
+            <a:r>
+              <a:rPr lang="en-US" sz="7600" b="1" dirty="0" err="1">
+                <a:solidFill>
+                  <a:srgbClr val="002060"/>
                 </a:solidFill>
               </a:rPr>
-              <a:t>throws</a:t>
-            </a:r>
-            <a:r>
-              <a:rPr lang="en-US" sz="7600" dirty="0" smtClean="0"/>
-              <a:t> </a:t>
-            </a:r>
-            <a:r>
-              <a:rPr lang="en-US" sz="7600" b="1" dirty="0" err="1" smtClean="0">
-                <a:solidFill>
-                  <a:srgbClr val="002060"/>
-                </a:solidFill>
-              </a:rPr>
-              <a:t>ExceedLimitException</a:t>
-            </a:r>
-            <a:r>
-              <a:rPr lang="en-US" sz="7600" dirty="0" smtClean="0">
-                <a:solidFill>
-                  <a:srgbClr val="002060"/>
-                </a:solidFill>
-              </a:rPr>
-              <a:t> </a:t>
-            </a:r>
-            <a:r>
-              <a:rPr lang="en-US" sz="7600" dirty="0" smtClean="0"/>
-              <a:t>{</a:t>
+              <a:t>LimitException</a:t>
+            </a:r>
+            <a:r>
+              <a:rPr lang="en-US" sz="7600" dirty="0"/>
+              <a:t>(needs);</a:t>
             </a:r>
           </a:p>
           <a:p>
@@ -12678,8 +12176,8 @@
               <a:defRPr/>
             </a:pPr>
             <a:r>
-              <a:rPr lang="en-US" sz="7600" dirty="0" smtClean="0"/>
-              <a:t>           if(amount &lt;= balance) {</a:t>
+              <a:rPr lang="en-US" sz="7600" dirty="0"/>
+              <a:t>           }</a:t>
             </a:r>
           </a:p>
           <a:p>
@@ -12689,8 +12187,8 @@
               <a:defRPr/>
             </a:pPr>
             <a:r>
-              <a:rPr lang="en-US" sz="7600" dirty="0" smtClean="0"/>
-              <a:t>               balance -= amount;</a:t>
+              <a:rPr lang="en-US" sz="7600" dirty="0"/>
+              <a:t>     }   // … other methods</a:t>
             </a:r>
           </a:p>
           <a:p>
@@ -12700,8 +12198,8 @@
               <a:defRPr/>
             </a:pPr>
             <a:r>
-              <a:rPr lang="en-US" sz="7600" dirty="0" smtClean="0"/>
-              <a:t>          } else {</a:t>
+              <a:rPr lang="en-US" sz="7600" dirty="0"/>
+              <a:t>}</a:t>
             </a:r>
           </a:p>
           <a:p>
@@ -12710,104 +12208,7 @@
               <a:buNone/>
               <a:defRPr/>
             </a:pPr>
-            <a:r>
-              <a:rPr lang="en-US" sz="7600" dirty="0" smtClean="0"/>
-              <a:t>              double needs = amount – </a:t>
-            </a:r>
-            <a:br>
-              <a:rPr lang="en-US" sz="7600" dirty="0" smtClean="0"/>
-            </a:br>
-            <a:r>
-              <a:rPr lang="en-US" sz="7600" dirty="0" smtClean="0"/>
-              <a:t>                                                  balance;</a:t>
-            </a:r>
-          </a:p>
-          <a:p>
-            <a:pPr>
-              <a:buFont typeface="Arial" panose="020B0604020202020204" pitchFamily="34" charset="0"/>
-              <a:buNone/>
-              <a:defRPr/>
-            </a:pPr>
-            <a:r>
-              <a:rPr lang="en-US" sz="7600" dirty="0" smtClean="0">
-                <a:solidFill>
-                  <a:srgbClr val="FF0000"/>
-                </a:solidFill>
-              </a:rPr>
-              <a:t>           throw new   </a:t>
-            </a:r>
-          </a:p>
-          <a:p>
-            <a:pPr>
-              <a:buFont typeface="Arial" panose="020B0604020202020204" pitchFamily="34" charset="0"/>
-              <a:buNone/>
-              <a:defRPr/>
-            </a:pPr>
-            <a:r>
-              <a:rPr lang="en-US" sz="7600" dirty="0"/>
-              <a:t> </a:t>
-            </a:r>
-            <a:r>
-              <a:rPr lang="en-US" sz="7600" dirty="0" smtClean="0"/>
-              <a:t>                </a:t>
-            </a:r>
-            <a:r>
-              <a:rPr lang="en-US" sz="7600" b="1" dirty="0" err="1" smtClean="0"/>
-              <a:t>Exceed</a:t>
-            </a:r>
-            <a:r>
-              <a:rPr lang="en-US" sz="7600" b="1" dirty="0" err="1" smtClean="0">
-                <a:solidFill>
-                  <a:srgbClr val="002060"/>
-                </a:solidFill>
-              </a:rPr>
-              <a:t>LimitException</a:t>
-            </a:r>
-            <a:r>
-              <a:rPr lang="en-US" sz="7600" dirty="0" smtClean="0"/>
-              <a:t>(needs);</a:t>
-            </a:r>
-          </a:p>
-          <a:p>
-            <a:pPr>
-              <a:buFont typeface="Arial" panose="020B0604020202020204" pitchFamily="34" charset="0"/>
-              <a:buNone/>
-              <a:defRPr/>
-            </a:pPr>
-            <a:r>
-              <a:rPr lang="en-US" sz="7600" dirty="0" smtClean="0"/>
-              <a:t>           }</a:t>
-            </a:r>
-          </a:p>
-          <a:p>
-            <a:pPr>
-              <a:buFont typeface="Arial" panose="020B0604020202020204" pitchFamily="34" charset="0"/>
-              <a:buNone/>
-              <a:defRPr/>
-            </a:pPr>
-            <a:r>
-              <a:rPr lang="en-US" sz="7600" dirty="0" smtClean="0"/>
-              <a:t>     }   // … other methods</a:t>
-            </a:r>
-          </a:p>
-          <a:p>
-            <a:pPr>
-              <a:buFont typeface="Arial" panose="020B0604020202020204" pitchFamily="34" charset="0"/>
-              <a:buNone/>
-              <a:defRPr/>
-            </a:pPr>
-            <a:r>
-              <a:rPr lang="en-US" sz="7600" dirty="0" smtClean="0"/>
-              <a:t>}</a:t>
-            </a:r>
-          </a:p>
-          <a:p>
-            <a:pPr>
-              <a:buFont typeface="Arial" panose="020B0604020202020204" pitchFamily="34" charset="0"/>
-              <a:buNone/>
-              <a:defRPr/>
-            </a:pPr>
-            <a:endParaRPr lang="en-US" dirty="0" smtClean="0"/>
+            <a:endParaRPr lang="en-US" dirty="0"/>
           </a:p>
           <a:p>
             <a:pPr>
@@ -12875,13 +12276,6 @@
   <p:clrMapOvr>
     <a:masterClrMapping/>
   </p:clrMapOvr>
-  <p:timing>
-    <p:tnLst>
-      <p:par>
-        <p:cTn id="1" dur="indefinite" restart="never" nodeType="tmRoot"/>
-      </p:par>
-    </p:tnLst>
-  </p:timing>
 </p:sld>
 </file>
 
@@ -13074,7 +12468,7 @@
           <a:p>
             <a:pPr eaLnBrk="1" hangingPunct="1"/>
             <a:r>
-              <a:rPr lang="en-US" altLang="en-US" sz="3600" dirty="0" smtClean="0"/>
+              <a:rPr lang="en-US" altLang="en-US" sz="3600" dirty="0"/>
               <a:t>Question</a:t>
             </a:r>
           </a:p>
@@ -13105,27 +12499,27 @@
               <a:buNone/>
             </a:pPr>
             <a:r>
-              <a:rPr lang="en-US" altLang="en-US" sz="2800" dirty="0" smtClean="0"/>
+              <a:rPr lang="en-US" altLang="en-US" sz="2800" dirty="0"/>
               <a:t>	</a:t>
             </a:r>
             <a:r>
-              <a:rPr lang="en-US" altLang="en-US" sz="2400" dirty="0" smtClean="0"/>
+              <a:rPr lang="en-US" altLang="en-US" sz="2400" dirty="0"/>
               <a:t>What is output by the method </a:t>
             </a:r>
             <a:r>
-              <a:rPr lang="en-US" altLang="en-US" sz="2400" dirty="0" err="1" smtClean="0">
+              <a:rPr lang="en-US" altLang="en-US" sz="2400" dirty="0" err="1">
                 <a:latin typeface="Courier New" pitchFamily="49" charset="0"/>
               </a:rPr>
               <a:t>guessOutput</a:t>
             </a:r>
             <a:r>
-              <a:rPr lang="en-US" altLang="en-US" sz="2400" dirty="0" smtClean="0">
+              <a:rPr lang="en-US" altLang="en-US" sz="2400" dirty="0">
                 <a:latin typeface="Courier New" pitchFamily="49" charset="0"/>
               </a:rPr>
               <a:t> </a:t>
             </a:r>
             <a:r>
-              <a:rPr lang="en-US" altLang="en-US" sz="2400" dirty="0" smtClean="0"/>
+              <a:rPr lang="en-US" altLang="en-US" sz="2400" dirty="0"/>
               <a:t>if it is called with the following code?</a:t>
             </a:r>
           </a:p>
@@ -13141,60 +12535,60 @@
               <a:buNone/>
             </a:pPr>
             <a:r>
-              <a:rPr lang="en-US" altLang="en-US" sz="1800" dirty="0" smtClean="0">
+              <a:rPr lang="en-US" altLang="en-US" sz="1800" dirty="0">
                 <a:latin typeface="Courier New" pitchFamily="49" charset="0"/>
               </a:rPr>
               <a:t>	</a:t>
             </a:r>
             <a:r>
-              <a:rPr lang="en-US" altLang="en-US" sz="1800" dirty="0" err="1" smtClean="0">
+              <a:rPr lang="en-US" altLang="en-US" sz="1800" dirty="0" err="1">
                 <a:latin typeface="Courier New" pitchFamily="49" charset="0"/>
               </a:rPr>
               <a:t>int</a:t>
             </a:r>
             <a:r>
-              <a:rPr lang="en-US" altLang="en-US" sz="1800" dirty="0" smtClean="0">
+              <a:rPr lang="en-US" altLang="en-US" sz="1800" dirty="0">
                 <a:latin typeface="Courier New" pitchFamily="49" charset="0"/>
               </a:rPr>
               <a:t>[] </a:t>
             </a:r>
             <a:r>
-              <a:rPr lang="en-US" altLang="en-US" sz="1800" dirty="0" err="1" smtClean="0">
+              <a:rPr lang="en-US" altLang="en-US" sz="1800" dirty="0" err="1">
                 <a:latin typeface="Courier New" pitchFamily="49" charset="0"/>
               </a:rPr>
               <a:t>nums</a:t>
             </a:r>
             <a:r>
-              <a:rPr lang="en-US" altLang="en-US" sz="1800" dirty="0" smtClean="0">
+              <a:rPr lang="en-US" altLang="en-US" sz="1800" dirty="0">
                 <a:latin typeface="Courier New" pitchFamily="49" charset="0"/>
               </a:rPr>
               <a:t> = {3, 2, 6, 1};</a:t>
             </a:r>
             <a:br>
-              <a:rPr lang="en-US" altLang="en-US" sz="1800" dirty="0" smtClean="0">
+              <a:rPr lang="en-US" altLang="en-US" sz="1800" dirty="0">
                 <a:latin typeface="Courier New" pitchFamily="49" charset="0"/>
               </a:rPr>
             </a:br>
             <a:r>
-              <a:rPr lang="en-US" altLang="en-US" sz="1800" dirty="0" err="1" smtClean="0">
+              <a:rPr lang="en-US" altLang="en-US" sz="1800" dirty="0" err="1">
                 <a:latin typeface="Courier New" pitchFamily="49" charset="0"/>
               </a:rPr>
               <a:t>guessOutput</a:t>
             </a:r>
             <a:r>
-              <a:rPr lang="en-US" altLang="en-US" sz="1800" dirty="0" smtClean="0">
+              <a:rPr lang="en-US" altLang="en-US" sz="1800" dirty="0">
                 <a:latin typeface="Courier New" pitchFamily="49" charset="0"/>
               </a:rPr>
               <a:t>( </a:t>
             </a:r>
             <a:r>
-              <a:rPr lang="en-US" altLang="en-US" sz="1800" dirty="0" err="1" smtClean="0">
+              <a:rPr lang="en-US" altLang="en-US" sz="1800" dirty="0" err="1">
                 <a:latin typeface="Courier New" pitchFamily="49" charset="0"/>
               </a:rPr>
               <a:t>nums</a:t>
             </a:r>
             <a:r>
-              <a:rPr lang="en-US" altLang="en-US" sz="1800" dirty="0" smtClean="0">
+              <a:rPr lang="en-US" altLang="en-US" sz="1800" dirty="0">
                 <a:latin typeface="Courier New" pitchFamily="49" charset="0"/>
               </a:rPr>
               <a:t> );</a:t>
@@ -13211,7 +12605,7 @@
               <a:buFont typeface="Marlett" pitchFamily="2" charset="2"/>
               <a:buNone/>
             </a:pPr>
-            <a:endParaRPr lang="en-US" altLang="en-US" sz="1800" dirty="0" smtClean="0">
+            <a:endParaRPr lang="en-US" altLang="en-US" sz="1800" dirty="0">
               <a:latin typeface="Courier New" pitchFamily="49" charset="0"/>
             </a:endParaRPr>
           </a:p>
@@ -13227,232 +12621,10 @@
               <a:buNone/>
             </a:pPr>
             <a:r>
-              <a:rPr lang="en-US" altLang="en-US" sz="1800" dirty="0" smtClean="0">
+              <a:rPr lang="en-US" altLang="en-US" sz="1800" dirty="0">
                 <a:latin typeface="Courier New" pitchFamily="49" charset="0"/>
               </a:rPr>
-              <a:t>  public static void </a:t>
-            </a:r>
-            <a:r>
-              <a:rPr lang="en-US" altLang="en-US" sz="1800" dirty="0" err="1" smtClean="0">
-                <a:latin typeface="Courier New" pitchFamily="49" charset="0"/>
-              </a:rPr>
-              <a:t>guessOutput</a:t>
-            </a:r>
-            <a:r>
-              <a:rPr lang="en-US" altLang="en-US" sz="1800" dirty="0" smtClean="0">
-                <a:latin typeface="Courier New" pitchFamily="49" charset="0"/>
-              </a:rPr>
-              <a:t>(</a:t>
-            </a:r>
-            <a:r>
-              <a:rPr lang="en-US" altLang="en-US" sz="1800" dirty="0" err="1" smtClean="0">
-                <a:latin typeface="Courier New" pitchFamily="49" charset="0"/>
-              </a:rPr>
-              <a:t>int</a:t>
-            </a:r>
-            <a:r>
-              <a:rPr lang="en-US" altLang="en-US" sz="1800" dirty="0" smtClean="0">
-                <a:latin typeface="Courier New" pitchFamily="49" charset="0"/>
-              </a:rPr>
-              <a:t>[] </a:t>
-            </a:r>
-            <a:r>
-              <a:rPr lang="en-US" altLang="en-US" sz="1800" dirty="0" err="1" smtClean="0">
-                <a:latin typeface="Courier New" pitchFamily="49" charset="0"/>
-              </a:rPr>
-              <a:t>vals</a:t>
-            </a:r>
-            <a:r>
-              <a:rPr lang="en-US" altLang="en-US" sz="1800" dirty="0" smtClean="0">
-                <a:latin typeface="Courier New" pitchFamily="49" charset="0"/>
-              </a:rPr>
-              <a:t>){</a:t>
-            </a:r>
-            <a:br>
-              <a:rPr lang="en-US" altLang="en-US" sz="1800" dirty="0" smtClean="0">
-                <a:latin typeface="Courier New" pitchFamily="49" charset="0"/>
-              </a:rPr>
-            </a:br>
-            <a:r>
-              <a:rPr lang="en-US" altLang="en-US" sz="1800" dirty="0" smtClean="0">
-                <a:latin typeface="Courier New" pitchFamily="49" charset="0"/>
-              </a:rPr>
-              <a:t>    </a:t>
-            </a:r>
-            <a:r>
-              <a:rPr lang="en-US" altLang="en-US" sz="1800" dirty="0" err="1" smtClean="0">
-                <a:latin typeface="Courier New" pitchFamily="49" charset="0"/>
-              </a:rPr>
-              <a:t>int</a:t>
-            </a:r>
-            <a:r>
-              <a:rPr lang="en-US" altLang="en-US" sz="1800" dirty="0" smtClean="0">
-                <a:latin typeface="Courier New" pitchFamily="49" charset="0"/>
-              </a:rPr>
-              <a:t> total = 0;</a:t>
-            </a:r>
-            <a:br>
-              <a:rPr lang="en-US" altLang="en-US" sz="1800" dirty="0" smtClean="0">
-                <a:latin typeface="Courier New" pitchFamily="49" charset="0"/>
-              </a:rPr>
-            </a:br>
-            <a:r>
-              <a:rPr lang="en-US" altLang="en-US" sz="1800" dirty="0" smtClean="0">
-                <a:latin typeface="Courier New" pitchFamily="49" charset="0"/>
-              </a:rPr>
-              <a:t>    try{</a:t>
-            </a:r>
-            <a:br>
-              <a:rPr lang="en-US" altLang="en-US" sz="1800" dirty="0" smtClean="0">
-                <a:latin typeface="Courier New" pitchFamily="49" charset="0"/>
-              </a:rPr>
-            </a:br>
-            <a:r>
-              <a:rPr lang="en-US" altLang="en-US" sz="1800" dirty="0" smtClean="0">
-                <a:latin typeface="Courier New" pitchFamily="49" charset="0"/>
-              </a:rPr>
-              <a:t>        for(</a:t>
-            </a:r>
-            <a:r>
-              <a:rPr lang="en-US" altLang="en-US" sz="1800" dirty="0" err="1" smtClean="0">
-                <a:latin typeface="Courier New" pitchFamily="49" charset="0"/>
-              </a:rPr>
-              <a:t>int</a:t>
-            </a:r>
-            <a:r>
-              <a:rPr lang="en-US" altLang="en-US" sz="1800" dirty="0" smtClean="0">
-                <a:latin typeface="Courier New" pitchFamily="49" charset="0"/>
-              </a:rPr>
-              <a:t> </a:t>
-            </a:r>
-            <a:r>
-              <a:rPr lang="en-US" altLang="en-US" sz="1800" dirty="0" err="1" smtClean="0">
-                <a:latin typeface="Courier New" pitchFamily="49" charset="0"/>
-              </a:rPr>
-              <a:t>i</a:t>
-            </a:r>
-            <a:r>
-              <a:rPr lang="en-US" altLang="en-US" sz="1800" dirty="0" smtClean="0">
-                <a:latin typeface="Courier New" pitchFamily="49" charset="0"/>
-              </a:rPr>
-              <a:t> = 0; </a:t>
-            </a:r>
-            <a:r>
-              <a:rPr lang="en-US" altLang="en-US" sz="1800" dirty="0" err="1" smtClean="0">
-                <a:latin typeface="Courier New" pitchFamily="49" charset="0"/>
-              </a:rPr>
-              <a:t>i</a:t>
-            </a:r>
-            <a:r>
-              <a:rPr lang="en-US" altLang="en-US" sz="1800" dirty="0" smtClean="0">
-                <a:latin typeface="Courier New" pitchFamily="49" charset="0"/>
-              </a:rPr>
-              <a:t> &lt; </a:t>
-            </a:r>
-            <a:r>
-              <a:rPr lang="en-US" altLang="en-US" sz="1800" dirty="0" err="1" smtClean="0">
-                <a:latin typeface="Courier New" pitchFamily="49" charset="0"/>
-              </a:rPr>
-              <a:t>vals.length</a:t>
-            </a:r>
-            <a:r>
-              <a:rPr lang="en-US" altLang="en-US" sz="1800" dirty="0" smtClean="0">
-                <a:latin typeface="Courier New" pitchFamily="49" charset="0"/>
-              </a:rPr>
-              <a:t>; </a:t>
-            </a:r>
-            <a:r>
-              <a:rPr lang="en-US" altLang="en-US" sz="1800" dirty="0" err="1" smtClean="0">
-                <a:latin typeface="Courier New" pitchFamily="49" charset="0"/>
-              </a:rPr>
-              <a:t>i</a:t>
-            </a:r>
-            <a:r>
-              <a:rPr lang="en-US" altLang="en-US" sz="1800" dirty="0" smtClean="0">
-                <a:latin typeface="Courier New" pitchFamily="49" charset="0"/>
-              </a:rPr>
-              <a:t>++){</a:t>
-            </a:r>
-            <a:br>
-              <a:rPr lang="en-US" altLang="en-US" sz="1800" dirty="0" smtClean="0">
-                <a:latin typeface="Courier New" pitchFamily="49" charset="0"/>
-              </a:rPr>
-            </a:br>
-            <a:r>
-              <a:rPr lang="en-US" altLang="en-US" sz="1800" dirty="0" smtClean="0">
-                <a:latin typeface="Courier New" pitchFamily="49" charset="0"/>
-              </a:rPr>
-              <a:t>            </a:t>
-            </a:r>
-            <a:r>
-              <a:rPr lang="en-US" altLang="en-US" sz="1800" dirty="0" err="1" smtClean="0">
-                <a:latin typeface="Courier New" pitchFamily="49" charset="0"/>
-              </a:rPr>
-              <a:t>int</a:t>
-            </a:r>
-            <a:r>
-              <a:rPr lang="en-US" altLang="en-US" sz="1800" dirty="0" smtClean="0">
-                <a:latin typeface="Courier New" pitchFamily="49" charset="0"/>
-              </a:rPr>
-              <a:t> index = </a:t>
-            </a:r>
-            <a:r>
-              <a:rPr lang="en-US" altLang="en-US" sz="1800" dirty="0" err="1" smtClean="0">
-                <a:latin typeface="Courier New" pitchFamily="49" charset="0"/>
-              </a:rPr>
-              <a:t>vals</a:t>
-            </a:r>
-            <a:r>
-              <a:rPr lang="en-US" altLang="en-US" sz="1800" dirty="0" smtClean="0">
-                <a:latin typeface="Courier New" pitchFamily="49" charset="0"/>
-              </a:rPr>
-              <a:t>[</a:t>
-            </a:r>
-            <a:r>
-              <a:rPr lang="en-US" altLang="en-US" sz="1800" dirty="0" err="1" smtClean="0">
-                <a:latin typeface="Courier New" pitchFamily="49" charset="0"/>
-              </a:rPr>
-              <a:t>i</a:t>
-            </a:r>
-            <a:r>
-              <a:rPr lang="en-US" altLang="en-US" sz="1800" dirty="0" smtClean="0">
-                <a:latin typeface="Courier New" pitchFamily="49" charset="0"/>
-              </a:rPr>
-              <a:t>];</a:t>
-            </a:r>
-            <a:br>
-              <a:rPr lang="en-US" altLang="en-US" sz="1800" dirty="0" smtClean="0">
-                <a:latin typeface="Courier New" pitchFamily="49" charset="0"/>
-              </a:rPr>
-            </a:br>
-            <a:r>
-              <a:rPr lang="en-US" altLang="en-US" sz="1800" dirty="0" smtClean="0">
-                <a:latin typeface="Courier New" pitchFamily="49" charset="0"/>
-              </a:rPr>
-              <a:t>            total += </a:t>
-            </a:r>
-            <a:r>
-              <a:rPr lang="en-US" altLang="en-US" sz="1800" dirty="0" err="1" smtClean="0">
-                <a:latin typeface="Courier New" pitchFamily="49" charset="0"/>
-              </a:rPr>
-              <a:t>vals</a:t>
-            </a:r>
-            <a:r>
-              <a:rPr lang="en-US" altLang="en-US" sz="1800" dirty="0" smtClean="0">
-                <a:latin typeface="Courier New" pitchFamily="49" charset="0"/>
-              </a:rPr>
-              <a:t>[index];</a:t>
-            </a:r>
-            <a:br>
-              <a:rPr lang="en-US" altLang="en-US" sz="1800" dirty="0" smtClean="0">
-                <a:latin typeface="Courier New" pitchFamily="49" charset="0"/>
-              </a:rPr>
-            </a:br>
-            <a:r>
-              <a:rPr lang="en-US" altLang="en-US" sz="1800" dirty="0" smtClean="0">
-                <a:latin typeface="Courier New" pitchFamily="49" charset="0"/>
-              </a:rPr>
-              <a:t>        }</a:t>
+              <a:t>n</a:t>
             </a:r>
           </a:p>
           <a:p>
@@ -13467,142 +12639,57 @@
               <a:buNone/>
             </a:pPr>
             <a:r>
-              <a:rPr lang="en-US" altLang="en-US" sz="1800" dirty="0" smtClean="0">
-                <a:latin typeface="Courier New" pitchFamily="49" charset="0"/>
-              </a:rPr>
-              <a:t>      }</a:t>
-            </a:r>
-            <a:br>
-              <a:rPr lang="en-US" altLang="en-US" sz="1800" dirty="0" smtClean="0">
-                <a:latin typeface="Courier New" pitchFamily="49" charset="0"/>
-              </a:rPr>
-            </a:br>
-            <a:r>
-              <a:rPr lang="en-US" altLang="en-US" sz="1800" dirty="0" smtClean="0">
-                <a:latin typeface="Courier New" pitchFamily="49" charset="0"/>
-              </a:rPr>
-              <a:t>    catch(Exception e){</a:t>
-            </a:r>
-            <a:br>
-              <a:rPr lang="en-US" altLang="en-US" sz="1800" dirty="0" smtClean="0">
-                <a:latin typeface="Courier New" pitchFamily="49" charset="0"/>
-              </a:rPr>
-            </a:br>
-            <a:r>
-              <a:rPr lang="en-US" altLang="en-US" sz="1800" dirty="0" smtClean="0">
-                <a:latin typeface="Courier New" pitchFamily="49" charset="0"/>
-              </a:rPr>
-              <a:t>        total = -1;</a:t>
-            </a:r>
-            <a:br>
-              <a:rPr lang="en-US" altLang="en-US" sz="1800" dirty="0" smtClean="0">
-                <a:latin typeface="Courier New" pitchFamily="49" charset="0"/>
-              </a:rPr>
-            </a:br>
-            <a:r>
-              <a:rPr lang="en-US" altLang="en-US" sz="1800" dirty="0" smtClean="0">
-                <a:latin typeface="Courier New" pitchFamily="49" charset="0"/>
-              </a:rPr>
-              <a:t>    }</a:t>
-            </a:r>
-            <a:br>
-              <a:rPr lang="en-US" altLang="en-US" sz="1800" dirty="0" smtClean="0">
-                <a:latin typeface="Courier New" pitchFamily="49" charset="0"/>
-              </a:rPr>
-            </a:br>
-            <a:r>
-              <a:rPr lang="en-US" altLang="en-US" sz="1800" dirty="0" smtClean="0">
-                <a:latin typeface="Courier New" pitchFamily="49" charset="0"/>
-              </a:rPr>
-              <a:t>    </a:t>
-            </a:r>
-            <a:r>
-              <a:rPr lang="en-US" altLang="en-US" sz="1800" dirty="0" err="1" smtClean="0">
-                <a:latin typeface="Courier New" pitchFamily="49" charset="0"/>
-              </a:rPr>
-              <a:t>System.out.println</a:t>
-            </a:r>
-            <a:r>
-              <a:rPr lang="en-US" altLang="en-US" sz="1800" dirty="0" smtClean="0">
-                <a:latin typeface="Courier New" pitchFamily="49" charset="0"/>
-              </a:rPr>
-              <a:t>(total);</a:t>
-            </a:r>
-            <a:br>
-              <a:rPr lang="en-US" altLang="en-US" sz="1800" dirty="0" smtClean="0">
-                <a:latin typeface="Courier New" pitchFamily="49" charset="0"/>
-              </a:rPr>
-            </a:br>
-            <a:r>
-              <a:rPr lang="en-US" altLang="en-US" sz="1800" dirty="0" smtClean="0">
-                <a:latin typeface="Courier New" pitchFamily="49" charset="0"/>
-              </a:rPr>
-              <a:t>}</a:t>
-            </a:r>
-          </a:p>
-          <a:p>
-            <a:pPr eaLnBrk="1" hangingPunct="1">
-              <a:lnSpc>
-                <a:spcPct val="90000"/>
-              </a:lnSpc>
-              <a:spcBef>
-                <a:spcPct val="0"/>
-              </a:spcBef>
-              <a:buFont typeface="Marlett" pitchFamily="2" charset="2"/>
-              <a:buNone/>
-            </a:pPr>
-            <a:r>
-              <a:rPr lang="en-US" altLang="en-US" sz="2800" dirty="0" smtClean="0"/>
+              <a:rPr lang="en-US" altLang="en-US" sz="2800" dirty="0"/>
               <a:t>A. </a:t>
             </a:r>
             <a:r>
-              <a:rPr lang="en-US" altLang="en-US" sz="2800" dirty="0" smtClean="0">
+              <a:rPr lang="en-US" altLang="en-US" sz="2800" dirty="0">
                 <a:latin typeface="Courier New" pitchFamily="49" charset="0"/>
               </a:rPr>
               <a:t>1</a:t>
             </a:r>
             <a:r>
-              <a:rPr lang="en-US" altLang="en-US" sz="2800" dirty="0" smtClean="0"/>
+              <a:rPr lang="en-US" altLang="en-US" sz="2800" dirty="0"/>
               <a:t>		B. </a:t>
             </a:r>
             <a:r>
-              <a:rPr lang="en-US" altLang="en-US" sz="2800" dirty="0" smtClean="0">
+              <a:rPr lang="en-US" altLang="en-US" sz="2800" dirty="0">
                 <a:latin typeface="Courier New" pitchFamily="49" charset="0"/>
               </a:rPr>
               <a:t>0</a:t>
             </a:r>
             <a:r>
-              <a:rPr lang="en-US" altLang="en-US" sz="2800" dirty="0" smtClean="0"/>
+              <a:rPr lang="en-US" altLang="en-US" sz="2800" dirty="0"/>
               <a:t>		C. </a:t>
             </a:r>
             <a:r>
-              <a:rPr lang="en-US" altLang="en-US" sz="2800" dirty="0" smtClean="0">
+              <a:rPr lang="en-US" altLang="en-US" sz="2800" dirty="0">
                 <a:latin typeface="Courier New" pitchFamily="49" charset="0"/>
               </a:rPr>
               <a:t>3</a:t>
             </a:r>
             <a:r>
-              <a:rPr lang="en-US" altLang="en-US" sz="2800" dirty="0" smtClean="0"/>
+              <a:rPr lang="en-US" altLang="en-US" sz="2800" dirty="0"/>
               <a:t>		D. </a:t>
             </a:r>
             <a:r>
-              <a:rPr lang="en-US" altLang="en-US" sz="2800" dirty="0" smtClean="0">
+              <a:rPr lang="en-US" altLang="en-US" sz="2800" dirty="0">
                 <a:latin typeface="Courier New" pitchFamily="49" charset="0"/>
               </a:rPr>
               <a:t>-1</a:t>
             </a:r>
             <a:r>
-              <a:rPr lang="en-US" altLang="en-US" sz="2800" dirty="0" smtClean="0"/>
+              <a:rPr lang="en-US" altLang="en-US" sz="2800" dirty="0"/>
               <a:t>		E. </a:t>
             </a:r>
             <a:r>
-              <a:rPr lang="en-US" altLang="en-US" sz="2800" dirty="0" smtClean="0">
+              <a:rPr lang="en-US" altLang="en-US" sz="2800" dirty="0">
                 <a:latin typeface="Courier New" pitchFamily="49" charset="0"/>
               </a:rPr>
               <a:t>5</a:t>
             </a:r>
             <a:r>
-              <a:rPr lang="en-US" altLang="en-US" sz="1800" dirty="0" smtClean="0">
+              <a:rPr lang="en-US" altLang="en-US" sz="1800" dirty="0">
                 <a:latin typeface="Courier New" pitchFamily="49" charset="0"/>
               </a:rPr>
               <a:t>     </a:t>
@@ -13620,13 +12707,6 @@
   <p:clrMapOvr>
     <a:masterClrMapping/>
   </p:clrMapOvr>
-  <p:timing>
-    <p:tnLst>
-      <p:par>
-        <p:cTn id="1" dur="indefinite" restart="never" nodeType="tmRoot"/>
-      </p:par>
-    </p:tnLst>
-  </p:timing>
 </p:sld>
 </file>
 
@@ -13670,14 +12750,9 @@
           <a:lstStyle/>
           <a:p>
             <a:r>
-              <a:rPr lang="en-US" sz="3600" dirty="0" smtClean="0"/>
-              <a:t>E</a:t>
-            </a:r>
-            <a:r>
-              <a:rPr lang="en-US" sz="3600" dirty="0" smtClean="0"/>
-              <a:t>xceptions across multiple levels </a:t>
-            </a:r>
-            <a:endParaRPr lang="en-US" sz="3600" dirty="0"/>
+              <a:rPr lang="en-US" sz="3600" dirty="0"/>
+              <a:t>Exceptions across multiple levels </a:t>
+            </a:r>
           </a:p>
         </p:txBody>
       </p:sp>
@@ -13747,13 +12822,6 @@
   <p:clrMapOvr>
     <a:masterClrMapping/>
   </p:clrMapOvr>
-  <p:timing>
-    <p:tnLst>
-      <p:par>
-        <p:cTn id="1" dur="indefinite" restart="never" nodeType="tmRoot"/>
-      </p:par>
-    </p:tnLst>
-  </p:timing>
 </p:sld>
 </file>
 
@@ -13797,26 +12865,17 @@
           <a:lstStyle/>
           <a:p>
             <a:r>
-              <a:rPr lang="en-US" sz="3600" dirty="0" smtClean="0"/>
+              <a:rPr lang="en-US" sz="3600" dirty="0"/>
               <a:t>Example – </a:t>
             </a:r>
             <a:r>
-              <a:rPr lang="en-US" sz="3600" dirty="0" err="1" smtClean="0"/>
-              <a:t>Try</a:t>
-            </a:r>
-            <a:r>
-              <a:rPr lang="en-US" sz="3600" dirty="0" err="1" smtClean="0"/>
-              <a:t>E</a:t>
-            </a:r>
-            <a:r>
-              <a:rPr lang="en-US" sz="3600" dirty="0" err="1" smtClean="0"/>
-              <a:t>xceptions</a:t>
-            </a:r>
-            <a:r>
-              <a:rPr lang="en-US" sz="3600" dirty="0" smtClean="0"/>
+              <a:rPr lang="en-US" sz="3600" dirty="0" err="1"/>
+              <a:t>TryExceptions</a:t>
+            </a:r>
+            <a:r>
+              <a:rPr lang="en-US" sz="3600" dirty="0"/>
               <a:t>: </a:t>
             </a:r>
-            <a:endParaRPr lang="en-US" sz="3600" dirty="0"/>
           </a:p>
         </p:txBody>
       </p:sp>
@@ -13846,15 +12905,11 @@
               <a:buNone/>
             </a:pPr>
             <a:r>
-              <a:rPr lang="en-US" sz="2400" dirty="0" smtClean="0"/>
-              <a:t>Write a </a:t>
-            </a:r>
-            <a:r>
-              <a:rPr lang="en-US" sz="2400" dirty="0" smtClean="0"/>
-              <a:t>method </a:t>
-            </a:r>
-            <a:r>
-              <a:rPr lang="en-US" sz="2400" dirty="0" err="1" smtClean="0">
+              <a:rPr lang="en-US" sz="2400" dirty="0"/>
+              <a:t>Write a method </a:t>
+            </a:r>
+            <a:r>
+              <a:rPr lang="en-US" sz="2400" dirty="0" err="1">
                 <a:solidFill>
                   <a:srgbClr val="FF0000"/>
                 </a:solidFill>
@@ -13862,7 +12917,7 @@
               <a:t>tryexception</a:t>
             </a:r>
             <a:r>
-              <a:rPr lang="en-US" sz="2400" dirty="0" smtClean="0">
+              <a:rPr lang="en-US" sz="2400" dirty="0">
                 <a:solidFill>
                   <a:srgbClr val="FF0000"/>
                 </a:solidFill>
@@ -13870,24 +12925,8 @@
               <a:t> </a:t>
             </a:r>
             <a:r>
-              <a:rPr lang="en-US" sz="2400" dirty="0" smtClean="0"/>
-              <a:t>that calls a method </a:t>
-            </a:r>
-            <a:r>
-              <a:rPr lang="en-US" sz="2400" dirty="0" smtClean="0"/>
-              <a:t>to </a:t>
-            </a:r>
-            <a:r>
-              <a:rPr lang="en-US" sz="2400" dirty="0" smtClean="0"/>
-              <a:t>take the reciprocal of the square root of an integer and returns a double. </a:t>
-            </a:r>
-            <a:r>
-              <a:rPr lang="en-US" sz="2400" dirty="0" smtClean="0"/>
-              <a:t>Prompt the user to enter </a:t>
-            </a:r>
-            <a:r>
-              <a:rPr lang="en-US" sz="2400" dirty="0" smtClean="0"/>
-              <a:t>an integer value. </a:t>
+              <a:rPr lang="en-US" sz="2400" dirty="0"/>
+              <a:t>that calls a method to take the reciprocal of the square root of an integer and returns a double. Prompt the user to enter an integer value. </a:t>
             </a:r>
             <a:r>
               <a:rPr lang="en-US" sz="2400" dirty="0" err="1">
@@ -13895,18 +12934,10 @@
                   <a:srgbClr val="FF0000"/>
                 </a:solidFill>
               </a:rPr>
-              <a:t>t</a:t>
-            </a:r>
-            <a:r>
-              <a:rPr lang="en-US" sz="2400" dirty="0" err="1" smtClean="0">
-                <a:solidFill>
-                  <a:srgbClr val="FF0000"/>
-                </a:solidFill>
-              </a:rPr>
-              <a:t>ryexception</a:t>
-            </a:r>
-            <a:r>
-              <a:rPr lang="en-US" sz="2400" dirty="0" smtClean="0">
+              <a:t>tryexception</a:t>
+            </a:r>
+            <a:r>
+              <a:rPr lang="en-US" sz="2400" dirty="0">
                 <a:solidFill>
                   <a:srgbClr val="FF0000"/>
                 </a:solidFill>
@@ -13914,27 +12945,19 @@
               <a:t> </a:t>
             </a:r>
             <a:r>
-              <a:rPr lang="en-US" sz="2400" dirty="0" smtClean="0"/>
+              <a:rPr lang="en-US" sz="2400" dirty="0"/>
               <a:t>should throw an </a:t>
             </a:r>
             <a:r>
-              <a:rPr lang="en-US" sz="2400" dirty="0" err="1" smtClean="0">
+              <a:rPr lang="en-US" sz="2400" dirty="0" err="1">
                 <a:solidFill>
                   <a:srgbClr val="FF0000"/>
                 </a:solidFill>
               </a:rPr>
-              <a:t>InputMismatch</a:t>
-            </a:r>
-            <a:r>
-              <a:rPr lang="en-US" sz="2400" dirty="0" err="1" smtClean="0">
-                <a:solidFill>
-                  <a:srgbClr val="FF0000"/>
-                </a:solidFill>
-              </a:rPr>
-              <a:t>Exception</a:t>
-            </a:r>
-            <a:r>
-              <a:rPr lang="en-US" sz="2400" dirty="0" smtClean="0">
+              <a:t>InputMismatchException</a:t>
+            </a:r>
+            <a:r>
+              <a:rPr lang="en-US" sz="2400" dirty="0">
                 <a:solidFill>
                   <a:srgbClr val="FF0000"/>
                 </a:solidFill>
@@ -13942,11 +12965,11 @@
               <a:t> </a:t>
             </a:r>
             <a:r>
-              <a:rPr lang="en-US" sz="2400" dirty="0" smtClean="0"/>
+              <a:rPr lang="en-US" sz="2400" dirty="0"/>
               <a:t>if the input is not an integer. Also catch </a:t>
             </a:r>
             <a:r>
-              <a:rPr lang="en-US" sz="2400" dirty="0" err="1" smtClean="0">
+              <a:rPr lang="en-US" sz="2400" dirty="0" err="1">
                 <a:solidFill>
                   <a:srgbClr val="FF0000"/>
                 </a:solidFill>
@@ -13954,7 +12977,7 @@
               <a:t>ArithmeticException</a:t>
             </a:r>
             <a:r>
-              <a:rPr lang="en-US" sz="2400" dirty="0" smtClean="0">
+              <a:rPr lang="en-US" sz="2400" dirty="0">
                 <a:solidFill>
                   <a:srgbClr val="FF0000"/>
                 </a:solidFill>
@@ -13962,28 +12985,15 @@
               <a:t> </a:t>
             </a:r>
             <a:r>
-              <a:rPr lang="en-US" sz="2400" dirty="0" smtClean="0"/>
-              <a:t>within the method if the number </a:t>
-            </a:r>
-            <a:r>
-              <a:rPr lang="en-US" sz="2400" dirty="0" smtClean="0"/>
-              <a:t>is </a:t>
-            </a:r>
-            <a:r>
-              <a:rPr lang="en-US" sz="2400" dirty="0" smtClean="0"/>
-              <a:t>zero, or </a:t>
-            </a:r>
-            <a:r>
-              <a:rPr lang="en-US" sz="2400" dirty="0" smtClean="0"/>
-              <a:t>if the number is negative. Print appropriate messages. </a:t>
-            </a:r>
+              <a:rPr lang="en-US" sz="2400" dirty="0"/>
+              <a:t>within the method if the number is zero, or if the number is negative. Print appropriate messages. </a:t>
+            </a:r>
+          </a:p>
+          <a:p>
+            <a:pPr marL="0" indent="0">
+              <a:buNone/>
+            </a:pPr>
             <a:endParaRPr lang="en-US" sz="2400" dirty="0"/>
-          </a:p>
-          <a:p>
-            <a:pPr marL="0" indent="0">
-              <a:buNone/>
-            </a:pPr>
-            <a:endParaRPr lang="en-US" sz="2400" dirty="0" smtClean="0"/>
           </a:p>
         </p:txBody>
       </p:sp>
@@ -13997,13 +13007,6 @@
   <p:clrMapOvr>
     <a:masterClrMapping/>
   </p:clrMapOvr>
-  <p:timing>
-    <p:tnLst>
-      <p:par>
-        <p:cTn id="1" dur="indefinite" restart="never" nodeType="tmRoot"/>
-      </p:par>
-    </p:tnLst>
-  </p:timing>
 </p:sld>
 </file>
 
@@ -14047,10 +13050,9 @@
           <a:lstStyle/>
           <a:p>
             <a:r>
-              <a:rPr lang="en-US" sz="3600" dirty="0" smtClean="0"/>
+              <a:rPr lang="en-US" sz="3600" dirty="0"/>
               <a:t>Cohort Exercise 1: </a:t>
             </a:r>
-            <a:endParaRPr lang="en-US" sz="3600" dirty="0"/>
           </a:p>
         </p:txBody>
       </p:sp>
@@ -14102,7 +13104,7 @@
               <a:t>, will throw </a:t>
             </a:r>
             <a:r>
-              <a:rPr lang="en-SG" sz="2400" dirty="0" err="1" smtClean="0">
+              <a:rPr lang="en-SG" sz="2400" dirty="0" err="1">
                 <a:solidFill>
                   <a:srgbClr val="FF0000"/>
                 </a:solidFill>
@@ -14110,7 +13112,7 @@
               <a:t>IllegalArgumentException</a:t>
             </a:r>
             <a:r>
-              <a:rPr lang="en-SG" sz="2400" dirty="0" smtClean="0">
+              <a:rPr lang="en-SG" sz="2400" dirty="0">
                 <a:solidFill>
                   <a:srgbClr val="FF0000"/>
                 </a:solidFill>
@@ -14118,12 +13120,8 @@
               <a:t> </a:t>
             </a:r>
             <a:r>
-              <a:rPr lang="en-SG" sz="2400" dirty="0" smtClean="0"/>
-              <a:t>("</a:t>
-            </a:r>
-            <a:r>
               <a:rPr lang="en-SG" sz="2400" dirty="0"/>
-              <a:t>Element: " + </a:t>
+              <a:t>("Element: " + </a:t>
             </a:r>
             <a:r>
               <a:rPr lang="en-SG" sz="2400" dirty="0" err="1"/>
@@ -14155,13 +13153,6 @@
   <p:clrMapOvr>
     <a:masterClrMapping/>
   </p:clrMapOvr>
-  <p:timing>
-    <p:tnLst>
-      <p:par>
-        <p:cTn id="1" dur="indefinite" restart="never" nodeType="tmRoot"/>
-      </p:par>
-    </p:tnLst>
-  </p:timing>
 </p:sld>
 </file>
 
@@ -14205,10 +13196,9 @@
           <a:lstStyle/>
           <a:p>
             <a:r>
-              <a:rPr lang="en-US" sz="3600" dirty="0" smtClean="0"/>
+              <a:rPr lang="en-US" sz="3600" dirty="0"/>
               <a:t>Cohort Exercise 2: </a:t>
             </a:r>
-            <a:endParaRPr lang="en-US" sz="3600" dirty="0"/>
           </a:p>
         </p:txBody>
       </p:sp>
@@ -14238,12 +13228,8 @@
               <a:buNone/>
             </a:pPr>
             <a:r>
-              <a:rPr lang="en-US" sz="2400" dirty="0" smtClean="0"/>
-              <a:t>public </a:t>
-            </a:r>
-            <a:r>
               <a:rPr lang="en-US" sz="2400" dirty="0"/>
-              <a:t>class </a:t>
+              <a:t>public class </a:t>
             </a:r>
             <a:r>
               <a:rPr lang="en-US" sz="2400" dirty="0" err="1"/>
@@ -14465,13 +13451,6 @@
   <p:clrMapOvr>
     <a:masterClrMapping/>
   </p:clrMapOvr>
-  <p:timing>
-    <p:tnLst>
-      <p:par>
-        <p:cTn id="1" dur="indefinite" restart="never" nodeType="tmRoot"/>
-      </p:par>
-    </p:tnLst>
-  </p:timing>
 </p:sld>
 </file>
 
@@ -14515,10 +13494,9 @@
           <a:lstStyle/>
           <a:p>
             <a:r>
-              <a:rPr lang="en-US" sz="3600" dirty="0" smtClean="0"/>
+              <a:rPr lang="en-US" sz="3600" dirty="0"/>
               <a:t>Cohort Exercise2: </a:t>
             </a:r>
-            <a:endParaRPr lang="en-US" sz="3600" dirty="0"/>
           </a:p>
         </p:txBody>
       </p:sp>
@@ -14686,15 +13664,15 @@
               <a:buNone/>
             </a:pPr>
             <a:r>
-              <a:rPr lang="en-US" sz="2400" dirty="0" smtClean="0"/>
+              <a:rPr lang="en-US" sz="2400" dirty="0"/>
               <a:t>Implement an exception handler, within </a:t>
             </a:r>
             <a:r>
-              <a:rPr lang="en-US" sz="2400" dirty="0" err="1" smtClean="0"/>
+              <a:rPr lang="en-US" sz="2400" dirty="0" err="1"/>
               <a:t>makeCoffee</a:t>
             </a:r>
             <a:r>
-              <a:rPr lang="en-US" sz="2400" dirty="0" smtClean="0"/>
+              <a:rPr lang="en-US" sz="2400" dirty="0"/>
               <a:t>, that will catch the thrown user-defined exceptions (if any) and return a String comment as follows: </a:t>
             </a:r>
           </a:p>
@@ -14704,17 +13682,16 @@
               <a:buNone/>
             </a:pPr>
             <a:r>
-              <a:rPr lang="en-US" sz="2400" dirty="0" smtClean="0"/>
+              <a:rPr lang="en-US" sz="2400" dirty="0"/>
               <a:t>    </a:t>
             </a:r>
-            <a:endParaRPr lang="en-US" sz="2400" dirty="0"/>
           </a:p>
           <a:p>
             <a:pPr marL="0" indent="0">
               <a:buFont typeface="Arial" panose="020B0604020202020204" pitchFamily="34" charset="0"/>
               <a:buNone/>
             </a:pPr>
-            <a:endParaRPr lang="en-US" sz="2400" dirty="0" smtClean="0"/>
+            <a:endParaRPr lang="en-US" sz="2400" dirty="0"/>
           </a:p>
           <a:p>
             <a:pPr marL="0" indent="0">
@@ -14722,7 +13699,7 @@
               <a:buNone/>
             </a:pPr>
             <a:r>
-              <a:rPr lang="en-US" sz="2400" dirty="0" smtClean="0"/>
+              <a:rPr lang="en-US" sz="2400" dirty="0"/>
               <a:t>Exception 	String comment </a:t>
             </a:r>
           </a:p>
@@ -14732,11 +13709,11 @@
               <a:buNone/>
             </a:pPr>
             <a:r>
-              <a:rPr lang="en-US" sz="2400" dirty="0" err="1" smtClean="0"/>
+              <a:rPr lang="en-US" sz="2400" dirty="0" err="1"/>
               <a:t>TooCold</a:t>
             </a:r>
             <a:r>
-              <a:rPr lang="en-US" sz="2400" dirty="0" smtClean="0"/>
+              <a:rPr lang="en-US" sz="2400" dirty="0"/>
               <a:t> 	“Yuck!” </a:t>
             </a:r>
           </a:p>
@@ -14746,11 +13723,11 @@
               <a:buNone/>
             </a:pPr>
             <a:r>
-              <a:rPr lang="en-US" sz="2400" dirty="0" err="1" smtClean="0"/>
+              <a:rPr lang="en-US" sz="2400" dirty="0" err="1"/>
               <a:t>TooHot</a:t>
             </a:r>
             <a:r>
-              <a:rPr lang="en-US" sz="2400" dirty="0" smtClean="0"/>
+              <a:rPr lang="en-US" sz="2400" dirty="0"/>
               <a:t> 	“Ouch!” </a:t>
             </a:r>
           </a:p>
@@ -14760,15 +13737,15 @@
               <a:buNone/>
             </a:pPr>
             <a:r>
-              <a:rPr lang="en-US" sz="2400" dirty="0" smtClean="0"/>
+              <a:rPr lang="en-US" sz="2400" dirty="0"/>
               <a:t>None     	“</a:t>
             </a:r>
             <a:r>
-              <a:rPr lang="en-US" sz="2400" dirty="0" err="1" smtClean="0"/>
+              <a:rPr lang="en-US" sz="2400" dirty="0" err="1"/>
               <a:t>Mmm</a:t>
             </a:r>
             <a:r>
-              <a:rPr lang="en-US" sz="2400" dirty="0" smtClean="0"/>
+              <a:rPr lang="en-US" sz="2400" dirty="0"/>
               <a:t>!” </a:t>
             </a:r>
           </a:p>
@@ -14791,13 +13768,6 @@
   <p:clrMapOvr>
     <a:masterClrMapping/>
   </p:clrMapOvr>
-  <p:timing>
-    <p:tnLst>
-      <p:par>
-        <p:cTn id="1" dur="indefinite" restart="never" nodeType="tmRoot"/>
-      </p:par>
-    </p:tnLst>
-  </p:timing>
 </p:sld>
 </file>
 
@@ -14834,7 +13804,7 @@
           <a:lstStyle/>
           <a:p>
             <a:r>
-              <a:rPr lang="en-US" altLang="en-US" dirty="0" smtClean="0"/>
+              <a:rPr lang="en-US" altLang="en-US" dirty="0"/>
               <a:t>Further Reading	</a:t>
             </a:r>
           </a:p>
@@ -14856,16 +13826,16 @@
           <a:lstStyle/>
           <a:p>
             <a:r>
-              <a:rPr lang="en-US" altLang="en-US" dirty="0" smtClean="0">
+              <a:rPr lang="en-US" altLang="en-US" dirty="0">
                 <a:hlinkClick r:id="rId2"/>
               </a:rPr>
               <a:t>http://docs.oracle.com/javase/tutorial/essential/exceptions/</a:t>
             </a:r>
-            <a:endParaRPr lang="en-US" altLang="en-US" dirty="0" smtClean="0"/>
-          </a:p>
-          <a:p>
-            <a:r>
-              <a:rPr lang="en-US" altLang="en-US" dirty="0" smtClean="0"/>
+            <a:endParaRPr lang="en-US" altLang="en-US" dirty="0"/>
+          </a:p>
+          <a:p>
+            <a:r>
+              <a:rPr lang="en-US" altLang="en-US" dirty="0"/>
               <a:t>http://www.tutorialspoint.com/java/java_exceptions.htm</a:t>
             </a:r>
           </a:p>
@@ -14881,13 +13851,6 @@
   <p:clrMapOvr>
     <a:masterClrMapping/>
   </p:clrMapOvr>
-  <p:timing>
-    <p:tnLst>
-      <p:par>
-        <p:cTn id="1" dur="indefinite" restart="never" nodeType="tmRoot"/>
-      </p:par>
-    </p:tnLst>
-  </p:timing>
 </p:sld>
 </file>
 
@@ -14931,10 +13894,9 @@
           <a:lstStyle/>
           <a:p>
             <a:r>
-              <a:rPr lang="en-US" b="1" dirty="0" smtClean="0"/>
+              <a:rPr lang="en-US" b="1" dirty="0"/>
               <a:t>Examples of exception</a:t>
             </a:r>
-            <a:endParaRPr lang="en-US" b="1" dirty="0"/>
           </a:p>
         </p:txBody>
       </p:sp>
@@ -14963,13 +13925,8 @@
             <a:pPr lvl="0"/>
             <a:r>
               <a:rPr lang="en-US" dirty="0"/>
-              <a:t>A user has entered an invalid </a:t>
-            </a:r>
-            <a:r>
-              <a:rPr lang="en-US" dirty="0" smtClean="0"/>
-              <a:t>data for example an integer is expected and a String is entered.</a:t>
-            </a:r>
-            <a:endParaRPr lang="en-US" dirty="0"/>
+              <a:t>A user has entered an invalid data for example an integer is expected and a String is entered.</a:t>
+            </a:r>
           </a:p>
           <a:p>
             <a:pPr lvl="0"/>
@@ -14984,7 +13941,6 @@
               <a:rPr lang="en-US" dirty="0"/>
               <a:t>A network connection has been lost in the middle of communications or the JVM has run out of memory. </a:t>
             </a:r>
-            <a:endParaRPr lang="en-US" dirty="0" smtClean="0"/>
           </a:p>
           <a:p>
             <a:pPr marL="0" lvl="0" indent="0">
@@ -14997,43 +13953,18 @@
               <a:buNone/>
             </a:pPr>
             <a:r>
-              <a:rPr lang="en-US" dirty="0" smtClean="0"/>
-              <a:t>Some exceptions </a:t>
-            </a:r>
-            <a:r>
               <a:rPr lang="en-US" dirty="0"/>
-              <a:t>are </a:t>
-            </a:r>
-            <a:r>
-              <a:rPr lang="en-US" dirty="0" smtClean="0"/>
-              <a:t>out of the programmer’s control,  others are because of programmer </a:t>
-            </a:r>
+              <a:t>Some exceptions are out of the programmer’s control,  others are because of programmer error, and others  are caused by physical resources that have failed in some manner.</a:t>
+            </a:r>
+          </a:p>
+          <a:p>
+            <a:pPr marL="0" lvl="0" indent="0">
+              <a:buNone/>
+            </a:pPr>
             <a:r>
               <a:rPr lang="en-US" dirty="0"/>
-              <a:t>error, and others </a:t>
-            </a:r>
-            <a:r>
-              <a:rPr lang="en-US" dirty="0" smtClean="0"/>
-              <a:t> are caused by </a:t>
-            </a:r>
-            <a:r>
-              <a:rPr lang="en-US" dirty="0"/>
-              <a:t>physical resources that have failed in some manner</a:t>
-            </a:r>
-            <a:r>
-              <a:rPr lang="en-US" dirty="0" smtClean="0"/>
-              <a:t>.</a:t>
-            </a:r>
-          </a:p>
-          <a:p>
-            <a:pPr marL="0" lvl="0" indent="0">
-              <a:buNone/>
-            </a:pPr>
-            <a:r>
-              <a:rPr lang="en-US" dirty="0" smtClean="0"/>
               <a:t> </a:t>
             </a:r>
-            <a:endParaRPr lang="en-US" dirty="0"/>
           </a:p>
         </p:txBody>
       </p:sp>
@@ -15047,13 +13978,6 @@
   <p:clrMapOvr>
     <a:masterClrMapping/>
   </p:clrMapOvr>
-  <p:timing>
-    <p:tnLst>
-      <p:par>
-        <p:cTn id="1" dur="indefinite" restart="never" nodeType="tmRoot"/>
-      </p:par>
-    </p:tnLst>
-  </p:timing>
 </p:sld>
 </file>
 
@@ -15090,10 +14014,9 @@
           <a:lstStyle/>
           <a:p>
             <a:r>
-              <a:rPr lang="en-US" b="1" dirty="0" smtClean="0"/>
+              <a:rPr lang="en-US" b="1" dirty="0"/>
               <a:t>Two categories of exceptions</a:t>
             </a:r>
-            <a:endParaRPr lang="en-US" b="1" dirty="0"/>
           </a:p>
         </p:txBody>
       </p:sp>
@@ -15129,11 +14052,7 @@
             </a:r>
             <a:r>
               <a:rPr lang="en-US" dirty="0"/>
-              <a:t> − A checked exception is an exception that occurs at the compile time, these are also called as compile time exceptions. These exceptions cannot simply be ignored at the time of compilation, the programmer should take care of (handle) these exceptions</a:t>
-            </a:r>
-            <a:r>
-              <a:rPr lang="en-US" dirty="0" smtClean="0"/>
-              <a:t>.</a:t>
+              <a:t> − A checked exception is an exception that occurs at the compile time, these are also called as compile time exceptions. These exceptions cannot simply be ignored at the time of compilation, the programmer should take care of (handle) these exceptions.</a:t>
             </a:r>
           </a:p>
           <a:p>
@@ -15153,11 +14072,7 @@
             </a:r>
             <a:r>
               <a:rPr lang="en-US" dirty="0"/>
-              <a:t> class in your program to read data from a file, </a:t>
-            </a:r>
-            <a:r>
-              <a:rPr lang="en-US" dirty="0" smtClean="0"/>
-              <a:t>if the  </a:t>
+              <a:t> class in your program to read data from a file, if the  </a:t>
             </a:r>
             <a:r>
               <a:rPr lang="en-US" dirty="0" err="1"/>
@@ -15165,21 +14080,8 @@
             </a:r>
             <a:r>
               <a:rPr lang="en-US" dirty="0"/>
-              <a:t> </a:t>
-            </a:r>
-            <a:r>
-              <a:rPr lang="en-US" dirty="0" smtClean="0"/>
-              <a:t>has not been handled, the </a:t>
-            </a:r>
-            <a:r>
-              <a:rPr lang="en-US" dirty="0"/>
-              <a:t>compiler prompts the programmer to handle the exception</a:t>
-            </a:r>
-            <a:r>
-              <a:rPr lang="en-US" dirty="0" smtClean="0"/>
-              <a:t>.</a:t>
-            </a:r>
-            <a:endParaRPr lang="en-US" dirty="0"/>
+              <a:t> has not been handled, the compiler prompts the programmer to handle the exception.</a:t>
+            </a:r>
           </a:p>
         </p:txBody>
       </p:sp>
@@ -15193,13 +14095,6 @@
   <p:clrMapOvr>
     <a:masterClrMapping/>
   </p:clrMapOvr>
-  <p:timing>
-    <p:tnLst>
-      <p:par>
-        <p:cTn id="1" dur="indefinite" restart="never" nodeType="tmRoot"/>
-      </p:par>
-    </p:tnLst>
-  </p:timing>
 </p:sld>
 </file>
 
@@ -15284,10 +14179,9 @@
           <a:lstStyle/>
           <a:p>
             <a:r>
-              <a:rPr lang="en-US" dirty="0" smtClean="0"/>
+              <a:rPr lang="en-US" dirty="0"/>
               <a:t>Example of checked exceptions</a:t>
             </a:r>
-            <a:endParaRPr lang="en-US" dirty="0"/>
           </a:p>
         </p:txBody>
       </p:sp>
@@ -15317,7 +14211,7 @@
               <a:buNone/>
             </a:pPr>
             <a:r>
-              <a:rPr lang="en-US" b="1" dirty="0" smtClean="0"/>
+              <a:rPr lang="en-US" b="1" dirty="0"/>
               <a:t>import </a:t>
             </a:r>
             <a:r>
@@ -15325,12 +14219,8 @@
               <a:t>java.io.File</a:t>
             </a:r>
             <a:r>
-              <a:rPr lang="en-US" dirty="0" smtClean="0"/>
+              <a:rPr lang="en-US" dirty="0"/>
               <a:t>;</a:t>
-            </a:r>
-            <a:r>
-              <a:rPr lang="en-US" dirty="0"/>
-              <a:t/>
             </a:r>
             <a:br>
               <a:rPr lang="en-US" dirty="0"/>
@@ -15344,7 +14234,7 @@
               <a:t>java.io.FileReader</a:t>
             </a:r>
             <a:r>
-              <a:rPr lang="en-US" dirty="0" smtClean="0"/>
+              <a:rPr lang="en-US" dirty="0"/>
               <a:t>;</a:t>
             </a:r>
           </a:p>
@@ -15359,12 +14249,8 @@
               <a:buNone/>
             </a:pPr>
             <a:r>
-              <a:rPr lang="en-US" b="1" dirty="0" smtClean="0"/>
-              <a:t>public </a:t>
-            </a:r>
-            <a:r>
               <a:rPr lang="en-US" b="1" dirty="0"/>
-              <a:t>class </a:t>
+              <a:t>public class </a:t>
             </a:r>
             <a:r>
               <a:rPr lang="en-US" dirty="0" err="1"/>
@@ -15468,15 +14354,7 @@
             </a:r>
             <a:r>
               <a:rPr lang="en-US" b="1" dirty="0"/>
-              <a:t>"e:\\</a:t>
-            </a:r>
-            <a:r>
-              <a:rPr lang="en-US" b="1" dirty="0" smtClean="0"/>
-              <a:t>ubunturef.pdf</a:t>
-            </a:r>
-            <a:r>
-              <a:rPr lang="en-US" b="1" dirty="0"/>
-              <a:t>"</a:t>
+              <a:t>"e:\\ubunturef.pdf"</a:t>
             </a:r>
             <a:r>
               <a:rPr lang="en-US" dirty="0"/>
@@ -15515,15 +14393,7 @@
             </a:r>
             <a:r>
               <a:rPr lang="en-US" dirty="0"/>
-              <a:t>(file</a:t>
-            </a:r>
-            <a:r>
-              <a:rPr lang="en-US" dirty="0" smtClean="0"/>
-              <a:t>);</a:t>
-            </a:r>
-            <a:r>
-              <a:rPr lang="en-US" dirty="0"/>
-              <a:t/>
+              <a:t>(file);</a:t>
             </a:r>
             <a:br>
               <a:rPr lang="en-US" dirty="0"/>
@@ -15556,13 +14426,6 @@
   <p:clrMapOvr>
     <a:masterClrMapping/>
   </p:clrMapOvr>
-  <p:timing>
-    <p:tnLst>
-      <p:par>
-        <p:cTn id="1" dur="indefinite" restart="never" nodeType="tmRoot"/>
-      </p:par>
-    </p:tnLst>
-  </p:timing>
 </p:sld>
 </file>
 
@@ -15636,10 +14499,9 @@
           <a:lstStyle/>
           <a:p>
             <a:r>
-              <a:rPr lang="en-US" u="sng" dirty="0" smtClean="0"/>
+              <a:rPr lang="en-US" u="sng" dirty="0"/>
               <a:t>Result: Compile time error</a:t>
             </a:r>
-            <a:endParaRPr lang="en-US" u="sng" dirty="0"/>
           </a:p>
         </p:txBody>
       </p:sp>
@@ -15653,13 +14515,6 @@
   <p:clrMapOvr>
     <a:masterClrMapping/>
   </p:clrMapOvr>
-  <p:timing>
-    <p:tnLst>
-      <p:par>
-        <p:cTn id="1" dur="indefinite" restart="never" nodeType="tmRoot"/>
-      </p:par>
-    </p:tnLst>
-  </p:timing>
 </p:sld>
 </file>
 
@@ -15696,10 +14551,9 @@
           <a:lstStyle/>
           <a:p>
             <a:r>
-              <a:rPr lang="en-US" b="1" dirty="0" smtClean="0"/>
+              <a:rPr lang="en-US" b="1" dirty="0"/>
               <a:t>Two categories of exceptions</a:t>
             </a:r>
-            <a:endParaRPr lang="en-US" b="1" dirty="0"/>
           </a:p>
         </p:txBody>
       </p:sp>
@@ -15729,12 +14583,8 @@
               <a:buNone/>
             </a:pPr>
             <a:r>
-              <a:rPr lang="en-US" b="1" dirty="0" smtClean="0"/>
-              <a:t>2. Unchecked </a:t>
-            </a:r>
-            <a:r>
               <a:rPr lang="en-US" b="1" dirty="0"/>
-              <a:t>exceptions</a:t>
+              <a:t>2. Unchecked exceptions</a:t>
             </a:r>
             <a:r>
               <a:rPr lang="en-US" dirty="0"/>
@@ -15746,19 +14596,7 @@
             </a:r>
             <a:r>
               <a:rPr lang="en-US" dirty="0"/>
-              <a:t>. These include programming bugs, such as </a:t>
-            </a:r>
-            <a:r>
-              <a:rPr lang="en-US" dirty="0" smtClean="0"/>
-              <a:t>array index out of bounds, or divide by zero. </a:t>
-            </a:r>
-            <a:r>
-              <a:rPr lang="en-US" dirty="0"/>
-              <a:t>Runtime exceptions are ignored at the time of </a:t>
-            </a:r>
-            <a:r>
-              <a:rPr lang="en-US" dirty="0" smtClean="0"/>
-              <a:t>compilation.</a:t>
+              <a:t>. These include programming bugs, such as array index out of bounds, or divide by zero. Runtime exceptions are ignored at the time of compilation.</a:t>
             </a:r>
           </a:p>
           <a:p>
@@ -15770,47 +14608,7 @@
           <a:p>
             <a:r>
               <a:rPr lang="en-US" dirty="0"/>
-              <a:t>For example, </a:t>
-            </a:r>
-            <a:r>
-              <a:rPr lang="en-US" dirty="0" smtClean="0"/>
-              <a:t>if </a:t>
-            </a:r>
-            <a:r>
-              <a:rPr lang="en-US" dirty="0"/>
-              <a:t>you </a:t>
-            </a:r>
-            <a:r>
-              <a:rPr lang="en-US" dirty="0" smtClean="0"/>
-              <a:t>declare </a:t>
-            </a:r>
-            <a:r>
-              <a:rPr lang="en-US" dirty="0"/>
-              <a:t>an array of size </a:t>
-            </a:r>
-            <a:r>
-              <a:rPr lang="en-US" dirty="0" smtClean="0"/>
-              <a:t>3 </a:t>
-            </a:r>
-            <a:r>
-              <a:rPr lang="en-US" dirty="0"/>
-              <a:t>in your program, and </a:t>
-            </a:r>
-            <a:r>
-              <a:rPr lang="en-US" dirty="0" smtClean="0"/>
-              <a:t>try </a:t>
-            </a:r>
-            <a:r>
-              <a:rPr lang="en-US" dirty="0"/>
-              <a:t>to call the </a:t>
-            </a:r>
-            <a:r>
-              <a:rPr lang="en-US" dirty="0" smtClean="0"/>
-              <a:t>4th </a:t>
-            </a:r>
-            <a:r>
-              <a:rPr lang="en-US" dirty="0"/>
-              <a:t>element of the array then an </a:t>
+              <a:t>For example, if you declare an array of size 3 in your program, and try to call the 4th element of the array then an </a:t>
             </a:r>
             <a:r>
               <a:rPr lang="en-US" i="1" dirty="0" err="1"/>
@@ -15833,13 +14631,6 @@
   <p:clrMapOvr>
     <a:masterClrMapping/>
   </p:clrMapOvr>
-  <p:timing>
-    <p:tnLst>
-      <p:par>
-        <p:cTn id="1" dur="indefinite" restart="never" nodeType="tmRoot"/>
-      </p:par>
-    </p:tnLst>
-  </p:timing>
 </p:sld>
 </file>
 
@@ -15954,10 +14745,6 @@
             <a:br>
               <a:rPr lang="en-US" sz="3600" dirty="0"/>
             </a:br>
-            <a:r>
-              <a:rPr lang="en-US" sz="3600" dirty="0"/>
-              <a:t/>
-            </a:r>
             <a:br>
               <a:rPr lang="en-US" sz="3600" dirty="0"/>
             </a:br>
@@ -16007,7 +14794,7 @@
               <a:rPr lang="en-US" sz="3600" dirty="0"/>
             </a:br>
             <a:r>
-              <a:rPr lang="en-US" sz="3600" dirty="0" smtClean="0"/>
+              <a:rPr lang="en-US" sz="3600" dirty="0"/>
               <a:t>}</a:t>
             </a:r>
           </a:p>
@@ -16015,7 +14802,7 @@
             <a:pPr marL="0" indent="0">
               <a:buNone/>
             </a:pPr>
-            <a:endParaRPr lang="en-US" sz="2400" b="1" u="sng" dirty="0" smtClean="0"/>
+            <a:endParaRPr lang="en-US" sz="2400" b="1" u="sng" dirty="0"/>
           </a:p>
           <a:p>
             <a:pPr marL="0" indent="0">
@@ -16050,10 +14837,9 @@
           <a:lstStyle/>
           <a:p>
             <a:r>
-              <a:rPr lang="en-US" dirty="0" smtClean="0"/>
+              <a:rPr lang="en-US" dirty="0"/>
               <a:t>Example of unchecked exceptions</a:t>
             </a:r>
-            <a:endParaRPr lang="en-US" dirty="0"/>
           </a:p>
         </p:txBody>
       </p:sp>
@@ -16067,13 +14853,6 @@
   <p:clrMapOvr>
     <a:masterClrMapping/>
   </p:clrMapOvr>
-  <p:timing>
-    <p:tnLst>
-      <p:par>
-        <p:cTn id="1" dur="indefinite" restart="never" nodeType="tmRoot"/>
-      </p:par>
-    </p:tnLst>
-  </p:timing>
 </p:sld>
 </file>
 
